--- a/Day 1/SOLID Software Design Principles/Slides/6. Modularizing Abstractions with the Interface Segregation Principle (ISP)/modularizing-abstractions-with-the-interface-segregation-principle-isp-slides.pptx
+++ b/Day 1/SOLID Software Design Principles/Slides/6. Modularizing Abstractions with the Interface Segregation Principle (ISP)/modularizing-abstractions-with-the-interface-segregation-principle-isp-slides.pptx
@@ -4,39 +4,503 @@
   <p:sldMasterIdLst>
     <p:sldMasterId id="2147483648" r:id="rId1"/>
   </p:sldMasterIdLst>
+  <p:notesMasterIdLst>
+    <p:notesMasterId r:id="rId26"/>
+  </p:notesMasterIdLst>
   <p:sldIdLst>
-    <p:sldId id="256" r:id="rId6"/>
-    <p:sldId id="257" r:id="rId7"/>
-    <p:sldId id="258" r:id="rId8"/>
-    <p:sldId id="259" r:id="rId9"/>
-    <p:sldId id="260" r:id="rId10"/>
-    <p:sldId id="261" r:id="rId11"/>
-    <p:sldId id="262" r:id="rId12"/>
-    <p:sldId id="263" r:id="rId13"/>
-    <p:sldId id="264" r:id="rId14"/>
-    <p:sldId id="265" r:id="rId15"/>
-    <p:sldId id="266" r:id="rId16"/>
-    <p:sldId id="267" r:id="rId17"/>
-    <p:sldId id="268" r:id="rId18"/>
-    <p:sldId id="269" r:id="rId19"/>
-    <p:sldId id="270" r:id="rId20"/>
-    <p:sldId id="271" r:id="rId21"/>
-    <p:sldId id="272" r:id="rId22"/>
-    <p:sldId id="273" r:id="rId23"/>
-    <p:sldId id="274" r:id="rId24"/>
-    <p:sldId id="275" r:id="rId25"/>
-    <p:sldId id="276" r:id="rId26"/>
-    <p:sldId id="277" r:id="rId27"/>
-    <p:sldId id="278" r:id="rId28"/>
-    <p:sldId id="279" r:id="rId29"/>
+    <p:sldId id="256" r:id="rId2"/>
+    <p:sldId id="257" r:id="rId3"/>
+    <p:sldId id="258" r:id="rId4"/>
+    <p:sldId id="259" r:id="rId5"/>
+    <p:sldId id="260" r:id="rId6"/>
+    <p:sldId id="261" r:id="rId7"/>
+    <p:sldId id="262" r:id="rId8"/>
+    <p:sldId id="263" r:id="rId9"/>
+    <p:sldId id="264" r:id="rId10"/>
+    <p:sldId id="265" r:id="rId11"/>
+    <p:sldId id="266" r:id="rId12"/>
+    <p:sldId id="267" r:id="rId13"/>
+    <p:sldId id="268" r:id="rId14"/>
+    <p:sldId id="269" r:id="rId15"/>
+    <p:sldId id="270" r:id="rId16"/>
+    <p:sldId id="271" r:id="rId17"/>
+    <p:sldId id="272" r:id="rId18"/>
+    <p:sldId id="273" r:id="rId19"/>
+    <p:sldId id="274" r:id="rId20"/>
+    <p:sldId id="275" r:id="rId21"/>
+    <p:sldId id="276" r:id="rId22"/>
+    <p:sldId id="277" r:id="rId23"/>
+    <p:sldId id="278" r:id="rId24"/>
+    <p:sldId id="279" r:id="rId25"/>
   </p:sldIdLst>
   <p:sldSz cx="12192000" cy="6858000"/>
   <p:notesSz cx="12192000" cy="6858000"/>
+  <p:defaultTextStyle>
+    <a:defPPr>
+      <a:defRPr lang="en-US"/>
+    </a:defPPr>
+    <a:lvl1pPr marL="0" algn="l" defTabSz="914400" rtl="0" eaLnBrk="1" latinLnBrk="0" hangingPunct="1">
+      <a:defRPr sz="1800" kern="1200">
+        <a:solidFill>
+          <a:schemeClr val="tx1"/>
+        </a:solidFill>
+        <a:latin typeface="+mn-lt"/>
+        <a:ea typeface="+mn-ea"/>
+        <a:cs typeface="+mn-cs"/>
+      </a:defRPr>
+    </a:lvl1pPr>
+    <a:lvl2pPr marL="457200" algn="l" defTabSz="914400" rtl="0" eaLnBrk="1" latinLnBrk="0" hangingPunct="1">
+      <a:defRPr sz="1800" kern="1200">
+        <a:solidFill>
+          <a:schemeClr val="tx1"/>
+        </a:solidFill>
+        <a:latin typeface="+mn-lt"/>
+        <a:ea typeface="+mn-ea"/>
+        <a:cs typeface="+mn-cs"/>
+      </a:defRPr>
+    </a:lvl2pPr>
+    <a:lvl3pPr marL="914400" algn="l" defTabSz="914400" rtl="0" eaLnBrk="1" latinLnBrk="0" hangingPunct="1">
+      <a:defRPr sz="1800" kern="1200">
+        <a:solidFill>
+          <a:schemeClr val="tx1"/>
+        </a:solidFill>
+        <a:latin typeface="+mn-lt"/>
+        <a:ea typeface="+mn-ea"/>
+        <a:cs typeface="+mn-cs"/>
+      </a:defRPr>
+    </a:lvl3pPr>
+    <a:lvl4pPr marL="1371600" algn="l" defTabSz="914400" rtl="0" eaLnBrk="1" latinLnBrk="0" hangingPunct="1">
+      <a:defRPr sz="1800" kern="1200">
+        <a:solidFill>
+          <a:schemeClr val="tx1"/>
+        </a:solidFill>
+        <a:latin typeface="+mn-lt"/>
+        <a:ea typeface="+mn-ea"/>
+        <a:cs typeface="+mn-cs"/>
+      </a:defRPr>
+    </a:lvl4pPr>
+    <a:lvl5pPr marL="1828800" algn="l" defTabSz="914400" rtl="0" eaLnBrk="1" latinLnBrk="0" hangingPunct="1">
+      <a:defRPr sz="1800" kern="1200">
+        <a:solidFill>
+          <a:schemeClr val="tx1"/>
+        </a:solidFill>
+        <a:latin typeface="+mn-lt"/>
+        <a:ea typeface="+mn-ea"/>
+        <a:cs typeface="+mn-cs"/>
+      </a:defRPr>
+    </a:lvl5pPr>
+    <a:lvl6pPr marL="2286000" algn="l" defTabSz="914400" rtl="0" eaLnBrk="1" latinLnBrk="0" hangingPunct="1">
+      <a:defRPr sz="1800" kern="1200">
+        <a:solidFill>
+          <a:schemeClr val="tx1"/>
+        </a:solidFill>
+        <a:latin typeface="+mn-lt"/>
+        <a:ea typeface="+mn-ea"/>
+        <a:cs typeface="+mn-cs"/>
+      </a:defRPr>
+    </a:lvl6pPr>
+    <a:lvl7pPr marL="2743200" algn="l" defTabSz="914400" rtl="0" eaLnBrk="1" latinLnBrk="0" hangingPunct="1">
+      <a:defRPr sz="1800" kern="1200">
+        <a:solidFill>
+          <a:schemeClr val="tx1"/>
+        </a:solidFill>
+        <a:latin typeface="+mn-lt"/>
+        <a:ea typeface="+mn-ea"/>
+        <a:cs typeface="+mn-cs"/>
+      </a:defRPr>
+    </a:lvl7pPr>
+    <a:lvl8pPr marL="3200400" algn="l" defTabSz="914400" rtl="0" eaLnBrk="1" latinLnBrk="0" hangingPunct="1">
+      <a:defRPr sz="1800" kern="1200">
+        <a:solidFill>
+          <a:schemeClr val="tx1"/>
+        </a:solidFill>
+        <a:latin typeface="+mn-lt"/>
+        <a:ea typeface="+mn-ea"/>
+        <a:cs typeface="+mn-cs"/>
+      </a:defRPr>
+    </a:lvl8pPr>
+    <a:lvl9pPr marL="3657600" algn="l" defTabSz="914400" rtl="0" eaLnBrk="1" latinLnBrk="0" hangingPunct="1">
+      <a:defRPr sz="1800" kern="1200">
+        <a:solidFill>
+          <a:schemeClr val="tx1"/>
+        </a:solidFill>
+        <a:latin typeface="+mn-lt"/>
+        <a:ea typeface="+mn-ea"/>
+        <a:cs typeface="+mn-cs"/>
+      </a:defRPr>
+    </a:lvl9pPr>
+  </p:defaultTextStyle>
+  <p:extLst>
+    <p:ext uri="{EFAFB233-063F-42B5-8137-9DF3F51BA10A}">
+      <p15:sldGuideLst xmlns:p15="http://schemas.microsoft.com/office/powerpoint/2012/main">
+        <p15:guide id="1" orient="horz" pos="2880">
+          <p15:clr>
+            <a:srgbClr val="A4A3A4"/>
+          </p15:clr>
+        </p15:guide>
+        <p15:guide id="2" pos="2160">
+          <p15:clr>
+            <a:srgbClr val="A4A3A4"/>
+          </p15:clr>
+        </p15:guide>
+      </p15:sldGuideLst>
+    </p:ext>
+  </p:extLst>
 </p:presentation>
 </file>
 
+<file path=ppt/notesMasters/notesMaster1.xml><?xml version="1.0" encoding="utf-8"?>
+<p:notesMaster xmlns:a="http://schemas.openxmlformats.org/drawingml/2006/main" xmlns:r="http://schemas.openxmlformats.org/officeDocument/2006/relationships" xmlns:p="http://schemas.openxmlformats.org/presentationml/2006/main">
+  <p:cSld>
+    <p:bg>
+      <p:bgRef idx="1001">
+        <a:schemeClr val="bg1"/>
+      </p:bgRef>
+    </p:bg>
+    <p:spTree>
+      <p:nvGrpSpPr>
+        <p:cNvPr id="1" name=""/>
+        <p:cNvGrpSpPr/>
+        <p:nvPr/>
+      </p:nvGrpSpPr>
+      <p:grpSpPr>
+        <a:xfrm>
+          <a:off x="0" y="0"/>
+          <a:ext cx="0" cy="0"/>
+          <a:chOff x="0" y="0"/>
+          <a:chExt cx="0" cy="0"/>
+        </a:xfrm>
+      </p:grpSpPr>
+      <p:sp>
+        <p:nvSpPr>
+          <p:cNvPr id="2" name="Header Placeholder 1"/>
+          <p:cNvSpPr>
+            <a:spLocks noGrp="1"/>
+          </p:cNvSpPr>
+          <p:nvPr>
+            <p:ph type="hdr" sz="quarter"/>
+          </p:nvPr>
+        </p:nvSpPr>
+        <p:spPr>
+          <a:xfrm>
+            <a:off x="0" y="0"/>
+            <a:ext cx="5283200" cy="344488"/>
+          </a:xfrm>
+          <a:prstGeom prst="rect">
+            <a:avLst/>
+          </a:prstGeom>
+        </p:spPr>
+        <p:txBody>
+          <a:bodyPr vert="horz" lIns="91440" tIns="45720" rIns="91440" bIns="45720" rtlCol="0"/>
+          <a:lstStyle>
+            <a:lvl1pPr algn="l">
+              <a:defRPr sz="1200"/>
+            </a:lvl1pPr>
+          </a:lstStyle>
+          <a:p>
+            <a:endParaRPr lang="en-IN"/>
+          </a:p>
+        </p:txBody>
+      </p:sp>
+      <p:sp>
+        <p:nvSpPr>
+          <p:cNvPr id="3" name="Date Placeholder 2"/>
+          <p:cNvSpPr>
+            <a:spLocks noGrp="1"/>
+          </p:cNvSpPr>
+          <p:nvPr>
+            <p:ph type="dt" idx="1"/>
+          </p:nvPr>
+        </p:nvSpPr>
+        <p:spPr>
+          <a:xfrm>
+            <a:off x="6905625" y="0"/>
+            <a:ext cx="5283200" cy="344488"/>
+          </a:xfrm>
+          <a:prstGeom prst="rect">
+            <a:avLst/>
+          </a:prstGeom>
+        </p:spPr>
+        <p:txBody>
+          <a:bodyPr vert="horz" lIns="91440" tIns="45720" rIns="91440" bIns="45720" rtlCol="0"/>
+          <a:lstStyle>
+            <a:lvl1pPr algn="r">
+              <a:defRPr sz="1200"/>
+            </a:lvl1pPr>
+          </a:lstStyle>
+          <a:p>
+            <a:fld id="{39FD03BB-6AC3-4249-ADE7-7632831A5000}" type="datetimeFigureOut">
+              <a:rPr lang="en-IN" smtClean="0"/>
+              <a:t>16-09-2024</a:t>
+            </a:fld>
+            <a:endParaRPr lang="en-IN"/>
+          </a:p>
+        </p:txBody>
+      </p:sp>
+      <p:sp>
+        <p:nvSpPr>
+          <p:cNvPr id="4" name="Slide Image Placeholder 3"/>
+          <p:cNvSpPr>
+            <a:spLocks noGrp="1" noRot="1" noChangeAspect="1"/>
+          </p:cNvSpPr>
+          <p:nvPr>
+            <p:ph type="sldImg" idx="2"/>
+          </p:nvPr>
+        </p:nvSpPr>
+        <p:spPr>
+          <a:xfrm>
+            <a:off x="4038600" y="857250"/>
+            <a:ext cx="4114800" cy="2314575"/>
+          </a:xfrm>
+          <a:prstGeom prst="rect">
+            <a:avLst/>
+          </a:prstGeom>
+          <a:noFill/>
+          <a:ln w="12700">
+            <a:solidFill>
+              <a:prstClr val="black"/>
+            </a:solidFill>
+          </a:ln>
+        </p:spPr>
+        <p:txBody>
+          <a:bodyPr vert="horz" lIns="91440" tIns="45720" rIns="91440" bIns="45720" rtlCol="0" anchor="ctr"/>
+          <a:lstStyle/>
+          <a:p>
+            <a:endParaRPr lang="en-IN"/>
+          </a:p>
+        </p:txBody>
+      </p:sp>
+      <p:sp>
+        <p:nvSpPr>
+          <p:cNvPr id="5" name="Notes Placeholder 4"/>
+          <p:cNvSpPr>
+            <a:spLocks noGrp="1"/>
+          </p:cNvSpPr>
+          <p:nvPr>
+            <p:ph type="body" sz="quarter" idx="3"/>
+          </p:nvPr>
+        </p:nvSpPr>
+        <p:spPr>
+          <a:xfrm>
+            <a:off x="1219200" y="3300413"/>
+            <a:ext cx="9753600" cy="2700337"/>
+          </a:xfrm>
+          <a:prstGeom prst="rect">
+            <a:avLst/>
+          </a:prstGeom>
+        </p:spPr>
+        <p:txBody>
+          <a:bodyPr vert="horz" lIns="91440" tIns="45720" rIns="91440" bIns="45720" rtlCol="0"/>
+          <a:lstStyle/>
+          <a:p>
+            <a:pPr lvl="0"/>
+            <a:r>
+              <a:rPr lang="en-US"/>
+              <a:t>Click to edit Master text styles</a:t>
+            </a:r>
+          </a:p>
+          <a:p>
+            <a:pPr lvl="1"/>
+            <a:r>
+              <a:rPr lang="en-US"/>
+              <a:t>Second level</a:t>
+            </a:r>
+          </a:p>
+          <a:p>
+            <a:pPr lvl="2"/>
+            <a:r>
+              <a:rPr lang="en-US"/>
+              <a:t>Third level</a:t>
+            </a:r>
+          </a:p>
+          <a:p>
+            <a:pPr lvl="3"/>
+            <a:r>
+              <a:rPr lang="en-US"/>
+              <a:t>Fourth level</a:t>
+            </a:r>
+          </a:p>
+          <a:p>
+            <a:pPr lvl="4"/>
+            <a:r>
+              <a:rPr lang="en-US"/>
+              <a:t>Fifth level</a:t>
+            </a:r>
+            <a:endParaRPr lang="en-IN"/>
+          </a:p>
+        </p:txBody>
+      </p:sp>
+      <p:sp>
+        <p:nvSpPr>
+          <p:cNvPr id="6" name="Footer Placeholder 5"/>
+          <p:cNvSpPr>
+            <a:spLocks noGrp="1"/>
+          </p:cNvSpPr>
+          <p:nvPr>
+            <p:ph type="ftr" sz="quarter" idx="4"/>
+          </p:nvPr>
+        </p:nvSpPr>
+        <p:spPr>
+          <a:xfrm>
+            <a:off x="0" y="6513513"/>
+            <a:ext cx="5283200" cy="344487"/>
+          </a:xfrm>
+          <a:prstGeom prst="rect">
+            <a:avLst/>
+          </a:prstGeom>
+        </p:spPr>
+        <p:txBody>
+          <a:bodyPr vert="horz" lIns="91440" tIns="45720" rIns="91440" bIns="45720" rtlCol="0" anchor="b"/>
+          <a:lstStyle>
+            <a:lvl1pPr algn="l">
+              <a:defRPr sz="1200"/>
+            </a:lvl1pPr>
+          </a:lstStyle>
+          <a:p>
+            <a:endParaRPr lang="en-IN"/>
+          </a:p>
+        </p:txBody>
+      </p:sp>
+      <p:sp>
+        <p:nvSpPr>
+          <p:cNvPr id="7" name="Slide Number Placeholder 6"/>
+          <p:cNvSpPr>
+            <a:spLocks noGrp="1"/>
+          </p:cNvSpPr>
+          <p:nvPr>
+            <p:ph type="sldNum" sz="quarter" idx="5"/>
+          </p:nvPr>
+        </p:nvSpPr>
+        <p:spPr>
+          <a:xfrm>
+            <a:off x="6905625" y="6513513"/>
+            <a:ext cx="5283200" cy="344487"/>
+          </a:xfrm>
+          <a:prstGeom prst="rect">
+            <a:avLst/>
+          </a:prstGeom>
+        </p:spPr>
+        <p:txBody>
+          <a:bodyPr vert="horz" lIns="91440" tIns="45720" rIns="91440" bIns="45720" rtlCol="0" anchor="b"/>
+          <a:lstStyle>
+            <a:lvl1pPr algn="r">
+              <a:defRPr sz="1200"/>
+            </a:lvl1pPr>
+          </a:lstStyle>
+          <a:p>
+            <a:fld id="{A6CCB850-7655-493F-B37F-BE6F35D62557}" type="slidenum">
+              <a:rPr lang="en-IN" smtClean="0"/>
+              <a:t>‹#›</a:t>
+            </a:fld>
+            <a:endParaRPr lang="en-IN"/>
+          </a:p>
+        </p:txBody>
+      </p:sp>
+    </p:spTree>
+    <p:extLst>
+      <p:ext uri="{BB962C8B-B14F-4D97-AF65-F5344CB8AC3E}">
+        <p14:creationId xmlns:p14="http://schemas.microsoft.com/office/powerpoint/2010/main" val="3334731349"/>
+      </p:ext>
+    </p:extLst>
+  </p:cSld>
+  <p:clrMap bg1="lt1" tx1="dk1" bg2="lt2" tx2="dk2" accent1="accent1" accent2="accent2" accent3="accent3" accent4="accent4" accent5="accent5" accent6="accent6" hlink="hlink" folHlink="folHlink"/>
+  <p:notesStyle>
+    <a:lvl1pPr marL="0" algn="l" defTabSz="914400" rtl="0" eaLnBrk="1" latinLnBrk="0" hangingPunct="1">
+      <a:defRPr sz="1200" kern="1200">
+        <a:solidFill>
+          <a:schemeClr val="tx1"/>
+        </a:solidFill>
+        <a:latin typeface="+mn-lt"/>
+        <a:ea typeface="+mn-ea"/>
+        <a:cs typeface="+mn-cs"/>
+      </a:defRPr>
+    </a:lvl1pPr>
+    <a:lvl2pPr marL="457200" algn="l" defTabSz="914400" rtl="0" eaLnBrk="1" latinLnBrk="0" hangingPunct="1">
+      <a:defRPr sz="1200" kern="1200">
+        <a:solidFill>
+          <a:schemeClr val="tx1"/>
+        </a:solidFill>
+        <a:latin typeface="+mn-lt"/>
+        <a:ea typeface="+mn-ea"/>
+        <a:cs typeface="+mn-cs"/>
+      </a:defRPr>
+    </a:lvl2pPr>
+    <a:lvl3pPr marL="914400" algn="l" defTabSz="914400" rtl="0" eaLnBrk="1" latinLnBrk="0" hangingPunct="1">
+      <a:defRPr sz="1200" kern="1200">
+        <a:solidFill>
+          <a:schemeClr val="tx1"/>
+        </a:solidFill>
+        <a:latin typeface="+mn-lt"/>
+        <a:ea typeface="+mn-ea"/>
+        <a:cs typeface="+mn-cs"/>
+      </a:defRPr>
+    </a:lvl3pPr>
+    <a:lvl4pPr marL="1371600" algn="l" defTabSz="914400" rtl="0" eaLnBrk="1" latinLnBrk="0" hangingPunct="1">
+      <a:defRPr sz="1200" kern="1200">
+        <a:solidFill>
+          <a:schemeClr val="tx1"/>
+        </a:solidFill>
+        <a:latin typeface="+mn-lt"/>
+        <a:ea typeface="+mn-ea"/>
+        <a:cs typeface="+mn-cs"/>
+      </a:defRPr>
+    </a:lvl4pPr>
+    <a:lvl5pPr marL="1828800" algn="l" defTabSz="914400" rtl="0" eaLnBrk="1" latinLnBrk="0" hangingPunct="1">
+      <a:defRPr sz="1200" kern="1200">
+        <a:solidFill>
+          <a:schemeClr val="tx1"/>
+        </a:solidFill>
+        <a:latin typeface="+mn-lt"/>
+        <a:ea typeface="+mn-ea"/>
+        <a:cs typeface="+mn-cs"/>
+      </a:defRPr>
+    </a:lvl5pPr>
+    <a:lvl6pPr marL="2286000" algn="l" defTabSz="914400" rtl="0" eaLnBrk="1" latinLnBrk="0" hangingPunct="1">
+      <a:defRPr sz="1200" kern="1200">
+        <a:solidFill>
+          <a:schemeClr val="tx1"/>
+        </a:solidFill>
+        <a:latin typeface="+mn-lt"/>
+        <a:ea typeface="+mn-ea"/>
+        <a:cs typeface="+mn-cs"/>
+      </a:defRPr>
+    </a:lvl6pPr>
+    <a:lvl7pPr marL="2743200" algn="l" defTabSz="914400" rtl="0" eaLnBrk="1" latinLnBrk="0" hangingPunct="1">
+      <a:defRPr sz="1200" kern="1200">
+        <a:solidFill>
+          <a:schemeClr val="tx1"/>
+        </a:solidFill>
+        <a:latin typeface="+mn-lt"/>
+        <a:ea typeface="+mn-ea"/>
+        <a:cs typeface="+mn-cs"/>
+      </a:defRPr>
+    </a:lvl7pPr>
+    <a:lvl8pPr marL="3200400" algn="l" defTabSz="914400" rtl="0" eaLnBrk="1" latinLnBrk="0" hangingPunct="1">
+      <a:defRPr sz="1200" kern="1200">
+        <a:solidFill>
+          <a:schemeClr val="tx1"/>
+        </a:solidFill>
+        <a:latin typeface="+mn-lt"/>
+        <a:ea typeface="+mn-ea"/>
+        <a:cs typeface="+mn-cs"/>
+      </a:defRPr>
+    </a:lvl8pPr>
+    <a:lvl9pPr marL="3657600" algn="l" defTabSz="914400" rtl="0" eaLnBrk="1" latinLnBrk="0" hangingPunct="1">
+      <a:defRPr sz="1200" kern="1200">
+        <a:solidFill>
+          <a:schemeClr val="tx1"/>
+        </a:solidFill>
+        <a:latin typeface="+mn-lt"/>
+        <a:ea typeface="+mn-ea"/>
+        <a:cs typeface="+mn-cs"/>
+      </a:defRPr>
+    </a:lvl9pPr>
+  </p:notesStyle>
+</p:notesMaster>
+</file>
+
 <file path=ppt/slideLayouts/slideLayout1.xml><?xml version="1.0" encoding="utf-8"?>
-<p:sldLayout xmlns:a="http://schemas.openxmlformats.org/drawingml/2006/main" xmlns:r="http://schemas.openxmlformats.org/officeDocument/2006/relationships" xmlns:p="http://schemas.openxmlformats.org/presentationml/2006/main" preserve="1" type="obj">
+<p:sldLayout xmlns:a="http://schemas.openxmlformats.org/drawingml/2006/main" xmlns:r="http://schemas.openxmlformats.org/officeDocument/2006/relationships" xmlns:p="http://schemas.openxmlformats.org/presentationml/2006/main" type="obj" preserve="1">
   <p:cSld name="Title Slide">
     <p:spTree>
       <p:nvGrpSpPr>
@@ -80,7 +544,9 @@
               <a:defRPr/>
             </a:lvl1pPr>
           </a:lstStyle>
-          <a:p/>
+          <a:p>
+            <a:endParaRPr/>
+          </a:p>
         </p:txBody>
       </p:sp>
       <p:sp>
@@ -111,7 +577,9 @@
               <a:defRPr/>
             </a:lvl1pPr>
           </a:lstStyle>
-          <a:p/>
+          <a:p>
+            <a:endParaRPr/>
+          </a:p>
         </p:txBody>
       </p:sp>
       <p:sp>
@@ -121,7 +589,7 @@
             <a:spLocks noGrp="1"/>
           </p:cNvSpPr>
           <p:nvPr>
-            <p:ph type="ftr" idx="5" sz="quarter"/>
+            <p:ph type="ftr" sz="quarter" idx="5"/>
           </p:nvPr>
         </p:nvSpPr>
         <p:spPr/>
@@ -138,7 +606,9 @@
               </a:defRPr>
             </a:lvl1pPr>
           </a:lstStyle>
-          <a:p/>
+          <a:p>
+            <a:endParaRPr/>
+          </a:p>
         </p:txBody>
       </p:sp>
       <p:sp>
@@ -148,7 +618,7 @@
             <a:spLocks noGrp="1"/>
           </p:cNvSpPr>
           <p:nvPr>
-            <p:ph type="dt" idx="6" sz="half"/>
+            <p:ph type="dt" sz="half" idx="6"/>
           </p:nvPr>
         </p:nvSpPr>
         <p:spPr/>
@@ -166,9 +636,11 @@
             </a:lvl1pPr>
           </a:lstStyle>
           <a:p>
-            <a:fld id="{1D8BD707-D9CF-40AE-B4C6-C98DA3205C09}" type="datetimeFigureOut">
-              <a:rPr lang="en-US"/>
+            <a:fld id="{9C4211EC-CFB4-4ED6-A5E0-B80CBFED4669}" type="datetime1">
+              <a:rPr lang="en-US" smtClean="0"/>
+              <a:t>9/16/2024</a:t>
             </a:fld>
+            <a:endParaRPr lang="en-US"/>
           </a:p>
         </p:txBody>
       </p:sp>
@@ -179,7 +651,7 @@
             <a:spLocks noGrp="1"/>
           </p:cNvSpPr>
           <p:nvPr>
-            <p:ph type="sldNum" idx="7" sz="quarter"/>
+            <p:ph type="sldNum" sz="quarter" idx="7"/>
           </p:nvPr>
         </p:nvSpPr>
         <p:spPr/>
@@ -198,8 +670,9 @@
           </a:lstStyle>
           <a:p>
             <a:fld id="{B6F15528-21DE-4FAA-801E-634DDDAF4B2B}" type="slidenum">
-              <a:t>#</a:t>
+              <a:t>‹#›</a:t>
             </a:fld>
+            <a:endParaRPr/>
           </a:p>
         </p:txBody>
       </p:sp>
@@ -212,7 +685,7 @@
 </file>
 
 <file path=ppt/slideLayouts/slideLayout2.xml><?xml version="1.0" encoding="utf-8"?>
-<p:sldLayout xmlns:a="http://schemas.openxmlformats.org/drawingml/2006/main" xmlns:r="http://schemas.openxmlformats.org/officeDocument/2006/relationships" xmlns:p="http://schemas.openxmlformats.org/presentationml/2006/main" preserve="1" type="obj">
+<p:sldLayout xmlns:a="http://schemas.openxmlformats.org/drawingml/2006/main" xmlns:r="http://schemas.openxmlformats.org/officeDocument/2006/relationships" xmlns:p="http://schemas.openxmlformats.org/presentationml/2006/main" type="obj" preserve="1">
   <p:cSld name="Title and Content">
     <p:spTree>
       <p:nvGrpSpPr>
@@ -246,7 +719,9 @@
               <a:defRPr/>
             </a:lvl1pPr>
           </a:lstStyle>
-          <a:p/>
+          <a:p>
+            <a:endParaRPr/>
+          </a:p>
         </p:txBody>
       </p:sp>
       <p:sp>
@@ -267,7 +742,9 @@
               <a:defRPr/>
             </a:lvl1pPr>
           </a:lstStyle>
-          <a:p/>
+          <a:p>
+            <a:endParaRPr/>
+          </a:p>
         </p:txBody>
       </p:sp>
       <p:sp>
@@ -277,7 +754,7 @@
             <a:spLocks noGrp="1"/>
           </p:cNvSpPr>
           <p:nvPr>
-            <p:ph type="ftr" idx="5" sz="quarter"/>
+            <p:ph type="ftr" sz="quarter" idx="5"/>
           </p:nvPr>
         </p:nvSpPr>
         <p:spPr/>
@@ -294,7 +771,9 @@
               </a:defRPr>
             </a:lvl1pPr>
           </a:lstStyle>
-          <a:p/>
+          <a:p>
+            <a:endParaRPr/>
+          </a:p>
         </p:txBody>
       </p:sp>
       <p:sp>
@@ -304,7 +783,7 @@
             <a:spLocks noGrp="1"/>
           </p:cNvSpPr>
           <p:nvPr>
-            <p:ph type="dt" idx="6" sz="half"/>
+            <p:ph type="dt" sz="half" idx="6"/>
           </p:nvPr>
         </p:nvSpPr>
         <p:spPr/>
@@ -322,9 +801,11 @@
             </a:lvl1pPr>
           </a:lstStyle>
           <a:p>
-            <a:fld id="{1D8BD707-D9CF-40AE-B4C6-C98DA3205C09}" type="datetimeFigureOut">
-              <a:rPr lang="en-US"/>
+            <a:fld id="{F9A25208-5BEA-468F-AA20-2535F1E80B67}" type="datetime1">
+              <a:rPr lang="en-US" smtClean="0"/>
+              <a:t>9/16/2024</a:t>
             </a:fld>
+            <a:endParaRPr lang="en-US"/>
           </a:p>
         </p:txBody>
       </p:sp>
@@ -335,7 +816,7 @@
             <a:spLocks noGrp="1"/>
           </p:cNvSpPr>
           <p:nvPr>
-            <p:ph type="sldNum" idx="7" sz="quarter"/>
+            <p:ph type="sldNum" sz="quarter" idx="7"/>
           </p:nvPr>
         </p:nvSpPr>
         <p:spPr/>
@@ -354,8 +835,9 @@
           </a:lstStyle>
           <a:p>
             <a:fld id="{B6F15528-21DE-4FAA-801E-634DDDAF4B2B}" type="slidenum">
-              <a:t>#</a:t>
+              <a:t>‹#›</a:t>
             </a:fld>
+            <a:endParaRPr/>
           </a:p>
         </p:txBody>
       </p:sp>
@@ -368,7 +850,7 @@
 </file>
 
 <file path=ppt/slideLayouts/slideLayout3.xml><?xml version="1.0" encoding="utf-8"?>
-<p:sldLayout xmlns:a="http://schemas.openxmlformats.org/drawingml/2006/main" xmlns:r="http://schemas.openxmlformats.org/officeDocument/2006/relationships" xmlns:p="http://schemas.openxmlformats.org/presentationml/2006/main" preserve="1" type="obj">
+<p:sldLayout xmlns:a="http://schemas.openxmlformats.org/drawingml/2006/main" xmlns:r="http://schemas.openxmlformats.org/officeDocument/2006/relationships" xmlns:p="http://schemas.openxmlformats.org/presentationml/2006/main" type="obj" preserve="1">
   <p:cSld name="Two Content">
     <p:spTree>
       <p:nvGrpSpPr>
@@ -402,7 +884,9 @@
               <a:defRPr/>
             </a:lvl1pPr>
           </a:lstStyle>
-          <a:p/>
+          <a:p>
+            <a:endParaRPr/>
+          </a:p>
         </p:txBody>
       </p:sp>
       <p:sp>
@@ -412,7 +896,7 @@
             <a:spLocks noGrp="1"/>
           </p:cNvSpPr>
           <p:nvPr>
-            <p:ph idx="2" sz="half"/>
+            <p:ph sz="half" idx="2"/>
           </p:nvPr>
         </p:nvSpPr>
         <p:spPr>
@@ -433,7 +917,9 @@
               <a:defRPr/>
             </a:lvl1pPr>
           </a:lstStyle>
-          <a:p/>
+          <a:p>
+            <a:endParaRPr/>
+          </a:p>
         </p:txBody>
       </p:sp>
       <p:sp>
@@ -443,7 +929,7 @@
             <a:spLocks noGrp="1"/>
           </p:cNvSpPr>
           <p:nvPr>
-            <p:ph idx="3" sz="half"/>
+            <p:ph sz="half" idx="3"/>
           </p:nvPr>
         </p:nvSpPr>
         <p:spPr>
@@ -464,7 +950,9 @@
               <a:defRPr/>
             </a:lvl1pPr>
           </a:lstStyle>
-          <a:p/>
+          <a:p>
+            <a:endParaRPr/>
+          </a:p>
         </p:txBody>
       </p:sp>
       <p:sp>
@@ -474,7 +962,7 @@
             <a:spLocks noGrp="1"/>
           </p:cNvSpPr>
           <p:nvPr>
-            <p:ph type="ftr" idx="5" sz="quarter"/>
+            <p:ph type="ftr" sz="quarter" idx="5"/>
           </p:nvPr>
         </p:nvSpPr>
         <p:spPr/>
@@ -491,7 +979,9 @@
               </a:defRPr>
             </a:lvl1pPr>
           </a:lstStyle>
-          <a:p/>
+          <a:p>
+            <a:endParaRPr/>
+          </a:p>
         </p:txBody>
       </p:sp>
       <p:sp>
@@ -501,7 +991,7 @@
             <a:spLocks noGrp="1"/>
           </p:cNvSpPr>
           <p:nvPr>
-            <p:ph type="dt" idx="6" sz="half"/>
+            <p:ph type="dt" sz="half" idx="6"/>
           </p:nvPr>
         </p:nvSpPr>
         <p:spPr/>
@@ -519,9 +1009,11 @@
             </a:lvl1pPr>
           </a:lstStyle>
           <a:p>
-            <a:fld id="{1D8BD707-D9CF-40AE-B4C6-C98DA3205C09}" type="datetimeFigureOut">
-              <a:rPr lang="en-US"/>
+            <a:fld id="{81419F0D-2C36-4AEF-8312-1BB045609255}" type="datetime1">
+              <a:rPr lang="en-US" smtClean="0"/>
+              <a:t>9/16/2024</a:t>
             </a:fld>
+            <a:endParaRPr lang="en-US"/>
           </a:p>
         </p:txBody>
       </p:sp>
@@ -532,7 +1024,7 @@
             <a:spLocks noGrp="1"/>
           </p:cNvSpPr>
           <p:nvPr>
-            <p:ph type="sldNum" idx="7" sz="quarter"/>
+            <p:ph type="sldNum" sz="quarter" idx="7"/>
           </p:nvPr>
         </p:nvSpPr>
         <p:spPr/>
@@ -551,8 +1043,9 @@
           </a:lstStyle>
           <a:p>
             <a:fld id="{B6F15528-21DE-4FAA-801E-634DDDAF4B2B}" type="slidenum">
-              <a:t>#</a:t>
+              <a:t>‹#›</a:t>
             </a:fld>
+            <a:endParaRPr/>
           </a:p>
         </p:txBody>
       </p:sp>
@@ -565,7 +1058,7 @@
 </file>
 
 <file path=ppt/slideLayouts/slideLayout4.xml><?xml version="1.0" encoding="utf-8"?>
-<p:sldLayout xmlns:a="http://schemas.openxmlformats.org/drawingml/2006/main" xmlns:r="http://schemas.openxmlformats.org/officeDocument/2006/relationships" xmlns:p="http://schemas.openxmlformats.org/presentationml/2006/main" preserve="1" type="obj">
+<p:sldLayout xmlns:a="http://schemas.openxmlformats.org/drawingml/2006/main" xmlns:r="http://schemas.openxmlformats.org/officeDocument/2006/relationships" xmlns:p="http://schemas.openxmlformats.org/presentationml/2006/main" type="obj" preserve="1">
   <p:cSld name="Title Only">
     <p:spTree>
       <p:nvGrpSpPr>
@@ -599,7 +1092,9 @@
               <a:defRPr/>
             </a:lvl1pPr>
           </a:lstStyle>
-          <a:p/>
+          <a:p>
+            <a:endParaRPr/>
+          </a:p>
         </p:txBody>
       </p:sp>
       <p:sp>
@@ -609,7 +1104,7 @@
             <a:spLocks noGrp="1"/>
           </p:cNvSpPr>
           <p:nvPr>
-            <p:ph type="ftr" idx="5" sz="quarter"/>
+            <p:ph type="ftr" sz="quarter" idx="5"/>
           </p:nvPr>
         </p:nvSpPr>
         <p:spPr/>
@@ -626,7 +1121,9 @@
               </a:defRPr>
             </a:lvl1pPr>
           </a:lstStyle>
-          <a:p/>
+          <a:p>
+            <a:endParaRPr/>
+          </a:p>
         </p:txBody>
       </p:sp>
       <p:sp>
@@ -636,7 +1133,7 @@
             <a:spLocks noGrp="1"/>
           </p:cNvSpPr>
           <p:nvPr>
-            <p:ph type="dt" idx="6" sz="half"/>
+            <p:ph type="dt" sz="half" idx="6"/>
           </p:nvPr>
         </p:nvSpPr>
         <p:spPr/>
@@ -654,9 +1151,11 @@
             </a:lvl1pPr>
           </a:lstStyle>
           <a:p>
-            <a:fld id="{1D8BD707-D9CF-40AE-B4C6-C98DA3205C09}" type="datetimeFigureOut">
-              <a:rPr lang="en-US"/>
+            <a:fld id="{33CEB5AD-B163-40E4-A4C3-E0FA4A0BC062}" type="datetime1">
+              <a:rPr lang="en-US" smtClean="0"/>
+              <a:t>9/16/2024</a:t>
             </a:fld>
+            <a:endParaRPr lang="en-US"/>
           </a:p>
         </p:txBody>
       </p:sp>
@@ -667,7 +1166,7 @@
             <a:spLocks noGrp="1"/>
           </p:cNvSpPr>
           <p:nvPr>
-            <p:ph type="sldNum" idx="7" sz="quarter"/>
+            <p:ph type="sldNum" sz="quarter" idx="7"/>
           </p:nvPr>
         </p:nvSpPr>
         <p:spPr/>
@@ -686,8 +1185,9 @@
           </a:lstStyle>
           <a:p>
             <a:fld id="{B6F15528-21DE-4FAA-801E-634DDDAF4B2B}" type="slidenum">
-              <a:t>#</a:t>
+              <a:t>‹#›</a:t>
             </a:fld>
+            <a:endParaRPr/>
           </a:p>
         </p:txBody>
       </p:sp>
@@ -700,7 +1200,7 @@
 </file>
 
 <file path=ppt/slideLayouts/slideLayout5.xml><?xml version="1.0" encoding="utf-8"?>
-<p:sldLayout xmlns:a="http://schemas.openxmlformats.org/drawingml/2006/main" xmlns:r="http://schemas.openxmlformats.org/officeDocument/2006/relationships" xmlns:p="http://schemas.openxmlformats.org/presentationml/2006/main" preserve="1" type="obj">
+<p:sldLayout xmlns:a="http://schemas.openxmlformats.org/drawingml/2006/main" xmlns:r="http://schemas.openxmlformats.org/officeDocument/2006/relationships" xmlns:p="http://schemas.openxmlformats.org/presentationml/2006/main" type="obj" preserve="1">
   <p:cSld name="Blank">
     <p:spTree>
       <p:nvGrpSpPr>
@@ -723,7 +1223,7 @@
             <a:spLocks noGrp="1"/>
           </p:cNvSpPr>
           <p:nvPr>
-            <p:ph type="ftr" idx="5" sz="quarter"/>
+            <p:ph type="ftr" sz="quarter" idx="5"/>
           </p:nvPr>
         </p:nvSpPr>
         <p:spPr/>
@@ -740,7 +1240,9 @@
               </a:defRPr>
             </a:lvl1pPr>
           </a:lstStyle>
-          <a:p/>
+          <a:p>
+            <a:endParaRPr/>
+          </a:p>
         </p:txBody>
       </p:sp>
       <p:sp>
@@ -750,7 +1252,7 @@
             <a:spLocks noGrp="1"/>
           </p:cNvSpPr>
           <p:nvPr>
-            <p:ph type="dt" idx="6" sz="half"/>
+            <p:ph type="dt" sz="half" idx="6"/>
           </p:nvPr>
         </p:nvSpPr>
         <p:spPr/>
@@ -768,9 +1270,11 @@
             </a:lvl1pPr>
           </a:lstStyle>
           <a:p>
-            <a:fld id="{1D8BD707-D9CF-40AE-B4C6-C98DA3205C09}" type="datetimeFigureOut">
-              <a:rPr lang="en-US"/>
+            <a:fld id="{273ABAD5-E05F-49B3-A070-D2B24F3F1EDB}" type="datetime1">
+              <a:rPr lang="en-US" smtClean="0"/>
+              <a:t>9/16/2024</a:t>
             </a:fld>
+            <a:endParaRPr lang="en-US"/>
           </a:p>
         </p:txBody>
       </p:sp>
@@ -781,7 +1285,7 @@
             <a:spLocks noGrp="1"/>
           </p:cNvSpPr>
           <p:nvPr>
-            <p:ph type="sldNum" idx="7" sz="quarter"/>
+            <p:ph type="sldNum" sz="quarter" idx="7"/>
           </p:nvPr>
         </p:nvSpPr>
         <p:spPr/>
@@ -800,8 +1304,9 @@
           </a:lstStyle>
           <a:p>
             <a:fld id="{B6F15528-21DE-4FAA-801E-634DDDAF4B2B}" type="slidenum">
-              <a:t>#</a:t>
+              <a:t>‹#›</a:t>
             </a:fld>
+            <a:endParaRPr/>
           </a:p>
         </p:txBody>
       </p:sp>
@@ -838,28 +1343,6 @@
           <a:chExt cx="0" cy="0"/>
         </a:xfrm>
       </p:grpSpPr>
-      <p:pic>
-        <p:nvPicPr>
-          <p:cNvPr id="16" name="bg object 16"/>
-          <p:cNvPicPr/>
-          <p:nvPr/>
-        </p:nvPicPr>
-        <p:blipFill>
-          <a:blip r:embed="rId7" cstate="print"/>
-          <a:stretch>
-            <a:fillRect/>
-          </a:stretch>
-        </p:blipFill>
-        <p:spPr>
-          <a:xfrm>
-            <a:off x="11495531" y="6184391"/>
-            <a:ext cx="451103" cy="449580"/>
-          </a:xfrm>
-          <a:prstGeom prst="rect">
-            <a:avLst/>
-          </a:prstGeom>
-        </p:spPr>
-      </p:pic>
       <p:sp>
         <p:nvSpPr>
           <p:cNvPr id="2" name="Holder 2"/>
@@ -888,7 +1371,9 @@
               <a:defRPr/>
             </a:lvl1pPr>
           </a:lstStyle>
-          <a:p/>
+          <a:p>
+            <a:endParaRPr/>
+          </a:p>
         </p:txBody>
       </p:sp>
       <p:sp>
@@ -919,7 +1404,9 @@
               <a:defRPr/>
             </a:lvl1pPr>
           </a:lstStyle>
-          <a:p/>
+          <a:p>
+            <a:endParaRPr/>
+          </a:p>
         </p:txBody>
       </p:sp>
       <p:sp>
@@ -929,7 +1416,7 @@
             <a:spLocks noGrp="1"/>
           </p:cNvSpPr>
           <p:nvPr>
-            <p:ph type="ftr" idx="5" sz="quarter"/>
+            <p:ph type="ftr" sz="quarter" idx="5"/>
           </p:nvPr>
         </p:nvSpPr>
         <p:spPr>
@@ -956,7 +1443,9 @@
               </a:defRPr>
             </a:lvl1pPr>
           </a:lstStyle>
-          <a:p/>
+          <a:p>
+            <a:endParaRPr/>
+          </a:p>
         </p:txBody>
       </p:sp>
       <p:sp>
@@ -966,7 +1455,7 @@
             <a:spLocks noGrp="1"/>
           </p:cNvSpPr>
           <p:nvPr>
-            <p:ph type="dt" idx="6" sz="half"/>
+            <p:ph type="dt" sz="half" idx="6"/>
           </p:nvPr>
         </p:nvSpPr>
         <p:spPr>
@@ -994,9 +1483,11 @@
             </a:lvl1pPr>
           </a:lstStyle>
           <a:p>
-            <a:fld id="{1D8BD707-D9CF-40AE-B4C6-C98DA3205C09}" type="datetimeFigureOut">
-              <a:rPr lang="en-US"/>
+            <a:fld id="{7F93F96A-0D85-49BA-8AC3-D19988C22974}" type="datetime1">
+              <a:rPr lang="en-US" smtClean="0"/>
+              <a:t>9/16/2024</a:t>
             </a:fld>
+            <a:endParaRPr lang="en-US"/>
           </a:p>
         </p:txBody>
       </p:sp>
@@ -1007,7 +1498,7 @@
             <a:spLocks noGrp="1"/>
           </p:cNvSpPr>
           <p:nvPr>
-            <p:ph type="sldNum" idx="7" sz="quarter"/>
+            <p:ph type="sldNum" sz="quarter" idx="7"/>
           </p:nvPr>
         </p:nvSpPr>
         <p:spPr>
@@ -1036,14 +1527,15 @@
           </a:lstStyle>
           <a:p>
             <a:fld id="{B6F15528-21DE-4FAA-801E-634DDDAF4B2B}" type="slidenum">
-              <a:t>#</a:t>
+              <a:t>‹#›</a:t>
             </a:fld>
+            <a:endParaRPr/>
           </a:p>
         </p:txBody>
       </p:sp>
     </p:spTree>
   </p:cSld>
-  <p:clrMap folHlink="folHlink" hlink="hlink" accent1="accent1" accent2="accent2" accent3="accent3" accent4="accent4" accent5="accent5" accent6="accent6" tx2="dk2" bg2="lt2" tx1="dk1" bg1="lt1"/>
+  <p:clrMap bg1="lt1" tx1="dk1" bg2="lt2" tx2="dk2" accent1="accent1" accent2="accent2" accent3="accent3" accent4="accent4" accent5="accent5" accent6="accent6" hlink="hlink" folHlink="folHlink"/>
   <p:sldLayoutIdLst>
     <p:sldLayoutId id="2147483661" r:id="rId1"/>
     <p:sldLayoutId id="2147483662" r:id="rId2"/>
@@ -1051,6 +1543,7 @@
     <p:sldLayoutId id="2147483664" r:id="rId4"/>
     <p:sldLayoutId id="2147483665" r:id="rId5"/>
   </p:sldLayoutIdLst>
+  <p:hf hdr="0" ftr="0" dt="0"/>
   <p:txStyles>
     <p:titleStyle>
       <a:lvl1pPr>
@@ -1234,354 +1727,6 @@
           </a:prstGeom>
         </p:spPr>
       </p:pic>
-      <p:pic>
-        <p:nvPicPr>
-          <p:cNvPr id="3" name="object 3"/>
-          <p:cNvPicPr/>
-          <p:nvPr/>
-        </p:nvPicPr>
-        <p:blipFill>
-          <a:blip r:embed="rId3" cstate="print"/>
-          <a:stretch>
-            <a:fillRect/>
-          </a:stretch>
-        </p:blipFill>
-        <p:spPr>
-          <a:xfrm>
-            <a:off x="2838323" y="5658916"/>
-            <a:ext cx="5138674" cy="274319"/>
-          </a:xfrm>
-          <a:prstGeom prst="rect">
-            <a:avLst/>
-          </a:prstGeom>
-        </p:spPr>
-      </p:pic>
-      <p:grpSp>
-        <p:nvGrpSpPr>
-          <p:cNvPr id="4" name="object 4"/>
-          <p:cNvGrpSpPr/>
-          <p:nvPr/>
-        </p:nvGrpSpPr>
-        <p:grpSpPr>
-          <a:xfrm>
-            <a:off x="2838323" y="4921326"/>
-            <a:ext cx="5327650" cy="594995"/>
-            <a:chOff x="2838323" y="4921326"/>
-            <a:chExt cx="5327650" cy="594995"/>
-          </a:xfrm>
-        </p:grpSpPr>
-        <p:pic>
-          <p:nvPicPr>
-            <p:cNvPr id="5" name="object 5"/>
-            <p:cNvPicPr/>
-            <p:nvPr/>
-          </p:nvPicPr>
-          <p:blipFill>
-            <a:blip r:embed="rId4" cstate="print"/>
-            <a:stretch>
-              <a:fillRect/>
-            </a:stretch>
-          </p:blipFill>
-          <p:spPr>
-            <a:xfrm>
-              <a:off x="2838323" y="5271846"/>
-              <a:ext cx="5327650" cy="244144"/>
-            </a:xfrm>
-            <a:prstGeom prst="rect">
-              <a:avLst/>
-            </a:prstGeom>
-          </p:spPr>
-        </p:pic>
-        <p:pic>
-          <p:nvPicPr>
-            <p:cNvPr id="6" name="object 6"/>
-            <p:cNvPicPr/>
-            <p:nvPr/>
-          </p:nvPicPr>
-          <p:blipFill>
-            <a:blip r:embed="rId5" cstate="print"/>
-            <a:stretch>
-              <a:fillRect/>
-            </a:stretch>
-          </p:blipFill>
-          <p:spPr>
-            <a:xfrm>
-              <a:off x="2838323" y="4921326"/>
-              <a:ext cx="2432304" cy="366064"/>
-            </a:xfrm>
-            <a:prstGeom prst="rect">
-              <a:avLst/>
-            </a:prstGeom>
-          </p:spPr>
-        </p:pic>
-      </p:grpSp>
-      <p:grpSp>
-        <p:nvGrpSpPr>
-          <p:cNvPr id="7" name="object 7"/>
-          <p:cNvGrpSpPr/>
-          <p:nvPr/>
-        </p:nvGrpSpPr>
-        <p:grpSpPr>
-          <a:xfrm>
-            <a:off x="955547" y="4614671"/>
-            <a:ext cx="1646555" cy="1646555"/>
-            <a:chOff x="955547" y="4614671"/>
-            <a:chExt cx="1646555" cy="1646555"/>
-          </a:xfrm>
-        </p:grpSpPr>
-        <p:pic>
-          <p:nvPicPr>
-            <p:cNvPr id="8" name="object 8"/>
-            <p:cNvPicPr/>
-            <p:nvPr/>
-          </p:nvPicPr>
-          <p:blipFill>
-            <a:blip r:embed="rId6" cstate="print"/>
-            <a:stretch>
-              <a:fillRect/>
-            </a:stretch>
-          </p:blipFill>
-          <p:spPr>
-            <a:xfrm>
-              <a:off x="964691" y="4623815"/>
-              <a:ext cx="1627632" cy="1627632"/>
-            </a:xfrm>
-            <a:prstGeom prst="rect">
-              <a:avLst/>
-            </a:prstGeom>
-          </p:spPr>
-        </p:pic>
-        <p:sp>
-          <p:nvSpPr>
-            <p:cNvPr id="9" name="object 9"/>
-            <p:cNvSpPr/>
-            <p:nvPr/>
-          </p:nvSpPr>
-          <p:spPr>
-            <a:xfrm>
-              <a:off x="960119" y="4619243"/>
-              <a:ext cx="1637664" cy="1637664"/>
-            </a:xfrm>
-            <a:custGeom>
-              <a:avLst/>
-              <a:gdLst/>
-              <a:ahLst/>
-              <a:cxnLst/>
-              <a:rect l="l" t="t" r="r" b="b"/>
-              <a:pathLst>
-                <a:path w="1637664" h="1637664">
-                  <a:moveTo>
-                    <a:pt x="818515" y="0"/>
-                  </a:moveTo>
-                  <a:lnTo>
-                    <a:pt x="902335" y="4444"/>
-                  </a:lnTo>
-                  <a:lnTo>
-                    <a:pt x="983361" y="16763"/>
-                  </a:lnTo>
-                  <a:lnTo>
-                    <a:pt x="1061974" y="36702"/>
-                  </a:lnTo>
-                  <a:lnTo>
-                    <a:pt x="1137031" y="64261"/>
-                  </a:lnTo>
-                  <a:lnTo>
-                    <a:pt x="1208913" y="98932"/>
-                  </a:lnTo>
-                  <a:lnTo>
-                    <a:pt x="1276350" y="139699"/>
-                  </a:lnTo>
-                  <a:lnTo>
-                    <a:pt x="1339342" y="187197"/>
-                  </a:lnTo>
-                  <a:lnTo>
-                    <a:pt x="1397254" y="239902"/>
-                  </a:lnTo>
-                  <a:lnTo>
-                    <a:pt x="1450340" y="298068"/>
-                  </a:lnTo>
-                  <a:lnTo>
-                    <a:pt x="1497457" y="361187"/>
-                  </a:lnTo>
-                  <a:lnTo>
-                    <a:pt x="1538605" y="428624"/>
-                  </a:lnTo>
-                  <a:lnTo>
-                    <a:pt x="1572895" y="500125"/>
-                  </a:lnTo>
-                  <a:lnTo>
-                    <a:pt x="1600454" y="575055"/>
-                  </a:lnTo>
-                  <a:lnTo>
-                    <a:pt x="1620393" y="653795"/>
-                  </a:lnTo>
-                  <a:lnTo>
-                    <a:pt x="1632712" y="734694"/>
-                  </a:lnTo>
-                  <a:lnTo>
-                    <a:pt x="1637157" y="818514"/>
-                  </a:lnTo>
-                  <a:lnTo>
-                    <a:pt x="1632712" y="902334"/>
-                  </a:lnTo>
-                  <a:lnTo>
-                    <a:pt x="1620393" y="983386"/>
-                  </a:lnTo>
-                  <a:lnTo>
-                    <a:pt x="1600454" y="1062012"/>
-                  </a:lnTo>
-                  <a:lnTo>
-                    <a:pt x="1572895" y="1137043"/>
-                  </a:lnTo>
-                  <a:lnTo>
-                    <a:pt x="1538605" y="1208887"/>
-                  </a:lnTo>
-                  <a:lnTo>
-                    <a:pt x="1497457" y="1276337"/>
-                  </a:lnTo>
-                  <a:lnTo>
-                    <a:pt x="1450340" y="1339405"/>
-                  </a:lnTo>
-                  <a:lnTo>
-                    <a:pt x="1397254" y="1397266"/>
-                  </a:lnTo>
-                  <a:lnTo>
-                    <a:pt x="1339342" y="1450339"/>
-                  </a:lnTo>
-                  <a:lnTo>
-                    <a:pt x="1276350" y="1497444"/>
-                  </a:lnTo>
-                  <a:lnTo>
-                    <a:pt x="1208913" y="1538554"/>
-                  </a:lnTo>
-                  <a:lnTo>
-                    <a:pt x="1137031" y="1572869"/>
-                  </a:lnTo>
-                  <a:lnTo>
-                    <a:pt x="1061974" y="1600415"/>
-                  </a:lnTo>
-                  <a:lnTo>
-                    <a:pt x="983361" y="1620367"/>
-                  </a:lnTo>
-                  <a:lnTo>
-                    <a:pt x="902335" y="1632737"/>
-                  </a:lnTo>
-                  <a:lnTo>
-                    <a:pt x="818515" y="1637131"/>
-                  </a:lnTo>
-                  <a:lnTo>
-                    <a:pt x="734694" y="1632737"/>
-                  </a:lnTo>
-                  <a:lnTo>
-                    <a:pt x="653796" y="1620367"/>
-                  </a:lnTo>
-                  <a:lnTo>
-                    <a:pt x="575056" y="1600415"/>
-                  </a:lnTo>
-                  <a:lnTo>
-                    <a:pt x="500126" y="1572869"/>
-                  </a:lnTo>
-                  <a:lnTo>
-                    <a:pt x="428625" y="1538541"/>
-                  </a:lnTo>
-                  <a:lnTo>
-                    <a:pt x="361188" y="1497444"/>
-                  </a:lnTo>
-                  <a:lnTo>
-                    <a:pt x="298119" y="1450339"/>
-                  </a:lnTo>
-                  <a:lnTo>
-                    <a:pt x="239852" y="1397266"/>
-                  </a:lnTo>
-                  <a:lnTo>
-                    <a:pt x="187185" y="1339405"/>
-                  </a:lnTo>
-                  <a:lnTo>
-                    <a:pt x="139687" y="1276337"/>
-                  </a:lnTo>
-                  <a:lnTo>
-                    <a:pt x="98971" y="1208887"/>
-                  </a:lnTo>
-                  <a:lnTo>
-                    <a:pt x="64249" y="1137056"/>
-                  </a:lnTo>
-                  <a:lnTo>
-                    <a:pt x="36715" y="1062012"/>
-                  </a:lnTo>
-                  <a:lnTo>
-                    <a:pt x="16751" y="983386"/>
-                  </a:lnTo>
-                  <a:lnTo>
-                    <a:pt x="4381" y="902334"/>
-                  </a:lnTo>
-                  <a:lnTo>
-                    <a:pt x="0" y="818514"/>
-                  </a:lnTo>
-                  <a:lnTo>
-                    <a:pt x="4381" y="734694"/>
-                  </a:lnTo>
-                  <a:lnTo>
-                    <a:pt x="16751" y="653795"/>
-                  </a:lnTo>
-                  <a:lnTo>
-                    <a:pt x="36715" y="575055"/>
-                  </a:lnTo>
-                  <a:lnTo>
-                    <a:pt x="64262" y="500125"/>
-                  </a:lnTo>
-                  <a:lnTo>
-                    <a:pt x="98971" y="428624"/>
-                  </a:lnTo>
-                  <a:lnTo>
-                    <a:pt x="139687" y="361187"/>
-                  </a:lnTo>
-                  <a:lnTo>
-                    <a:pt x="187172" y="298068"/>
-                  </a:lnTo>
-                  <a:lnTo>
-                    <a:pt x="239852" y="239902"/>
-                  </a:lnTo>
-                  <a:lnTo>
-                    <a:pt x="298119" y="187197"/>
-                  </a:lnTo>
-                  <a:lnTo>
-                    <a:pt x="361188" y="139699"/>
-                  </a:lnTo>
-                  <a:lnTo>
-                    <a:pt x="428625" y="98932"/>
-                  </a:lnTo>
-                  <a:lnTo>
-                    <a:pt x="500126" y="64261"/>
-                  </a:lnTo>
-                  <a:lnTo>
-                    <a:pt x="575056" y="36702"/>
-                  </a:lnTo>
-                  <a:lnTo>
-                    <a:pt x="653796" y="16763"/>
-                  </a:lnTo>
-                  <a:lnTo>
-                    <a:pt x="734694" y="4444"/>
-                  </a:lnTo>
-                  <a:lnTo>
-                    <a:pt x="818515" y="0"/>
-                  </a:lnTo>
-                  <a:close/>
-                </a:path>
-              </a:pathLst>
-            </a:custGeom>
-            <a:ln w="9143">
-              <a:solidFill>
-                <a:srgbClr val="F8F8F8"/>
-              </a:solidFill>
-            </a:ln>
-          </p:spPr>
-          <p:txBody>
-            <a:bodyPr wrap="square" lIns="0" tIns="0" rIns="0" bIns="0" rtlCol="0"/>
-            <a:lstStyle/>
-            <a:p/>
-          </p:txBody>
-        </p:sp>
-      </p:grpSp>
       <p:grpSp>
         <p:nvGrpSpPr>
           <p:cNvPr id="10" name="object 10"/>
@@ -1603,7 +1748,7 @@
             <p:nvPr/>
           </p:nvPicPr>
           <p:blipFill>
-            <a:blip r:embed="rId7" cstate="print"/>
+            <a:blip r:embed="rId3" cstate="print"/>
             <a:stretch>
               <a:fillRect/>
             </a:stretch>
@@ -1625,7 +1770,7 @@
             <p:nvPr/>
           </p:nvPicPr>
           <p:blipFill>
-            <a:blip r:embed="rId8" cstate="print"/>
+            <a:blip r:embed="rId4" cstate="print"/>
             <a:stretch>
               <a:fillRect/>
             </a:stretch>
@@ -1647,7 +1792,7 @@
             <p:nvPr/>
           </p:nvPicPr>
           <p:blipFill>
-            <a:blip r:embed="rId9" cstate="print"/>
+            <a:blip r:embed="rId5" cstate="print"/>
             <a:stretch>
               <a:fillRect/>
             </a:stretch>
@@ -1669,7 +1814,7 @@
             <p:nvPr/>
           </p:nvPicPr>
           <p:blipFill>
-            <a:blip r:embed="rId10" cstate="print"/>
+            <a:blip r:embed="rId6" cstate="print"/>
             <a:stretch>
               <a:fillRect/>
             </a:stretch>
@@ -1691,7 +1836,7 @@
             <p:nvPr/>
           </p:nvPicPr>
           <p:blipFill>
-            <a:blip r:embed="rId11" cstate="print"/>
+            <a:blip r:embed="rId7" cstate="print"/>
             <a:stretch>
               <a:fillRect/>
             </a:stretch>
@@ -1707,6 +1852,35 @@
           </p:spPr>
         </p:pic>
       </p:grpSp>
+      <p:sp>
+        <p:nvSpPr>
+          <p:cNvPr id="16" name="Slide Number Placeholder 15">
+            <a:extLst>
+              <a:ext uri="{FF2B5EF4-FFF2-40B4-BE49-F238E27FC236}">
+                <a16:creationId xmlns:a16="http://schemas.microsoft.com/office/drawing/2014/main" id="{DF569C81-E6C5-EB5E-CB4B-77C551C9EAB7}"/>
+              </a:ext>
+            </a:extLst>
+          </p:cNvPr>
+          <p:cNvSpPr>
+            <a:spLocks noGrp="1"/>
+          </p:cNvSpPr>
+          <p:nvPr>
+            <p:ph type="sldNum" sz="quarter" idx="7"/>
+          </p:nvPr>
+        </p:nvSpPr>
+        <p:spPr/>
+        <p:txBody>
+          <a:bodyPr/>
+          <a:lstStyle/>
+          <a:p>
+            <a:fld id="{B6F15528-21DE-4FAA-801E-634DDDAF4B2B}" type="slidenum">
+              <a:rPr lang="en-IN" smtClean="0"/>
+              <a:t>1</a:t>
+            </a:fld>
+            <a:endParaRPr lang="en-IN"/>
+          </a:p>
+        </p:txBody>
+      </p:sp>
     </p:spTree>
   </p:cSld>
   <p:clrMapOvr>
@@ -1777,31 +1951,11 @@
         <p:txBody>
           <a:bodyPr wrap="square" lIns="0" tIns="0" rIns="0" bIns="0" rtlCol="0"/>
           <a:lstStyle/>
-          <a:p/>
+          <a:p>
+            <a:endParaRPr/>
+          </a:p>
         </p:txBody>
       </p:sp>
-      <p:pic>
-        <p:nvPicPr>
-          <p:cNvPr id="3" name="object 3"/>
-          <p:cNvPicPr/>
-          <p:nvPr/>
-        </p:nvPicPr>
-        <p:blipFill>
-          <a:blip r:embed="rId2" cstate="print"/>
-          <a:stretch>
-            <a:fillRect/>
-          </a:stretch>
-        </p:blipFill>
-        <p:spPr>
-          <a:xfrm>
-            <a:off x="11495531" y="6184391"/>
-            <a:ext cx="451103" cy="449580"/>
-          </a:xfrm>
-          <a:prstGeom prst="rect">
-            <a:avLst/>
-          </a:prstGeom>
-        </p:spPr>
-      </p:pic>
       <p:sp>
         <p:nvSpPr>
           <p:cNvPr id="4" name="object 4"/>
@@ -1818,7 +1972,7 @@
           </a:prstGeom>
         </p:spPr>
         <p:txBody>
-          <a:bodyPr wrap="square" lIns="0" tIns="12700" rIns="0" bIns="0" rtlCol="0" vert="horz">
+          <a:bodyPr vert="horz" wrap="square" lIns="0" tIns="12700" rIns="0" bIns="0" rtlCol="0">
             <a:spAutoFit/>
           </a:bodyPr>
           <a:lstStyle/>
@@ -1832,7 +1986,7 @@
               </a:spcBef>
             </a:pPr>
             <a:r>
-              <a:rPr dirty="0" sz="2400" spc="-5">
+              <a:rPr sz="2400" spc="-5" dirty="0">
                 <a:solidFill>
                   <a:srgbClr val="EF5A28"/>
                 </a:solidFill>
@@ -1842,7 +1996,7 @@
               <a:t>interface</a:t>
             </a:r>
             <a:r>
-              <a:rPr dirty="0" sz="2400" spc="-80">
+              <a:rPr sz="2400" spc="-80" dirty="0">
                 <a:solidFill>
                   <a:srgbClr val="EF5A28"/>
                 </a:solidFill>
@@ -1852,7 +2006,7 @@
               <a:t> </a:t>
             </a:r>
             <a:r>
-              <a:rPr dirty="0" sz="2400" spc="-5">
+              <a:rPr sz="2400" spc="-5" dirty="0">
                 <a:solidFill>
                   <a:srgbClr val="2A9FBB"/>
                 </a:solidFill>
@@ -1862,7 +2016,7 @@
               <a:t>ShoppingCart</a:t>
             </a:r>
             <a:r>
-              <a:rPr dirty="0" sz="2400" spc="-5">
+              <a:rPr sz="2400" spc="-5" dirty="0">
                 <a:solidFill>
                   <a:srgbClr val="FFFFFF"/>
                 </a:solidFill>
@@ -1883,7 +2037,7 @@
               </a:lnSpc>
             </a:pPr>
             <a:r>
-              <a:rPr dirty="0" sz="2400">
+              <a:rPr sz="2400" dirty="0">
                 <a:solidFill>
                   <a:srgbClr val="EF5A28"/>
                 </a:solidFill>
@@ -1893,7 +2047,7 @@
               <a:t>void </a:t>
             </a:r>
             <a:r>
-              <a:rPr dirty="0" sz="2400" spc="-5">
+              <a:rPr sz="2400" spc="-5" dirty="0">
                 <a:solidFill>
                   <a:srgbClr val="FFFFFF"/>
                 </a:solidFill>
@@ -1903,7 +2057,7 @@
               <a:t>addItem(Item item); </a:t>
             </a:r>
             <a:r>
-              <a:rPr dirty="0" sz="2400">
+              <a:rPr sz="2400" dirty="0">
                 <a:solidFill>
                   <a:srgbClr val="FFFFFF"/>
                 </a:solidFill>
@@ -1913,7 +2067,7 @@
               <a:t> </a:t>
             </a:r>
             <a:r>
-              <a:rPr dirty="0" sz="2400">
+              <a:rPr sz="2400" dirty="0">
                 <a:solidFill>
                   <a:srgbClr val="EF5A28"/>
                 </a:solidFill>
@@ -1923,7 +2077,7 @@
               <a:t>void</a:t>
             </a:r>
             <a:r>
-              <a:rPr dirty="0" sz="2400" spc="-50">
+              <a:rPr sz="2400" spc="-50" dirty="0">
                 <a:solidFill>
                   <a:srgbClr val="EF5A28"/>
                 </a:solidFill>
@@ -1933,7 +2087,7 @@
               <a:t> </a:t>
             </a:r>
             <a:r>
-              <a:rPr dirty="0" sz="2400" spc="-5">
+              <a:rPr sz="2400" spc="-5" dirty="0">
                 <a:solidFill>
                   <a:srgbClr val="FFFFFF"/>
                 </a:solidFill>
@@ -1943,7 +2097,7 @@
               <a:t>removeItem(Item</a:t>
             </a:r>
             <a:r>
-              <a:rPr dirty="0" sz="2400" spc="-70">
+              <a:rPr sz="2400" spc="-70" dirty="0">
                 <a:solidFill>
                   <a:srgbClr val="FFFFFF"/>
                 </a:solidFill>
@@ -1953,7 +2107,7 @@
               <a:t> </a:t>
             </a:r>
             <a:r>
-              <a:rPr dirty="0" sz="2400" spc="-5">
+              <a:rPr sz="2400" spc="-5" dirty="0">
                 <a:solidFill>
                   <a:srgbClr val="FFFFFF"/>
                 </a:solidFill>
@@ -1977,7 +2131,7 @@
               </a:spcBef>
             </a:pPr>
             <a:r>
-              <a:rPr dirty="0" sz="2400">
+              <a:rPr sz="2400" dirty="0">
                 <a:solidFill>
                   <a:srgbClr val="EF5A28"/>
                 </a:solidFill>
@@ -1987,7 +2141,7 @@
               <a:t>void</a:t>
             </a:r>
             <a:r>
-              <a:rPr dirty="0" sz="2400" spc="-85">
+              <a:rPr sz="2400" spc="-85" dirty="0">
                 <a:solidFill>
                   <a:srgbClr val="EF5A28"/>
                 </a:solidFill>
@@ -1997,7 +2151,7 @@
               <a:t> </a:t>
             </a:r>
             <a:r>
-              <a:rPr dirty="0" sz="2400" spc="-5">
+              <a:rPr sz="2400" spc="-5" dirty="0">
                 <a:solidFill>
                   <a:srgbClr val="FFFFFF"/>
                 </a:solidFill>
@@ -2021,7 +2175,7 @@
               </a:spcBef>
             </a:pPr>
             <a:r>
-              <a:rPr dirty="0" sz="2400">
+              <a:rPr sz="2400" dirty="0">
                 <a:solidFill>
                   <a:srgbClr val="EF5A28"/>
                 </a:solidFill>
@@ -2031,7 +2185,7 @@
               <a:t>bool</a:t>
             </a:r>
             <a:r>
-              <a:rPr dirty="0" sz="2400" spc="-50">
+              <a:rPr sz="2400" spc="-50" dirty="0">
                 <a:solidFill>
                   <a:srgbClr val="EF5A28"/>
                 </a:solidFill>
@@ -2041,7 +2195,7 @@
               <a:t> </a:t>
             </a:r>
             <a:r>
-              <a:rPr dirty="0" sz="2400" spc="-5">
+              <a:rPr sz="2400" spc="-5" dirty="0">
                 <a:solidFill>
                   <a:srgbClr val="FFFFFF"/>
                 </a:solidFill>
@@ -2051,7 +2205,7 @@
               <a:t>checkItemInStock(Item</a:t>
             </a:r>
             <a:r>
-              <a:rPr dirty="0" sz="2400" spc="-80">
+              <a:rPr sz="2400" spc="-80" dirty="0">
                 <a:solidFill>
                   <a:srgbClr val="FFFFFF"/>
                 </a:solidFill>
@@ -2061,7 +2215,7 @@
               <a:t> </a:t>
             </a:r>
             <a:r>
-              <a:rPr dirty="0" sz="2400" spc="-5">
+              <a:rPr sz="2400" spc="-5" dirty="0">
                 <a:solidFill>
                   <a:srgbClr val="FFFFFF"/>
                 </a:solidFill>
@@ -2085,7 +2239,7 @@
               </a:spcBef>
             </a:pPr>
             <a:r>
-              <a:rPr dirty="0" sz="2400">
+              <a:rPr sz="2400" dirty="0">
                 <a:solidFill>
                   <a:srgbClr val="FFFFFF"/>
                 </a:solidFill>
@@ -2108,7 +2262,7 @@
           <p:nvPr/>
         </p:nvPicPr>
         <p:blipFill>
-          <a:blip r:embed="rId3" cstate="print"/>
+          <a:blip r:embed="rId2" cstate="print"/>
           <a:stretch>
             <a:fillRect/>
           </a:stretch>
@@ -2123,6 +2277,35 @@
           </a:prstGeom>
         </p:spPr>
       </p:pic>
+      <p:sp>
+        <p:nvSpPr>
+          <p:cNvPr id="6" name="Slide Number Placeholder 5">
+            <a:extLst>
+              <a:ext uri="{FF2B5EF4-FFF2-40B4-BE49-F238E27FC236}">
+                <a16:creationId xmlns:a16="http://schemas.microsoft.com/office/drawing/2014/main" id="{E37A6F83-7417-D7B7-F6FF-E7CEB9C6A7D6}"/>
+              </a:ext>
+            </a:extLst>
+          </p:cNvPr>
+          <p:cNvSpPr>
+            <a:spLocks noGrp="1"/>
+          </p:cNvSpPr>
+          <p:nvPr>
+            <p:ph type="sldNum" sz="quarter" idx="7"/>
+          </p:nvPr>
+        </p:nvSpPr>
+        <p:spPr/>
+        <p:txBody>
+          <a:bodyPr/>
+          <a:lstStyle/>
+          <a:p>
+            <a:fld id="{B6F15528-21DE-4FAA-801E-634DDDAF4B2B}" type="slidenum">
+              <a:rPr lang="en-IN" smtClean="0"/>
+              <a:t>10</a:t>
+            </a:fld>
+            <a:endParaRPr lang="en-IN"/>
+          </a:p>
+        </p:txBody>
+      </p:sp>
     </p:spTree>
   </p:cSld>
   <p:clrMapOvr>
@@ -2193,31 +2376,11 @@
         <p:txBody>
           <a:bodyPr wrap="square" lIns="0" tIns="0" rIns="0" bIns="0" rtlCol="0"/>
           <a:lstStyle/>
-          <a:p/>
+          <a:p>
+            <a:endParaRPr/>
+          </a:p>
         </p:txBody>
       </p:sp>
-      <p:pic>
-        <p:nvPicPr>
-          <p:cNvPr id="3" name="object 3"/>
-          <p:cNvPicPr/>
-          <p:nvPr/>
-        </p:nvPicPr>
-        <p:blipFill>
-          <a:blip r:embed="rId2" cstate="print"/>
-          <a:stretch>
-            <a:fillRect/>
-          </a:stretch>
-        </p:blipFill>
-        <p:spPr>
-          <a:xfrm>
-            <a:off x="11495531" y="6184391"/>
-            <a:ext cx="451103" cy="449580"/>
-          </a:xfrm>
-          <a:prstGeom prst="rect">
-            <a:avLst/>
-          </a:prstGeom>
-        </p:spPr>
-      </p:pic>
       <p:sp>
         <p:nvSpPr>
           <p:cNvPr id="4" name="object 4"/>
@@ -2234,7 +2397,7 @@
           </a:prstGeom>
         </p:spPr>
         <p:txBody>
-          <a:bodyPr wrap="square" lIns="0" tIns="12700" rIns="0" bIns="0" rtlCol="0" vert="horz">
+          <a:bodyPr vert="horz" wrap="square" lIns="0" tIns="12700" rIns="0" bIns="0" rtlCol="0">
             <a:spAutoFit/>
           </a:bodyPr>
           <a:lstStyle/>
@@ -2248,7 +2411,7 @@
               </a:spcBef>
             </a:pPr>
             <a:r>
-              <a:rPr dirty="0" sz="2400" spc="-5">
+              <a:rPr sz="2400" spc="-5" dirty="0">
                 <a:solidFill>
                   <a:srgbClr val="EF5A28"/>
                 </a:solidFill>
@@ -2258,7 +2421,7 @@
               <a:t>class</a:t>
             </a:r>
             <a:r>
-              <a:rPr dirty="0" sz="2400" spc="-35">
+              <a:rPr sz="2400" spc="-35" dirty="0">
                 <a:solidFill>
                   <a:srgbClr val="EF5A28"/>
                 </a:solidFill>
@@ -2268,7 +2431,7 @@
               <a:t> </a:t>
             </a:r>
             <a:r>
-              <a:rPr dirty="0" sz="2400" spc="-5">
+              <a:rPr sz="2400" spc="-5" dirty="0">
                 <a:solidFill>
                   <a:srgbClr val="2A9FBB"/>
                 </a:solidFill>
@@ -2278,7 +2441,7 @@
               <a:t>ShoppingCartImpl</a:t>
             </a:r>
             <a:r>
-              <a:rPr dirty="0" sz="2400" spc="-70">
+              <a:rPr sz="2400" spc="-70" dirty="0">
                 <a:solidFill>
                   <a:srgbClr val="2A9FBB"/>
                 </a:solidFill>
@@ -2288,7 +2451,7 @@
               <a:t> </a:t>
             </a:r>
             <a:r>
-              <a:rPr dirty="0" sz="2400" spc="-5">
+              <a:rPr sz="2400" spc="-5" dirty="0">
                 <a:solidFill>
                   <a:srgbClr val="EF5A28"/>
                 </a:solidFill>
@@ -2298,7 +2461,7 @@
               <a:t>implements</a:t>
             </a:r>
             <a:r>
-              <a:rPr dirty="0" sz="2400" spc="-50">
+              <a:rPr sz="2400" spc="-50" dirty="0">
                 <a:solidFill>
                   <a:srgbClr val="EF5A28"/>
                 </a:solidFill>
@@ -2308,7 +2471,7 @@
               <a:t> </a:t>
             </a:r>
             <a:r>
-              <a:rPr dirty="0" sz="2400" spc="-5">
+              <a:rPr sz="2400" spc="-5" dirty="0">
                 <a:solidFill>
                   <a:srgbClr val="2A9FBB"/>
                 </a:solidFill>
@@ -2318,7 +2481,7 @@
               <a:t>ShoppingCart</a:t>
             </a:r>
             <a:r>
-              <a:rPr dirty="0" sz="2400" spc="-5">
+              <a:rPr sz="2400" spc="-5" dirty="0">
                 <a:solidFill>
                   <a:srgbClr val="FFFFFF"/>
                 </a:solidFill>
@@ -2342,7 +2505,7 @@
               </a:spcBef>
             </a:pPr>
             <a:r>
-              <a:rPr dirty="0" sz="2400">
+              <a:rPr sz="2400" dirty="0">
                 <a:solidFill>
                   <a:srgbClr val="EF5A28"/>
                 </a:solidFill>
@@ -2352,7 +2515,7 @@
               <a:t>public</a:t>
             </a:r>
             <a:r>
-              <a:rPr dirty="0" sz="2400" spc="-50">
+              <a:rPr sz="2400" spc="-50" dirty="0">
                 <a:solidFill>
                   <a:srgbClr val="EF5A28"/>
                 </a:solidFill>
@@ -2362,7 +2525,7 @@
               <a:t> </a:t>
             </a:r>
             <a:r>
-              <a:rPr dirty="0" sz="2400" spc="-5">
+              <a:rPr sz="2400" spc="-5" dirty="0">
                 <a:solidFill>
                   <a:srgbClr val="EF5A28"/>
                 </a:solidFill>
@@ -2372,7 +2535,7 @@
               <a:t>void</a:t>
             </a:r>
             <a:r>
-              <a:rPr dirty="0" sz="2400" spc="-40">
+              <a:rPr sz="2400" spc="-40" dirty="0">
                 <a:solidFill>
                   <a:srgbClr val="EF5A28"/>
                 </a:solidFill>
@@ -2382,7 +2545,7 @@
               <a:t> </a:t>
             </a:r>
             <a:r>
-              <a:rPr dirty="0" sz="2400" spc="-5">
+              <a:rPr sz="2400" spc="-5" dirty="0">
                 <a:solidFill>
                   <a:srgbClr val="FFFFFF"/>
                 </a:solidFill>
@@ -2403,7 +2566,7 @@
               </a:lnSpc>
             </a:pPr>
             <a:r>
-              <a:rPr dirty="0" sz="2400" spc="-5">
+              <a:rPr sz="2400" spc="-5" dirty="0">
                 <a:solidFill>
                   <a:srgbClr val="2A9FBB"/>
                 </a:solidFill>
@@ -2413,7 +2576,7 @@
               <a:t>PaymentService </a:t>
             </a:r>
             <a:r>
-              <a:rPr dirty="0" sz="2400" spc="-5">
+              <a:rPr sz="2400" spc="-5" dirty="0">
                 <a:solidFill>
                   <a:srgbClr val="FFFFFF"/>
                 </a:solidFill>
@@ -2423,7 +2586,7 @@
               <a:t>ps </a:t>
             </a:r>
             <a:r>
-              <a:rPr dirty="0" sz="2400">
+              <a:rPr sz="2400" dirty="0">
                 <a:solidFill>
                   <a:srgbClr val="FFFFFF"/>
                 </a:solidFill>
@@ -2433,7 +2596,7 @@
               <a:t>= </a:t>
             </a:r>
             <a:r>
-              <a:rPr dirty="0" sz="2400" spc="-5">
+              <a:rPr sz="2400" spc="-5" dirty="0">
                 <a:solidFill>
                   <a:srgbClr val="EF5A28"/>
                 </a:solidFill>
@@ -2443,7 +2606,7 @@
               <a:t>new </a:t>
             </a:r>
             <a:r>
-              <a:rPr dirty="0" sz="2400" spc="-5">
+              <a:rPr sz="2400" spc="-5" dirty="0">
                 <a:solidFill>
                   <a:srgbClr val="2A9FBB"/>
                 </a:solidFill>
@@ -2453,7 +2616,7 @@
               <a:t>PaymentService</a:t>
             </a:r>
             <a:r>
-              <a:rPr dirty="0" sz="2400" spc="-5">
+              <a:rPr sz="2400" spc="-5" dirty="0">
                 <a:solidFill>
                   <a:srgbClr val="FFFFFF"/>
                 </a:solidFill>
@@ -2463,7 +2626,7 @@
               <a:t>(); </a:t>
             </a:r>
             <a:r>
-              <a:rPr dirty="0" sz="2400" spc="-1430">
+              <a:rPr sz="2400" spc="-1430" dirty="0">
                 <a:solidFill>
                   <a:srgbClr val="FFFFFF"/>
                 </a:solidFill>
@@ -2473,7 +2636,7 @@
               <a:t> </a:t>
             </a:r>
             <a:r>
-              <a:rPr dirty="0" sz="2400" spc="-10">
+              <a:rPr sz="2400" spc="-10" dirty="0">
                 <a:solidFill>
                   <a:srgbClr val="FFFFFF"/>
                 </a:solidFill>
@@ -2500,7 +2663,7 @@
               </a:tabLst>
             </a:pPr>
             <a:r>
-              <a:rPr dirty="0" sz="2400" spc="-5">
+              <a:rPr sz="2400" spc="-5" dirty="0">
                 <a:solidFill>
                   <a:srgbClr val="2A9FBB"/>
                 </a:solidFill>
@@ -2510,7 +2673,7 @@
               <a:t>User</a:t>
             </a:r>
             <a:r>
-              <a:rPr dirty="0" sz="2400" spc="-10">
+              <a:rPr sz="2400" spc="-10" dirty="0">
                 <a:solidFill>
                   <a:srgbClr val="2A9FBB"/>
                 </a:solidFill>
@@ -2520,7 +2683,7 @@
               <a:t> </a:t>
             </a:r>
             <a:r>
-              <a:rPr dirty="0" sz="2400" spc="-5">
+              <a:rPr sz="2400" spc="-5" dirty="0">
                 <a:solidFill>
                   <a:srgbClr val="FFFFFF"/>
                 </a:solidFill>
@@ -2530,7 +2693,7 @@
               <a:t>user	</a:t>
             </a:r>
             <a:r>
-              <a:rPr dirty="0" sz="2400">
+              <a:rPr sz="2400" dirty="0">
                 <a:solidFill>
                   <a:srgbClr val="FFFFFF"/>
                 </a:solidFill>
@@ -2540,7 +2703,7 @@
               <a:t>=</a:t>
             </a:r>
             <a:r>
-              <a:rPr dirty="0" sz="2400" spc="25">
+              <a:rPr sz="2400" spc="25" dirty="0">
                 <a:solidFill>
                   <a:srgbClr val="FFFFFF"/>
                 </a:solidFill>
@@ -2550,7 +2713,7 @@
               <a:t> </a:t>
             </a:r>
             <a:r>
-              <a:rPr dirty="0" sz="2400" spc="-10">
+              <a:rPr sz="2400" spc="-10" dirty="0">
                 <a:solidFill>
                   <a:srgbClr val="2A9FBB"/>
                 </a:solidFill>
@@ -2560,7 +2723,7 @@
               <a:t>UserService</a:t>
             </a:r>
             <a:r>
-              <a:rPr dirty="0" sz="2400" spc="-10">
+              <a:rPr sz="2400" spc="-10" dirty="0">
                 <a:solidFill>
                   <a:srgbClr val="FFFFFF"/>
                 </a:solidFill>
@@ -2570,7 +2733,7 @@
               <a:t>.getUserForTransaction(); </a:t>
             </a:r>
             <a:r>
-              <a:rPr dirty="0" sz="2400" spc="-1430">
+              <a:rPr sz="2400" spc="-1430" dirty="0">
                 <a:solidFill>
                   <a:srgbClr val="FFFFFF"/>
                 </a:solidFill>
@@ -2580,7 +2743,7 @@
               <a:t> </a:t>
             </a:r>
             <a:r>
-              <a:rPr dirty="0" sz="2400" spc="-5">
+              <a:rPr sz="2400" spc="-5" dirty="0">
                 <a:solidFill>
                   <a:srgbClr val="2A9FBB"/>
                 </a:solidFill>
@@ -2590,7 +2753,7 @@
               <a:t>EmailService </a:t>
             </a:r>
             <a:r>
-              <a:rPr dirty="0" sz="2400" spc="-5">
+              <a:rPr sz="2400" spc="-5" dirty="0">
                 <a:solidFill>
                   <a:srgbClr val="FFFFFF"/>
                 </a:solidFill>
@@ -2600,7 +2763,7 @@
               <a:t>emailService </a:t>
             </a:r>
             <a:r>
-              <a:rPr dirty="0" sz="2400">
+              <a:rPr sz="2400" dirty="0">
                 <a:solidFill>
                   <a:srgbClr val="FFFFFF"/>
                 </a:solidFill>
@@ -2610,7 +2773,7 @@
               <a:t>= </a:t>
             </a:r>
             <a:r>
-              <a:rPr dirty="0" sz="2400" spc="-5">
+              <a:rPr sz="2400" spc="-5" dirty="0">
                 <a:solidFill>
                   <a:srgbClr val="EF5A28"/>
                 </a:solidFill>
@@ -2620,7 +2783,7 @@
               <a:t>new </a:t>
             </a:r>
             <a:r>
-              <a:rPr dirty="0" sz="2400" spc="-5">
+              <a:rPr sz="2400" spc="-5" dirty="0">
                 <a:solidFill>
                   <a:srgbClr val="2A9FBB"/>
                 </a:solidFill>
@@ -2630,7 +2793,7 @@
               <a:t>EmailService</a:t>
             </a:r>
             <a:r>
-              <a:rPr dirty="0" sz="2400" spc="-5">
+              <a:rPr sz="2400" spc="-5" dirty="0">
                 <a:solidFill>
                   <a:srgbClr val="FFFFFF"/>
                 </a:solidFill>
@@ -2640,7 +2803,7 @@
               <a:t>(); </a:t>
             </a:r>
             <a:r>
-              <a:rPr dirty="0" sz="2400">
+              <a:rPr sz="2400" dirty="0">
                 <a:solidFill>
                   <a:srgbClr val="FFFFFF"/>
                 </a:solidFill>
@@ -2650,7 +2813,7 @@
               <a:t> </a:t>
             </a:r>
             <a:r>
-              <a:rPr dirty="0" sz="2400" spc="-10">
+              <a:rPr sz="2400" spc="-10" dirty="0">
                 <a:solidFill>
                   <a:srgbClr val="FFFFFF"/>
                 </a:solidFill>
@@ -2674,7 +2837,7 @@
               </a:spcBef>
             </a:pPr>
             <a:r>
-              <a:rPr dirty="0" sz="2400">
+              <a:rPr sz="2400" dirty="0">
                 <a:solidFill>
                   <a:srgbClr val="FFFFFF"/>
                 </a:solidFill>
@@ -2698,7 +2861,7 @@
               </a:spcBef>
             </a:pPr>
             <a:r>
-              <a:rPr dirty="0" sz="2400">
+              <a:rPr sz="2400" dirty="0">
                 <a:solidFill>
                   <a:srgbClr val="FFFFFF"/>
                 </a:solidFill>
@@ -2721,7 +2884,7 @@
           <p:nvPr/>
         </p:nvPicPr>
         <p:blipFill>
-          <a:blip r:embed="rId3" cstate="print"/>
+          <a:blip r:embed="rId2" cstate="print"/>
           <a:stretch>
             <a:fillRect/>
           </a:stretch>
@@ -2736,6 +2899,35 @@
           </a:prstGeom>
         </p:spPr>
       </p:pic>
+      <p:sp>
+        <p:nvSpPr>
+          <p:cNvPr id="6" name="Slide Number Placeholder 5">
+            <a:extLst>
+              <a:ext uri="{FF2B5EF4-FFF2-40B4-BE49-F238E27FC236}">
+                <a16:creationId xmlns:a16="http://schemas.microsoft.com/office/drawing/2014/main" id="{5B6038A9-E5F4-E5FC-AF35-15ED7F8F76B5}"/>
+              </a:ext>
+            </a:extLst>
+          </p:cNvPr>
+          <p:cNvSpPr>
+            <a:spLocks noGrp="1"/>
+          </p:cNvSpPr>
+          <p:nvPr>
+            <p:ph type="sldNum" sz="quarter" idx="7"/>
+          </p:nvPr>
+        </p:nvSpPr>
+        <p:spPr/>
+        <p:txBody>
+          <a:bodyPr/>
+          <a:lstStyle/>
+          <a:p>
+            <a:fld id="{B6F15528-21DE-4FAA-801E-634DDDAF4B2B}" type="slidenum">
+              <a:rPr lang="en-IN" smtClean="0"/>
+              <a:t>11</a:t>
+            </a:fld>
+            <a:endParaRPr lang="en-IN"/>
+          </a:p>
+        </p:txBody>
+      </p:sp>
     </p:spTree>
   </p:cSld>
   <p:clrMapOvr>
@@ -2806,31 +2998,11 @@
         <p:txBody>
           <a:bodyPr wrap="square" lIns="0" tIns="0" rIns="0" bIns="0" rtlCol="0"/>
           <a:lstStyle/>
-          <a:p/>
+          <a:p>
+            <a:endParaRPr/>
+          </a:p>
         </p:txBody>
       </p:sp>
-      <p:pic>
-        <p:nvPicPr>
-          <p:cNvPr id="3" name="object 3"/>
-          <p:cNvPicPr/>
-          <p:nvPr/>
-        </p:nvPicPr>
-        <p:blipFill>
-          <a:blip r:embed="rId2" cstate="print"/>
-          <a:stretch>
-            <a:fillRect/>
-          </a:stretch>
-        </p:blipFill>
-        <p:spPr>
-          <a:xfrm>
-            <a:off x="11495531" y="6184391"/>
-            <a:ext cx="451103" cy="449580"/>
-          </a:xfrm>
-          <a:prstGeom prst="rect">
-            <a:avLst/>
-          </a:prstGeom>
-        </p:spPr>
-      </p:pic>
       <p:sp>
         <p:nvSpPr>
           <p:cNvPr id="4" name="object 4"/>
@@ -2847,7 +3019,7 @@
           </a:prstGeom>
         </p:spPr>
         <p:txBody>
-          <a:bodyPr wrap="square" lIns="0" tIns="12700" rIns="0" bIns="0" rtlCol="0" vert="horz">
+          <a:bodyPr vert="horz" wrap="square" lIns="0" tIns="12700" rIns="0" bIns="0" rtlCol="0">
             <a:spAutoFit/>
           </a:bodyPr>
           <a:lstStyle/>
@@ -2861,7 +3033,7 @@
               </a:spcBef>
             </a:pPr>
             <a:r>
-              <a:rPr dirty="0" sz="2400" spc="-5">
+              <a:rPr sz="2400" spc="-5" dirty="0">
                 <a:solidFill>
                   <a:srgbClr val="EF5A28"/>
                 </a:solidFill>
@@ -2871,7 +3043,7 @@
               <a:t>public</a:t>
             </a:r>
             <a:r>
-              <a:rPr dirty="0" sz="2400" spc="-40">
+              <a:rPr sz="2400" spc="-40" dirty="0">
                 <a:solidFill>
                   <a:srgbClr val="EF5A28"/>
                 </a:solidFill>
@@ -2881,7 +3053,7 @@
               <a:t> </a:t>
             </a:r>
             <a:r>
-              <a:rPr dirty="0" sz="2400" spc="-5">
+              <a:rPr sz="2400" spc="-5" dirty="0">
                 <a:solidFill>
                   <a:srgbClr val="EF5A28"/>
                 </a:solidFill>
@@ -2891,7 +3063,7 @@
               <a:t>abstract</a:t>
             </a:r>
             <a:r>
-              <a:rPr dirty="0" sz="2400" spc="-45">
+              <a:rPr sz="2400" spc="-45" dirty="0">
                 <a:solidFill>
                   <a:srgbClr val="EF5A28"/>
                 </a:solidFill>
@@ -2901,7 +3073,7 @@
               <a:t> </a:t>
             </a:r>
             <a:r>
-              <a:rPr dirty="0" sz="2400" spc="-5">
+              <a:rPr sz="2400" spc="-5" dirty="0">
                 <a:solidFill>
                   <a:srgbClr val="EF5A28"/>
                 </a:solidFill>
@@ -2911,7 +3083,7 @@
               <a:t>class</a:t>
             </a:r>
             <a:r>
-              <a:rPr dirty="0" sz="2400" spc="-45">
+              <a:rPr sz="2400" spc="-45" dirty="0">
                 <a:solidFill>
                   <a:srgbClr val="EF5A28"/>
                 </a:solidFill>
@@ -2921,7 +3093,7 @@
               <a:t> </a:t>
             </a:r>
             <a:r>
-              <a:rPr dirty="0" sz="2400" spc="-5">
+              <a:rPr sz="2400" spc="-5" dirty="0">
                 <a:solidFill>
                   <a:srgbClr val="2A9FBB"/>
                 </a:solidFill>
@@ -2931,7 +3103,7 @@
               <a:t>Account</a:t>
             </a:r>
             <a:r>
-              <a:rPr dirty="0" sz="2400" spc="-5">
+              <a:rPr sz="2400" spc="-5" dirty="0">
                 <a:solidFill>
                   <a:srgbClr val="FFFFFF"/>
                 </a:solidFill>
@@ -2955,7 +3127,7 @@
               </a:spcBef>
             </a:pPr>
             <a:r>
-              <a:rPr dirty="0" sz="2400">
+              <a:rPr sz="2400" dirty="0">
                 <a:solidFill>
                   <a:srgbClr val="EF5A28"/>
                 </a:solidFill>
@@ -2965,7 +3137,7 @@
               <a:t>abstract</a:t>
             </a:r>
             <a:r>
-              <a:rPr dirty="0" sz="2400" spc="-80">
+              <a:rPr sz="2400" spc="-80" dirty="0">
                 <a:solidFill>
                   <a:srgbClr val="EF5A28"/>
                 </a:solidFill>
@@ -2975,7 +3147,7 @@
               <a:t> </a:t>
             </a:r>
             <a:r>
-              <a:rPr dirty="0" sz="2400" spc="-5">
+              <a:rPr sz="2400" spc="-5" dirty="0">
                 <a:solidFill>
                   <a:srgbClr val="EF5A28"/>
                 </a:solidFill>
@@ -2985,7 +3157,7 @@
               <a:t>double</a:t>
             </a:r>
             <a:r>
-              <a:rPr dirty="0" sz="2400" spc="-45">
+              <a:rPr sz="2400" spc="-45" dirty="0">
                 <a:solidFill>
                   <a:srgbClr val="EF5A28"/>
                 </a:solidFill>
@@ -2995,7 +3167,7 @@
               <a:t> </a:t>
             </a:r>
             <a:r>
-              <a:rPr dirty="0" sz="2400" spc="-5">
+              <a:rPr sz="2400" spc="-5" dirty="0">
                 <a:solidFill>
                   <a:srgbClr val="FFFFFF"/>
                 </a:solidFill>
@@ -3016,7 +3188,7 @@
               </a:lnSpc>
             </a:pPr>
             <a:r>
-              <a:rPr dirty="0" sz="2400">
+              <a:rPr sz="2400" dirty="0">
                 <a:solidFill>
                   <a:srgbClr val="EF5A28"/>
                 </a:solidFill>
@@ -3026,7 +3198,7 @@
               <a:t>abstract</a:t>
             </a:r>
             <a:r>
-              <a:rPr dirty="0" sz="2400" spc="15">
+              <a:rPr sz="2400" spc="15" dirty="0">
                 <a:solidFill>
                   <a:srgbClr val="EF5A28"/>
                 </a:solidFill>
@@ -3036,7 +3208,7 @@
               <a:t> </a:t>
             </a:r>
             <a:r>
-              <a:rPr dirty="0" sz="2400" spc="-5">
+              <a:rPr sz="2400" spc="-5" dirty="0">
                 <a:solidFill>
                   <a:srgbClr val="EF5A28"/>
                 </a:solidFill>
@@ -3046,7 +3218,7 @@
               <a:t>void</a:t>
             </a:r>
             <a:r>
-              <a:rPr dirty="0" sz="2400" spc="45">
+              <a:rPr sz="2400" spc="45" dirty="0">
                 <a:solidFill>
                   <a:srgbClr val="EF5A28"/>
                 </a:solidFill>
@@ -3056,7 +3228,7 @@
               <a:t> </a:t>
             </a:r>
             <a:r>
-              <a:rPr dirty="0" sz="2400" spc="-5">
+              <a:rPr sz="2400" spc="-5" dirty="0">
                 <a:solidFill>
                   <a:srgbClr val="FFFFFF"/>
                 </a:solidFill>
@@ -3066,7 +3238,7 @@
               <a:t>processLocalPayment(double</a:t>
             </a:r>
             <a:r>
-              <a:rPr dirty="0" sz="2400" spc="10">
+              <a:rPr sz="2400" spc="10" dirty="0">
                 <a:solidFill>
                   <a:srgbClr val="FFFFFF"/>
                 </a:solidFill>
@@ -3076,7 +3248,7 @@
               <a:t> </a:t>
             </a:r>
             <a:r>
-              <a:rPr dirty="0" sz="2400" spc="-5">
+              <a:rPr sz="2400" spc="-5" dirty="0">
                 <a:solidFill>
                   <a:srgbClr val="FFFFFF"/>
                 </a:solidFill>
@@ -3086,7 +3258,7 @@
               <a:t>amnt); </a:t>
             </a:r>
             <a:r>
-              <a:rPr dirty="0" sz="2400">
+              <a:rPr sz="2400" dirty="0">
                 <a:solidFill>
                   <a:srgbClr val="FFFFFF"/>
                 </a:solidFill>
@@ -3096,7 +3268,7 @@
               <a:t> </a:t>
             </a:r>
             <a:r>
-              <a:rPr dirty="0" sz="2400">
+              <a:rPr sz="2400" dirty="0">
                 <a:solidFill>
                   <a:srgbClr val="EF5A28"/>
                 </a:solidFill>
@@ -3106,7 +3278,7 @@
               <a:t>abstract</a:t>
             </a:r>
             <a:r>
-              <a:rPr dirty="0" sz="2400" spc="-60">
+              <a:rPr sz="2400" spc="-60" dirty="0">
                 <a:solidFill>
                   <a:srgbClr val="EF5A28"/>
                 </a:solidFill>
@@ -3116,7 +3288,7 @@
               <a:t> </a:t>
             </a:r>
             <a:r>
-              <a:rPr dirty="0" sz="2400" spc="-5">
+              <a:rPr sz="2400" spc="-5" dirty="0">
                 <a:solidFill>
                   <a:srgbClr val="EF5A28"/>
                 </a:solidFill>
@@ -3126,7 +3298,7 @@
               <a:t>void</a:t>
             </a:r>
             <a:r>
-              <a:rPr dirty="0" sz="2400" spc="-35">
+              <a:rPr sz="2400" spc="-35" dirty="0">
                 <a:solidFill>
                   <a:srgbClr val="EF5A28"/>
                 </a:solidFill>
@@ -3136,7 +3308,7 @@
               <a:t> </a:t>
             </a:r>
             <a:r>
-              <a:rPr dirty="0" sz="2400" spc="-5">
+              <a:rPr sz="2400" spc="-5" dirty="0">
                 <a:solidFill>
                   <a:srgbClr val="FFFFFF"/>
                 </a:solidFill>
@@ -3146,7 +3318,7 @@
               <a:t>processInternationalPayment(double</a:t>
             </a:r>
             <a:r>
-              <a:rPr dirty="0" sz="2400" spc="-50">
+              <a:rPr sz="2400" spc="-50" dirty="0">
                 <a:solidFill>
                   <a:srgbClr val="FFFFFF"/>
                 </a:solidFill>
@@ -3156,7 +3328,7 @@
               <a:t> </a:t>
             </a:r>
             <a:r>
-              <a:rPr dirty="0" sz="2400" spc="-5">
+              <a:rPr sz="2400" spc="-5" dirty="0">
                 <a:solidFill>
                   <a:srgbClr val="FFFFFF"/>
                 </a:solidFill>
@@ -3180,7 +3352,7 @@
               </a:spcBef>
             </a:pPr>
             <a:r>
-              <a:rPr dirty="0" sz="2400">
+              <a:rPr sz="2400" dirty="0">
                 <a:solidFill>
                   <a:srgbClr val="FFFFFF"/>
                 </a:solidFill>
@@ -3217,7 +3389,7 @@
             <p:nvPr/>
           </p:nvPicPr>
           <p:blipFill>
-            <a:blip r:embed="rId3" cstate="print"/>
+            <a:blip r:embed="rId2" cstate="print"/>
             <a:stretch>
               <a:fillRect/>
             </a:stretch>
@@ -3239,7 +3411,7 @@
             <p:nvPr/>
           </p:nvPicPr>
           <p:blipFill>
-            <a:blip r:embed="rId4" cstate="print"/>
+            <a:blip r:embed="rId3" cstate="print"/>
             <a:stretch>
               <a:fillRect/>
             </a:stretch>
@@ -3261,7 +3433,7 @@
             <p:nvPr/>
           </p:nvPicPr>
           <p:blipFill>
-            <a:blip r:embed="rId5" cstate="print"/>
+            <a:blip r:embed="rId4" cstate="print"/>
             <a:stretch>
               <a:fillRect/>
             </a:stretch>
@@ -3283,7 +3455,7 @@
             <p:nvPr/>
           </p:nvPicPr>
           <p:blipFill>
-            <a:blip r:embed="rId6" cstate="print"/>
+            <a:blip r:embed="rId5" cstate="print"/>
             <a:stretch>
               <a:fillRect/>
             </a:stretch>
@@ -3299,6 +3471,35 @@
           </p:spPr>
         </p:pic>
       </p:grpSp>
+      <p:sp>
+        <p:nvSpPr>
+          <p:cNvPr id="10" name="Slide Number Placeholder 9">
+            <a:extLst>
+              <a:ext uri="{FF2B5EF4-FFF2-40B4-BE49-F238E27FC236}">
+                <a16:creationId xmlns:a16="http://schemas.microsoft.com/office/drawing/2014/main" id="{6C3DDBF7-1237-A73B-3D5F-8FB96E97F699}"/>
+              </a:ext>
+            </a:extLst>
+          </p:cNvPr>
+          <p:cNvSpPr>
+            <a:spLocks noGrp="1"/>
+          </p:cNvSpPr>
+          <p:nvPr>
+            <p:ph type="sldNum" sz="quarter" idx="7"/>
+          </p:nvPr>
+        </p:nvSpPr>
+        <p:spPr/>
+        <p:txBody>
+          <a:bodyPr/>
+          <a:lstStyle/>
+          <a:p>
+            <a:fld id="{B6F15528-21DE-4FAA-801E-634DDDAF4B2B}" type="slidenum">
+              <a:rPr lang="en-IN" smtClean="0"/>
+              <a:t>12</a:t>
+            </a:fld>
+            <a:endParaRPr lang="en-IN"/>
+          </a:p>
+        </p:txBody>
+      </p:sp>
     </p:spTree>
   </p:cSld>
   <p:clrMapOvr>
@@ -3369,31 +3570,11 @@
         <p:txBody>
           <a:bodyPr wrap="square" lIns="0" tIns="0" rIns="0" bIns="0" rtlCol="0"/>
           <a:lstStyle/>
-          <a:p/>
+          <a:p>
+            <a:endParaRPr/>
+          </a:p>
         </p:txBody>
       </p:sp>
-      <p:pic>
-        <p:nvPicPr>
-          <p:cNvPr id="3" name="object 3"/>
-          <p:cNvPicPr/>
-          <p:nvPr/>
-        </p:nvPicPr>
-        <p:blipFill>
-          <a:blip r:embed="rId2" cstate="print"/>
-          <a:stretch>
-            <a:fillRect/>
-          </a:stretch>
-        </p:blipFill>
-        <p:spPr>
-          <a:xfrm>
-            <a:off x="11495531" y="6184391"/>
-            <a:ext cx="451103" cy="449580"/>
-          </a:xfrm>
-          <a:prstGeom prst="rect">
-            <a:avLst/>
-          </a:prstGeom>
-        </p:spPr>
-      </p:pic>
       <p:sp>
         <p:nvSpPr>
           <p:cNvPr id="4" name="object 4"/>
@@ -3410,7 +3591,7 @@
           </a:prstGeom>
         </p:spPr>
         <p:txBody>
-          <a:bodyPr wrap="square" lIns="0" tIns="12700" rIns="0" bIns="0" rtlCol="0" vert="horz">
+          <a:bodyPr vert="horz" wrap="square" lIns="0" tIns="12700" rIns="0" bIns="0" rtlCol="0">
             <a:spAutoFit/>
           </a:bodyPr>
           <a:lstStyle/>
@@ -3424,7 +3605,7 @@
               </a:spcBef>
             </a:pPr>
             <a:r>
-              <a:rPr dirty="0" sz="2400" spc="-5">
+              <a:rPr sz="2400" spc="-5" dirty="0">
                 <a:solidFill>
                   <a:srgbClr val="EF5A28"/>
                 </a:solidFill>
@@ -3434,7 +3615,7 @@
               <a:t>public</a:t>
             </a:r>
             <a:r>
-              <a:rPr dirty="0" sz="2400" spc="-35">
+              <a:rPr sz="2400" spc="-35" dirty="0">
                 <a:solidFill>
                   <a:srgbClr val="EF5A28"/>
                 </a:solidFill>
@@ -3444,7 +3625,7 @@
               <a:t> </a:t>
             </a:r>
             <a:r>
-              <a:rPr dirty="0" sz="2400" spc="-5">
+              <a:rPr sz="2400" spc="-5" dirty="0">
                 <a:solidFill>
                   <a:srgbClr val="EF5A28"/>
                 </a:solidFill>
@@ -3454,7 +3635,7 @@
               <a:t>class</a:t>
             </a:r>
             <a:r>
-              <a:rPr dirty="0" sz="2400" spc="-40">
+              <a:rPr sz="2400" spc="-40" dirty="0">
                 <a:solidFill>
                   <a:srgbClr val="EF5A28"/>
                 </a:solidFill>
@@ -3464,7 +3645,7 @@
               <a:t> </a:t>
             </a:r>
             <a:r>
-              <a:rPr dirty="0" sz="2400" spc="-5">
+              <a:rPr sz="2400" spc="-5" dirty="0">
                 <a:solidFill>
                   <a:srgbClr val="2A9FBB"/>
                 </a:solidFill>
@@ -3474,7 +3655,7 @@
               <a:t>SchoolAccount</a:t>
             </a:r>
             <a:r>
-              <a:rPr dirty="0" sz="2400" spc="-50">
+              <a:rPr sz="2400" spc="-50" dirty="0">
                 <a:solidFill>
                   <a:srgbClr val="2A9FBB"/>
                 </a:solidFill>
@@ -3484,7 +3665,7 @@
               <a:t> </a:t>
             </a:r>
             <a:r>
-              <a:rPr dirty="0" sz="2400" spc="-5">
+              <a:rPr sz="2400" spc="-5" dirty="0">
                 <a:solidFill>
                   <a:srgbClr val="FFFFFF"/>
                 </a:solidFill>
@@ -3494,7 +3675,7 @@
               <a:t>extends</a:t>
             </a:r>
             <a:r>
-              <a:rPr dirty="0" sz="2400" spc="-30">
+              <a:rPr sz="2400" spc="-30" dirty="0">
                 <a:solidFill>
                   <a:srgbClr val="FFFFFF"/>
                 </a:solidFill>
@@ -3504,7 +3685,7 @@
               <a:t> </a:t>
             </a:r>
             <a:r>
-              <a:rPr dirty="0" sz="2400" spc="-5">
+              <a:rPr sz="2400" spc="-5" dirty="0">
                 <a:solidFill>
                   <a:srgbClr val="2A9FBB"/>
                 </a:solidFill>
@@ -3514,7 +3695,7 @@
               <a:t>Account</a:t>
             </a:r>
             <a:r>
-              <a:rPr dirty="0" sz="2400" spc="-5">
+              <a:rPr sz="2400" spc="-5" dirty="0">
                 <a:solidFill>
                   <a:srgbClr val="FFFFFF"/>
                 </a:solidFill>
@@ -3538,7 +3719,7 @@
               </a:spcBef>
             </a:pPr>
             <a:r>
-              <a:rPr dirty="0" sz="2400">
+              <a:rPr sz="2400" dirty="0">
                 <a:solidFill>
                   <a:srgbClr val="FFFFFF"/>
                 </a:solidFill>
@@ -3562,7 +3743,7 @@
               </a:spcBef>
             </a:pPr>
             <a:r>
-              <a:rPr dirty="0" sz="2400">
+              <a:rPr sz="2400" dirty="0">
                 <a:solidFill>
                   <a:srgbClr val="EF5A28"/>
                 </a:solidFill>
@@ -3572,7 +3753,7 @@
               <a:t>void</a:t>
             </a:r>
             <a:r>
-              <a:rPr dirty="0" sz="2400" spc="-50">
+              <a:rPr sz="2400" spc="-50" dirty="0">
                 <a:solidFill>
                   <a:srgbClr val="EF5A28"/>
                 </a:solidFill>
@@ -3582,7 +3763,7 @@
               <a:t> </a:t>
             </a:r>
             <a:r>
-              <a:rPr dirty="0" sz="2400" spc="-5">
+              <a:rPr sz="2400" spc="-5" dirty="0">
                 <a:solidFill>
                   <a:srgbClr val="FFFFFF"/>
                 </a:solidFill>
@@ -3592,7 +3773,7 @@
               <a:t>processInternationalPayment(</a:t>
             </a:r>
             <a:r>
-              <a:rPr dirty="0" sz="2400" spc="-5">
+              <a:rPr sz="2400" spc="-5" dirty="0">
                 <a:solidFill>
                   <a:srgbClr val="2A9FBB"/>
                 </a:solidFill>
@@ -3602,7 +3783,7 @@
               <a:t>double</a:t>
             </a:r>
             <a:r>
-              <a:rPr dirty="0" sz="2400" spc="-70">
+              <a:rPr sz="2400" spc="-70" dirty="0">
                 <a:solidFill>
                   <a:srgbClr val="2A9FBB"/>
                 </a:solidFill>
@@ -3612,7 +3793,7 @@
               <a:t> </a:t>
             </a:r>
             <a:r>
-              <a:rPr dirty="0" sz="2400" spc="-5">
+              <a:rPr sz="2400" spc="-5" dirty="0">
                 <a:solidFill>
                   <a:srgbClr val="FFFFFF"/>
                 </a:solidFill>
@@ -3636,7 +3817,7 @@
               </a:spcBef>
             </a:pPr>
             <a:r>
-              <a:rPr dirty="0" sz="2400" spc="-5">
+              <a:rPr sz="2400" spc="-5" dirty="0">
                 <a:solidFill>
                   <a:srgbClr val="FFFFFF"/>
                 </a:solidFill>
@@ -3646,7 +3827,7 @@
               <a:t>//</a:t>
             </a:r>
             <a:r>
-              <a:rPr dirty="0" sz="2400" spc="-25">
+              <a:rPr sz="2400" spc="-25" dirty="0">
                 <a:solidFill>
                   <a:srgbClr val="FFFFFF"/>
                 </a:solidFill>
@@ -3656,7 +3837,7 @@
               <a:t> </a:t>
             </a:r>
             <a:r>
-              <a:rPr dirty="0" sz="2400" spc="-5">
+              <a:rPr sz="2400" spc="-5" dirty="0">
                 <a:solidFill>
                   <a:srgbClr val="FFFFFF"/>
                 </a:solidFill>
@@ -3666,7 +3847,7 @@
               <a:t>Do</a:t>
             </a:r>
             <a:r>
-              <a:rPr dirty="0" sz="2400" spc="-10">
+              <a:rPr sz="2400" spc="-10" dirty="0">
                 <a:solidFill>
                   <a:srgbClr val="FFFFFF"/>
                 </a:solidFill>
@@ -3676,7 +3857,7 @@
               <a:t> </a:t>
             </a:r>
             <a:r>
-              <a:rPr dirty="0" sz="2400" spc="-5">
+              <a:rPr sz="2400" spc="-5" dirty="0">
                 <a:solidFill>
                   <a:srgbClr val="FFFFFF"/>
                 </a:solidFill>
@@ -3686,7 +3867,7 @@
               <a:t>nothing.</a:t>
             </a:r>
             <a:r>
-              <a:rPr dirty="0" sz="2400" spc="-35">
+              <a:rPr sz="2400" spc="-35" dirty="0">
                 <a:solidFill>
                   <a:srgbClr val="FFFFFF"/>
                 </a:solidFill>
@@ -3696,7 +3877,7 @@
               <a:t> </a:t>
             </a:r>
             <a:r>
-              <a:rPr dirty="0" sz="2400" spc="-5">
+              <a:rPr sz="2400" spc="-5" dirty="0">
                 <a:solidFill>
                   <a:srgbClr val="FFFFFF"/>
                 </a:solidFill>
@@ -3706,7 +3887,7 @@
               <a:t>Better</a:t>
             </a:r>
             <a:r>
-              <a:rPr dirty="0" sz="2400" spc="-30">
+              <a:rPr sz="2400" spc="-30" dirty="0">
                 <a:solidFill>
                   <a:srgbClr val="FFFFFF"/>
                 </a:solidFill>
@@ -3716,7 +3897,7 @@
               <a:t> </a:t>
             </a:r>
             <a:r>
-              <a:rPr dirty="0" sz="2400" spc="-5">
+              <a:rPr sz="2400" spc="-5" dirty="0">
                 <a:solidFill>
                   <a:srgbClr val="FFFFFF"/>
                 </a:solidFill>
@@ -3726,7 +3907,7 @@
               <a:t>than</a:t>
             </a:r>
             <a:r>
-              <a:rPr dirty="0" sz="2400" spc="-25">
+              <a:rPr sz="2400" spc="-25" dirty="0">
                 <a:solidFill>
                   <a:srgbClr val="FFFFFF"/>
                 </a:solidFill>
@@ -3736,7 +3917,7 @@
               <a:t> </a:t>
             </a:r>
             <a:r>
-              <a:rPr dirty="0" sz="2400" spc="-5">
+              <a:rPr sz="2400" spc="-5" dirty="0">
                 <a:solidFill>
                   <a:srgbClr val="FFFFFF"/>
                 </a:solidFill>
@@ -3746,7 +3927,7 @@
               <a:t>throwing</a:t>
             </a:r>
             <a:r>
-              <a:rPr dirty="0" sz="2400" spc="-20">
+              <a:rPr sz="2400" spc="-20" dirty="0">
                 <a:solidFill>
                   <a:srgbClr val="FFFFFF"/>
                 </a:solidFill>
@@ -3756,7 +3937,7 @@
               <a:t> </a:t>
             </a:r>
             <a:r>
-              <a:rPr dirty="0" sz="2400" spc="-5">
+              <a:rPr sz="2400" spc="-5" dirty="0">
                 <a:solidFill>
                   <a:srgbClr val="FFFFFF"/>
                 </a:solidFill>
@@ -3766,7 +3947,7 @@
               <a:t>an</a:t>
             </a:r>
             <a:r>
-              <a:rPr dirty="0" sz="2400" spc="-25">
+              <a:rPr sz="2400" spc="-25" dirty="0">
                 <a:solidFill>
                   <a:srgbClr val="FFFFFF"/>
                 </a:solidFill>
@@ -3776,7 +3957,7 @@
               <a:t> </a:t>
             </a:r>
             <a:r>
-              <a:rPr dirty="0" sz="2400" spc="-5">
+              <a:rPr sz="2400" spc="-5" dirty="0">
                 <a:solidFill>
                   <a:srgbClr val="FFFFFF"/>
                 </a:solidFill>
@@ -3786,7 +3967,7 @@
               <a:t>error,</a:t>
             </a:r>
             <a:r>
-              <a:rPr dirty="0" sz="2400" spc="-30">
+              <a:rPr sz="2400" spc="-30" dirty="0">
                 <a:solidFill>
                   <a:srgbClr val="FFFFFF"/>
                 </a:solidFill>
@@ -3796,7 +3977,7 @@
               <a:t> </a:t>
             </a:r>
             <a:r>
-              <a:rPr dirty="0" sz="2400" spc="-5">
+              <a:rPr sz="2400" spc="-5" dirty="0">
                 <a:solidFill>
                   <a:srgbClr val="FFFFFF"/>
                 </a:solidFill>
@@ -3820,7 +4001,7 @@
               </a:spcBef>
             </a:pPr>
             <a:r>
-              <a:rPr dirty="0" sz="2400">
+              <a:rPr sz="2400" dirty="0">
                 <a:solidFill>
                   <a:srgbClr val="FFFFFF"/>
                 </a:solidFill>
@@ -3844,7 +4025,7 @@
               </a:spcBef>
             </a:pPr>
             <a:r>
-              <a:rPr dirty="0" sz="2400">
+              <a:rPr sz="2400" dirty="0">
                 <a:solidFill>
                   <a:srgbClr val="FFFFFF"/>
                 </a:solidFill>
@@ -3867,7 +4048,7 @@
           <p:nvPr/>
         </p:nvPicPr>
         <p:blipFill>
-          <a:blip r:embed="rId3" cstate="print"/>
+          <a:blip r:embed="rId2" cstate="print"/>
           <a:stretch>
             <a:fillRect/>
           </a:stretch>
@@ -3882,6 +4063,35 @@
           </a:prstGeom>
         </p:spPr>
       </p:pic>
+      <p:sp>
+        <p:nvSpPr>
+          <p:cNvPr id="6" name="Slide Number Placeholder 5">
+            <a:extLst>
+              <a:ext uri="{FF2B5EF4-FFF2-40B4-BE49-F238E27FC236}">
+                <a16:creationId xmlns:a16="http://schemas.microsoft.com/office/drawing/2014/main" id="{436C5959-AEF6-8BDC-E35E-8DDAA84E6A5B}"/>
+              </a:ext>
+            </a:extLst>
+          </p:cNvPr>
+          <p:cNvSpPr>
+            <a:spLocks noGrp="1"/>
+          </p:cNvSpPr>
+          <p:nvPr>
+            <p:ph type="sldNum" sz="quarter" idx="7"/>
+          </p:nvPr>
+        </p:nvSpPr>
+        <p:spPr/>
+        <p:txBody>
+          <a:bodyPr/>
+          <a:lstStyle/>
+          <a:p>
+            <a:fld id="{B6F15528-21DE-4FAA-801E-634DDDAF4B2B}" type="slidenum">
+              <a:rPr lang="en-IN" smtClean="0"/>
+              <a:t>13</a:t>
+            </a:fld>
+            <a:endParaRPr lang="en-IN"/>
+          </a:p>
+        </p:txBody>
+      </p:sp>
     </p:spTree>
   </p:cSld>
   <p:clrMapOvr>
@@ -3966,7 +4176,9 @@
           <p:txBody>
             <a:bodyPr wrap="square" lIns="0" tIns="0" rIns="0" bIns="0" rtlCol="0"/>
             <a:lstStyle/>
-            <a:p/>
+            <a:p>
+              <a:endParaRPr/>
+            </a:p>
           </p:txBody>
         </p:sp>
         <p:pic>
@@ -4117,7 +4329,9 @@
           <p:txBody>
             <a:bodyPr wrap="square" lIns="0" tIns="0" rIns="0" bIns="0" rtlCol="0"/>
             <a:lstStyle/>
-            <a:p/>
+            <a:p>
+              <a:endParaRPr/>
+            </a:p>
           </p:txBody>
         </p:sp>
         <p:pic>
@@ -4246,7 +4460,9 @@
           <p:txBody>
             <a:bodyPr wrap="square" lIns="0" tIns="0" rIns="0" bIns="0" rtlCol="0"/>
             <a:lstStyle/>
-            <a:p/>
+            <a:p>
+              <a:endParaRPr/>
+            </a:p>
           </p:txBody>
         </p:sp>
         <p:pic>
@@ -4397,7 +4613,9 @@
           <p:txBody>
             <a:bodyPr wrap="square" lIns="0" tIns="0" rIns="0" bIns="0" rtlCol="0"/>
             <a:lstStyle/>
-            <a:p/>
+            <a:p>
+              <a:endParaRPr/>
+            </a:p>
           </p:txBody>
         </p:sp>
         <p:pic>
@@ -4504,7 +4722,9 @@
           <p:txBody>
             <a:bodyPr wrap="square" lIns="0" tIns="0" rIns="0" bIns="0" rtlCol="0"/>
             <a:lstStyle/>
-            <a:p/>
+            <a:p>
+              <a:endParaRPr/>
+            </a:p>
           </p:txBody>
         </p:sp>
         <p:pic>
@@ -4611,6 +4831,35 @@
           </p:spPr>
         </p:pic>
       </p:grpSp>
+      <p:sp>
+        <p:nvSpPr>
+          <p:cNvPr id="30" name="Slide Number Placeholder 29">
+            <a:extLst>
+              <a:ext uri="{FF2B5EF4-FFF2-40B4-BE49-F238E27FC236}">
+                <a16:creationId xmlns:a16="http://schemas.microsoft.com/office/drawing/2014/main" id="{66A785E3-5E3A-646D-EC2D-D296C89DB823}"/>
+              </a:ext>
+            </a:extLst>
+          </p:cNvPr>
+          <p:cNvSpPr>
+            <a:spLocks noGrp="1"/>
+          </p:cNvSpPr>
+          <p:nvPr>
+            <p:ph type="sldNum" sz="quarter" idx="7"/>
+          </p:nvPr>
+        </p:nvSpPr>
+        <p:spPr/>
+        <p:txBody>
+          <a:bodyPr/>
+          <a:lstStyle/>
+          <a:p>
+            <a:fld id="{B6F15528-21DE-4FAA-801E-634DDDAF4B2B}" type="slidenum">
+              <a:rPr lang="en-IN" smtClean="0"/>
+              <a:t>14</a:t>
+            </a:fld>
+            <a:endParaRPr lang="en-IN"/>
+          </a:p>
+        </p:txBody>
+      </p:sp>
     </p:spTree>
   </p:cSld>
   <p:clrMapOvr>
@@ -4827,6 +5076,35 @@
           </p:spPr>
         </p:pic>
       </p:grpSp>
+      <p:sp>
+        <p:nvSpPr>
+          <p:cNvPr id="11" name="Slide Number Placeholder 10">
+            <a:extLst>
+              <a:ext uri="{FF2B5EF4-FFF2-40B4-BE49-F238E27FC236}">
+                <a16:creationId xmlns:a16="http://schemas.microsoft.com/office/drawing/2014/main" id="{3DF3E575-2F23-0B8A-A0D6-4FFE531940D7}"/>
+              </a:ext>
+            </a:extLst>
+          </p:cNvPr>
+          <p:cNvSpPr>
+            <a:spLocks noGrp="1"/>
+          </p:cNvSpPr>
+          <p:nvPr>
+            <p:ph type="sldNum" sz="quarter" idx="7"/>
+          </p:nvPr>
+        </p:nvSpPr>
+        <p:spPr/>
+        <p:txBody>
+          <a:bodyPr/>
+          <a:lstStyle/>
+          <a:p>
+            <a:fld id="{B6F15528-21DE-4FAA-801E-634DDDAF4B2B}" type="slidenum">
+              <a:rPr lang="en-IN" smtClean="0"/>
+              <a:t>15</a:t>
+            </a:fld>
+            <a:endParaRPr lang="en-IN"/>
+          </a:p>
+        </p:txBody>
+      </p:sp>
     </p:spTree>
   </p:cSld>
   <p:clrMapOvr>
@@ -4911,7 +5189,9 @@
           <p:txBody>
             <a:bodyPr wrap="square" lIns="0" tIns="0" rIns="0" bIns="0" rtlCol="0"/>
             <a:lstStyle/>
-            <a:p/>
+            <a:p>
+              <a:endParaRPr/>
+            </a:p>
           </p:txBody>
         </p:sp>
         <p:pic>
@@ -5084,7 +5364,9 @@
           <p:txBody>
             <a:bodyPr wrap="square" lIns="0" tIns="0" rIns="0" bIns="0" rtlCol="0"/>
             <a:lstStyle/>
-            <a:p/>
+            <a:p>
+              <a:endParaRPr/>
+            </a:p>
           </p:txBody>
         </p:sp>
         <p:pic>
@@ -5242,6 +5524,35 @@
           </a:prstGeom>
         </p:spPr>
       </p:pic>
+      <p:sp>
+        <p:nvSpPr>
+          <p:cNvPr id="18" name="Slide Number Placeholder 17">
+            <a:extLst>
+              <a:ext uri="{FF2B5EF4-FFF2-40B4-BE49-F238E27FC236}">
+                <a16:creationId xmlns:a16="http://schemas.microsoft.com/office/drawing/2014/main" id="{9CA92C5B-3805-3FB5-054D-C82DC3EDC5E7}"/>
+              </a:ext>
+            </a:extLst>
+          </p:cNvPr>
+          <p:cNvSpPr>
+            <a:spLocks noGrp="1"/>
+          </p:cNvSpPr>
+          <p:nvPr>
+            <p:ph type="sldNum" sz="quarter" idx="7"/>
+          </p:nvPr>
+        </p:nvSpPr>
+        <p:spPr/>
+        <p:txBody>
+          <a:bodyPr/>
+          <a:lstStyle/>
+          <a:p>
+            <a:fld id="{B6F15528-21DE-4FAA-801E-634DDDAF4B2B}" type="slidenum">
+              <a:rPr lang="en-IN" smtClean="0"/>
+              <a:t>16</a:t>
+            </a:fld>
+            <a:endParaRPr lang="en-IN"/>
+          </a:p>
+        </p:txBody>
+      </p:sp>
     </p:spTree>
   </p:cSld>
   <p:clrMapOvr>
@@ -5312,31 +5623,11 @@
         <p:txBody>
           <a:bodyPr wrap="square" lIns="0" tIns="0" rIns="0" bIns="0" rtlCol="0"/>
           <a:lstStyle/>
-          <a:p/>
+          <a:p>
+            <a:endParaRPr/>
+          </a:p>
         </p:txBody>
       </p:sp>
-      <p:pic>
-        <p:nvPicPr>
-          <p:cNvPr id="3" name="object 3"/>
-          <p:cNvPicPr/>
-          <p:nvPr/>
-        </p:nvPicPr>
-        <p:blipFill>
-          <a:blip r:embed="rId2" cstate="print"/>
-          <a:stretch>
-            <a:fillRect/>
-          </a:stretch>
-        </p:blipFill>
-        <p:spPr>
-          <a:xfrm>
-            <a:off x="11495531" y="6184391"/>
-            <a:ext cx="451103" cy="449580"/>
-          </a:xfrm>
-          <a:prstGeom prst="rect">
-            <a:avLst/>
-          </a:prstGeom>
-        </p:spPr>
-      </p:pic>
       <p:sp>
         <p:nvSpPr>
           <p:cNvPr id="4" name="object 4"/>
@@ -5353,7 +5644,7 @@
           </a:prstGeom>
         </p:spPr>
         <p:txBody>
-          <a:bodyPr wrap="square" lIns="0" tIns="12700" rIns="0" bIns="0" rtlCol="0" vert="horz">
+          <a:bodyPr vert="horz" wrap="square" lIns="0" tIns="12700" rIns="0" bIns="0" rtlCol="0">
             <a:spAutoFit/>
           </a:bodyPr>
           <a:lstStyle/>
@@ -5367,7 +5658,7 @@
               </a:spcBef>
             </a:pPr>
             <a:r>
-              <a:rPr dirty="0" sz="2400" spc="-5">
+              <a:rPr sz="2400" spc="-5" dirty="0">
                 <a:solidFill>
                   <a:srgbClr val="EF5A28"/>
                 </a:solidFill>
@@ -5377,7 +5668,7 @@
               <a:t>interface</a:t>
             </a:r>
             <a:r>
-              <a:rPr dirty="0" sz="2400" spc="-85">
+              <a:rPr sz="2400" spc="-85" dirty="0">
                 <a:solidFill>
                   <a:srgbClr val="EF5A28"/>
                 </a:solidFill>
@@ -5387,7 +5678,7 @@
               <a:t> </a:t>
             </a:r>
             <a:r>
-              <a:rPr dirty="0" sz="2400" spc="-5">
+              <a:rPr sz="2400" spc="-5" dirty="0">
                 <a:solidFill>
                   <a:srgbClr val="2A9FBB"/>
                 </a:solidFill>
@@ -5397,7 +5688,7 @@
               <a:t>Account</a:t>
             </a:r>
             <a:r>
-              <a:rPr dirty="0" sz="2400" spc="-5">
+              <a:rPr sz="2400" spc="-5" dirty="0">
                 <a:solidFill>
                   <a:srgbClr val="FFFFFF"/>
                 </a:solidFill>
@@ -5421,7 +5712,7 @@
               </a:spcBef>
             </a:pPr>
             <a:r>
-              <a:rPr dirty="0" sz="2400">
+              <a:rPr sz="2400" dirty="0">
                 <a:solidFill>
                   <a:srgbClr val="EF5A28"/>
                 </a:solidFill>
@@ -5431,7 +5722,7 @@
               <a:t>double</a:t>
             </a:r>
             <a:r>
-              <a:rPr dirty="0" sz="2400" spc="-90">
+              <a:rPr sz="2400" spc="-90" dirty="0">
                 <a:solidFill>
                   <a:srgbClr val="EF5A28"/>
                 </a:solidFill>
@@ -5441,7 +5732,7 @@
               <a:t> </a:t>
             </a:r>
             <a:r>
-              <a:rPr dirty="0" sz="2400" spc="-5">
+              <a:rPr sz="2400" spc="-5" dirty="0">
                 <a:solidFill>
                   <a:srgbClr val="FFFFFF"/>
                 </a:solidFill>
@@ -5465,7 +5756,7 @@
               </a:spcBef>
             </a:pPr>
             <a:r>
-              <a:rPr dirty="0" sz="2400">
+              <a:rPr sz="2400" dirty="0">
                 <a:solidFill>
                   <a:srgbClr val="EF5A28"/>
                 </a:solidFill>
@@ -5475,7 +5766,7 @@
               <a:t>void</a:t>
             </a:r>
             <a:r>
-              <a:rPr dirty="0" sz="2400" spc="-15">
+              <a:rPr sz="2400" spc="-15" dirty="0">
                 <a:solidFill>
                   <a:srgbClr val="EF5A28"/>
                 </a:solidFill>
@@ -5485,7 +5776,7 @@
               <a:t> </a:t>
             </a:r>
             <a:r>
-              <a:rPr dirty="0" sz="2400" spc="-10">
+              <a:rPr sz="2400" spc="-10" dirty="0">
                 <a:solidFill>
                   <a:srgbClr val="FFFFFF"/>
                 </a:solidFill>
@@ -5495,7 +5786,7 @@
               <a:t>processLocalPayment(double</a:t>
             </a:r>
             <a:r>
-              <a:rPr dirty="0" sz="2400" spc="-40">
+              <a:rPr sz="2400" spc="-40" dirty="0">
                 <a:solidFill>
                   <a:srgbClr val="FFFFFF"/>
                 </a:solidFill>
@@ -5505,7 +5796,7 @@
               <a:t> </a:t>
             </a:r>
             <a:r>
-              <a:rPr dirty="0" sz="2400" spc="-5">
+              <a:rPr sz="2400" spc="-5" dirty="0">
                 <a:solidFill>
                   <a:srgbClr val="FFFFFF"/>
                 </a:solidFill>
@@ -5529,7 +5820,7 @@
               </a:spcBef>
             </a:pPr>
             <a:r>
-              <a:rPr dirty="0" sz="2400">
+              <a:rPr sz="2400" dirty="0">
                 <a:solidFill>
                   <a:srgbClr val="EF5A28"/>
                 </a:solidFill>
@@ -5539,7 +5830,7 @@
               <a:t>void</a:t>
             </a:r>
             <a:r>
-              <a:rPr dirty="0" sz="2400" spc="-5">
+              <a:rPr sz="2400" spc="-5" dirty="0">
                 <a:solidFill>
                   <a:srgbClr val="EF5A28"/>
                 </a:solidFill>
@@ -5549,7 +5840,7 @@
               <a:t> </a:t>
             </a:r>
             <a:r>
-              <a:rPr dirty="0" sz="2400" spc="-10">
+              <a:rPr sz="2400" spc="-10" dirty="0">
                 <a:solidFill>
                   <a:srgbClr val="FFFFFF"/>
                 </a:solidFill>
@@ -5559,7 +5850,7 @@
               <a:t>processInternationalPayment(double</a:t>
             </a:r>
             <a:r>
-              <a:rPr dirty="0" sz="2400" spc="-20">
+              <a:rPr sz="2400" spc="-20" dirty="0">
                 <a:solidFill>
                   <a:srgbClr val="FFFFFF"/>
                 </a:solidFill>
@@ -5569,7 +5860,7 @@
               <a:t> </a:t>
             </a:r>
             <a:r>
-              <a:rPr dirty="0" sz="2400" spc="-5">
+              <a:rPr sz="2400" spc="-5" dirty="0">
                 <a:solidFill>
                   <a:srgbClr val="FFFFFF"/>
                 </a:solidFill>
@@ -5593,7 +5884,7 @@
               </a:spcBef>
             </a:pPr>
             <a:r>
-              <a:rPr dirty="0" sz="2400">
+              <a:rPr sz="2400" dirty="0">
                 <a:solidFill>
                   <a:srgbClr val="FFFFFF"/>
                 </a:solidFill>
@@ -5630,7 +5921,7 @@
             <p:nvPr/>
           </p:nvPicPr>
           <p:blipFill>
-            <a:blip r:embed="rId3" cstate="print"/>
+            <a:blip r:embed="rId2" cstate="print"/>
             <a:stretch>
               <a:fillRect/>
             </a:stretch>
@@ -5652,7 +5943,7 @@
             <p:nvPr/>
           </p:nvPicPr>
           <p:blipFill>
-            <a:blip r:embed="rId4" cstate="print"/>
+            <a:blip r:embed="rId3" cstate="print"/>
             <a:stretch>
               <a:fillRect/>
             </a:stretch>
@@ -5674,7 +5965,7 @@
             <p:nvPr/>
           </p:nvPicPr>
           <p:blipFill>
-            <a:blip r:embed="rId5" cstate="print"/>
+            <a:blip r:embed="rId4" cstate="print"/>
             <a:stretch>
               <a:fillRect/>
             </a:stretch>
@@ -5690,6 +5981,35 @@
           </p:spPr>
         </p:pic>
       </p:grpSp>
+      <p:sp>
+        <p:nvSpPr>
+          <p:cNvPr id="9" name="Slide Number Placeholder 8">
+            <a:extLst>
+              <a:ext uri="{FF2B5EF4-FFF2-40B4-BE49-F238E27FC236}">
+                <a16:creationId xmlns:a16="http://schemas.microsoft.com/office/drawing/2014/main" id="{E464E15E-1CA3-6D8C-A2CE-4C2D28C73D04}"/>
+              </a:ext>
+            </a:extLst>
+          </p:cNvPr>
+          <p:cNvSpPr>
+            <a:spLocks noGrp="1"/>
+          </p:cNvSpPr>
+          <p:nvPr>
+            <p:ph type="sldNum" sz="quarter" idx="7"/>
+          </p:nvPr>
+        </p:nvSpPr>
+        <p:spPr/>
+        <p:txBody>
+          <a:bodyPr/>
+          <a:lstStyle/>
+          <a:p>
+            <a:fld id="{B6F15528-21DE-4FAA-801E-634DDDAF4B2B}" type="slidenum">
+              <a:rPr lang="en-IN" smtClean="0"/>
+              <a:t>17</a:t>
+            </a:fld>
+            <a:endParaRPr lang="en-IN"/>
+          </a:p>
+        </p:txBody>
+      </p:sp>
     </p:spTree>
   </p:cSld>
   <p:clrMapOvr>
@@ -5760,31 +6080,11 @@
         <p:txBody>
           <a:bodyPr wrap="square" lIns="0" tIns="0" rIns="0" bIns="0" rtlCol="0"/>
           <a:lstStyle/>
-          <a:p/>
+          <a:p>
+            <a:endParaRPr/>
+          </a:p>
         </p:txBody>
       </p:sp>
-      <p:pic>
-        <p:nvPicPr>
-          <p:cNvPr id="3" name="object 3"/>
-          <p:cNvPicPr/>
-          <p:nvPr/>
-        </p:nvPicPr>
-        <p:blipFill>
-          <a:blip r:embed="rId2" cstate="print"/>
-          <a:stretch>
-            <a:fillRect/>
-          </a:stretch>
-        </p:blipFill>
-        <p:spPr>
-          <a:xfrm>
-            <a:off x="11495531" y="6184391"/>
-            <a:ext cx="451103" cy="449580"/>
-          </a:xfrm>
-          <a:prstGeom prst="rect">
-            <a:avLst/>
-          </a:prstGeom>
-        </p:spPr>
-      </p:pic>
       <p:sp>
         <p:nvSpPr>
           <p:cNvPr id="4" name="object 4"/>
@@ -5801,7 +6101,7 @@
           </a:prstGeom>
         </p:spPr>
         <p:txBody>
-          <a:bodyPr wrap="square" lIns="0" tIns="12700" rIns="0" bIns="0" rtlCol="0" vert="horz">
+          <a:bodyPr vert="horz" wrap="square" lIns="0" tIns="12700" rIns="0" bIns="0" rtlCol="0">
             <a:spAutoFit/>
           </a:bodyPr>
           <a:lstStyle/>
@@ -5815,7 +6115,7 @@
               </a:spcBef>
             </a:pPr>
             <a:r>
-              <a:rPr dirty="0" sz="2400" spc="-5">
+              <a:rPr sz="2400" spc="-5" dirty="0">
                 <a:solidFill>
                   <a:srgbClr val="EF5A28"/>
                 </a:solidFill>
@@ -5825,7 +6125,7 @@
               <a:t>interface</a:t>
             </a:r>
             <a:r>
-              <a:rPr dirty="0" sz="2400" spc="-80">
+              <a:rPr sz="2400" spc="-80" dirty="0">
                 <a:solidFill>
                   <a:srgbClr val="EF5A28"/>
                 </a:solidFill>
@@ -5835,7 +6135,7 @@
               <a:t> </a:t>
             </a:r>
             <a:r>
-              <a:rPr dirty="0" sz="2400" spc="-5">
+              <a:rPr sz="2400" spc="-5" dirty="0">
                 <a:solidFill>
                   <a:srgbClr val="2A9FBB"/>
                 </a:solidFill>
@@ -5845,7 +6145,7 @@
               <a:t>BaseAccount</a:t>
             </a:r>
             <a:r>
-              <a:rPr dirty="0" sz="2400" spc="-5">
+              <a:rPr sz="2400" spc="-5" dirty="0">
                 <a:solidFill>
                   <a:srgbClr val="FFFFFF"/>
                 </a:solidFill>
@@ -5869,7 +6169,7 @@
               </a:spcBef>
             </a:pPr>
             <a:r>
-              <a:rPr dirty="0" sz="2400">
+              <a:rPr sz="2400" dirty="0">
                 <a:solidFill>
                   <a:srgbClr val="EF5A28"/>
                 </a:solidFill>
@@ -5879,7 +6179,7 @@
               <a:t>double</a:t>
             </a:r>
             <a:r>
-              <a:rPr dirty="0" sz="2400" spc="-70">
+              <a:rPr sz="2400" spc="-70" dirty="0">
                 <a:solidFill>
                   <a:srgbClr val="EF5A28"/>
                 </a:solidFill>
@@ -5889,7 +6189,7 @@
               <a:t> </a:t>
             </a:r>
             <a:r>
-              <a:rPr dirty="0" sz="2400" spc="-5">
+              <a:rPr sz="2400" spc="-5" dirty="0">
                 <a:solidFill>
                   <a:srgbClr val="FFFFFF"/>
                 </a:solidFill>
@@ -5913,7 +6213,7 @@
               </a:spcBef>
             </a:pPr>
             <a:r>
-              <a:rPr dirty="0" sz="2400">
+              <a:rPr sz="2400" dirty="0">
                 <a:solidFill>
                   <a:srgbClr val="FFFFFF"/>
                 </a:solidFill>
@@ -5937,7 +6237,7 @@
               </a:spcBef>
             </a:pPr>
             <a:r>
-              <a:rPr dirty="0" sz="2400" spc="-5">
+              <a:rPr sz="2400" spc="-5" dirty="0">
                 <a:solidFill>
                   <a:srgbClr val="EF5A28"/>
                 </a:solidFill>
@@ -5947,7 +6247,7 @@
               <a:t>interface</a:t>
             </a:r>
             <a:r>
-              <a:rPr dirty="0" sz="2400" spc="1430">
+              <a:rPr sz="2400" spc="1430" dirty="0">
                 <a:solidFill>
                   <a:srgbClr val="EF5A28"/>
                 </a:solidFill>
@@ -5957,7 +6257,7 @@
               <a:t> </a:t>
             </a:r>
             <a:r>
-              <a:rPr dirty="0" sz="2400" spc="-10">
+              <a:rPr sz="2400" spc="-10" dirty="0">
                 <a:solidFill>
                   <a:srgbClr val="2A9FBB"/>
                 </a:solidFill>
@@ -5967,7 +6267,7 @@
               <a:t>LocalMoneyTransferCapability</a:t>
             </a:r>
             <a:r>
-              <a:rPr dirty="0" sz="2400" spc="-10">
+              <a:rPr sz="2400" spc="-10" dirty="0">
                 <a:solidFill>
                   <a:srgbClr val="FFFFFF"/>
                 </a:solidFill>
@@ -5977,7 +6277,7 @@
               <a:t>{ </a:t>
             </a:r>
             <a:r>
-              <a:rPr dirty="0" sz="2400" spc="-5">
+              <a:rPr sz="2400" spc="-5" dirty="0">
                 <a:solidFill>
                   <a:srgbClr val="FFFFFF"/>
                 </a:solidFill>
@@ -5987,7 +6287,7 @@
               <a:t> </a:t>
             </a:r>
             <a:r>
-              <a:rPr dirty="0" sz="2400">
+              <a:rPr sz="2400" dirty="0">
                 <a:solidFill>
                   <a:srgbClr val="EF5A28"/>
                 </a:solidFill>
@@ -5997,7 +6297,7 @@
               <a:t>void</a:t>
             </a:r>
             <a:r>
-              <a:rPr dirty="0" sz="2400" spc="-10">
+              <a:rPr sz="2400" spc="-10" dirty="0">
                 <a:solidFill>
                   <a:srgbClr val="EF5A28"/>
                 </a:solidFill>
@@ -6007,7 +6307,7 @@
               <a:t> </a:t>
             </a:r>
             <a:r>
-              <a:rPr dirty="0" sz="2400" spc="-10">
+              <a:rPr sz="2400" spc="-10" dirty="0">
                 <a:solidFill>
                   <a:srgbClr val="FFFFFF"/>
                 </a:solidFill>
@@ -6017,7 +6317,7 @@
               <a:t>processLocalPayment(double</a:t>
             </a:r>
             <a:r>
-              <a:rPr dirty="0" sz="2400" spc="-40">
+              <a:rPr sz="2400" spc="-40" dirty="0">
                 <a:solidFill>
                   <a:srgbClr val="FFFFFF"/>
                 </a:solidFill>
@@ -6027,7 +6327,7 @@
               <a:t> </a:t>
             </a:r>
             <a:r>
-              <a:rPr dirty="0" sz="2400" spc="-5">
+              <a:rPr sz="2400" spc="-5" dirty="0">
                 <a:solidFill>
                   <a:srgbClr val="FFFFFF"/>
                 </a:solidFill>
@@ -6051,7 +6351,7 @@
               </a:spcBef>
             </a:pPr>
             <a:r>
-              <a:rPr dirty="0" sz="2400">
+              <a:rPr sz="2400" dirty="0">
                 <a:solidFill>
                   <a:srgbClr val="FFFFFF"/>
                 </a:solidFill>
@@ -6075,7 +6375,7 @@
               </a:spcBef>
             </a:pPr>
             <a:r>
-              <a:rPr dirty="0" sz="2400" spc="-5">
+              <a:rPr sz="2400" spc="-5" dirty="0">
                 <a:solidFill>
                   <a:srgbClr val="EF5A28"/>
                 </a:solidFill>
@@ -6085,7 +6385,7 @@
               <a:t>interface</a:t>
             </a:r>
             <a:r>
-              <a:rPr dirty="0" sz="2400" spc="-10">
+              <a:rPr sz="2400" spc="-10" dirty="0">
                 <a:solidFill>
                   <a:srgbClr val="EF5A28"/>
                 </a:solidFill>
@@ -6095,7 +6395,7 @@
               <a:t> </a:t>
             </a:r>
             <a:r>
-              <a:rPr dirty="0" sz="2400" spc="-10">
+              <a:rPr sz="2400" spc="-10" dirty="0">
                 <a:solidFill>
                   <a:srgbClr val="2A9FBB"/>
                 </a:solidFill>
@@ -6105,7 +6405,7 @@
               <a:t>IntlMoneyTransferCapability</a:t>
             </a:r>
             <a:r>
-              <a:rPr dirty="0" sz="2400" spc="-10">
+              <a:rPr sz="2400" spc="-10" dirty="0">
                 <a:solidFill>
                   <a:srgbClr val="FFFFFF"/>
                 </a:solidFill>
@@ -6129,7 +6429,7 @@
               </a:spcBef>
             </a:pPr>
             <a:r>
-              <a:rPr dirty="0" sz="2400">
+              <a:rPr sz="2400" dirty="0">
                 <a:solidFill>
                   <a:srgbClr val="EF5A28"/>
                 </a:solidFill>
@@ -6139,7 +6439,7 @@
               <a:t>void</a:t>
             </a:r>
             <a:r>
-              <a:rPr dirty="0" sz="2400" spc="-5">
+              <a:rPr sz="2400" spc="-5" dirty="0">
                 <a:solidFill>
                   <a:srgbClr val="EF5A28"/>
                 </a:solidFill>
@@ -6149,7 +6449,7 @@
               <a:t> </a:t>
             </a:r>
             <a:r>
-              <a:rPr dirty="0" sz="2400" spc="-10">
+              <a:rPr sz="2400" spc="-10" dirty="0">
                 <a:solidFill>
                   <a:srgbClr val="FFFFFF"/>
                 </a:solidFill>
@@ -6159,7 +6459,7 @@
               <a:t>processInternationalPayment(double</a:t>
             </a:r>
             <a:r>
-              <a:rPr dirty="0" sz="2400" spc="-20">
+              <a:rPr sz="2400" spc="-20" dirty="0">
                 <a:solidFill>
                   <a:srgbClr val="FFFFFF"/>
                 </a:solidFill>
@@ -6169,7 +6469,7 @@
               <a:t> </a:t>
             </a:r>
             <a:r>
-              <a:rPr dirty="0" sz="2400" spc="-5">
+              <a:rPr sz="2400" spc="-5" dirty="0">
                 <a:solidFill>
                   <a:srgbClr val="FFFFFF"/>
                 </a:solidFill>
@@ -6193,7 +6493,7 @@
               </a:spcBef>
             </a:pPr>
             <a:r>
-              <a:rPr dirty="0" sz="2400">
+              <a:rPr sz="2400" dirty="0">
                 <a:solidFill>
                   <a:srgbClr val="FFFFFF"/>
                 </a:solidFill>
@@ -6230,7 +6530,7 @@
             <p:nvPr/>
           </p:nvPicPr>
           <p:blipFill>
-            <a:blip r:embed="rId3" cstate="print"/>
+            <a:blip r:embed="rId2" cstate="print"/>
             <a:stretch>
               <a:fillRect/>
             </a:stretch>
@@ -6252,7 +6552,7 @@
             <p:nvPr/>
           </p:nvPicPr>
           <p:blipFill>
-            <a:blip r:embed="rId4" cstate="print"/>
+            <a:blip r:embed="rId3" cstate="print"/>
             <a:stretch>
               <a:fillRect/>
             </a:stretch>
@@ -6274,7 +6574,7 @@
             <p:nvPr/>
           </p:nvPicPr>
           <p:blipFill>
-            <a:blip r:embed="rId5" cstate="print"/>
+            <a:blip r:embed="rId4" cstate="print"/>
             <a:stretch>
               <a:fillRect/>
             </a:stretch>
@@ -6296,7 +6596,7 @@
             <p:nvPr/>
           </p:nvPicPr>
           <p:blipFill>
-            <a:blip r:embed="rId6" cstate="print"/>
+            <a:blip r:embed="rId5" cstate="print"/>
             <a:stretch>
               <a:fillRect/>
             </a:stretch>
@@ -6312,6 +6612,35 @@
           </p:spPr>
         </p:pic>
       </p:grpSp>
+      <p:sp>
+        <p:nvSpPr>
+          <p:cNvPr id="10" name="Slide Number Placeholder 9">
+            <a:extLst>
+              <a:ext uri="{FF2B5EF4-FFF2-40B4-BE49-F238E27FC236}">
+                <a16:creationId xmlns:a16="http://schemas.microsoft.com/office/drawing/2014/main" id="{32A58B69-9052-5A97-1E5D-1FBFA3E6584D}"/>
+              </a:ext>
+            </a:extLst>
+          </p:cNvPr>
+          <p:cNvSpPr>
+            <a:spLocks noGrp="1"/>
+          </p:cNvSpPr>
+          <p:nvPr>
+            <p:ph type="sldNum" sz="quarter" idx="7"/>
+          </p:nvPr>
+        </p:nvSpPr>
+        <p:spPr/>
+        <p:txBody>
+          <a:bodyPr/>
+          <a:lstStyle/>
+          <a:p>
+            <a:fld id="{B6F15528-21DE-4FAA-801E-634DDDAF4B2B}" type="slidenum">
+              <a:rPr lang="en-IN" smtClean="0"/>
+              <a:t>18</a:t>
+            </a:fld>
+            <a:endParaRPr lang="en-IN"/>
+          </a:p>
+        </p:txBody>
+      </p:sp>
     </p:spTree>
   </p:cSld>
   <p:clrMapOvr>
@@ -6382,31 +6711,11 @@
         <p:txBody>
           <a:bodyPr wrap="square" lIns="0" tIns="0" rIns="0" bIns="0" rtlCol="0"/>
           <a:lstStyle/>
-          <a:p/>
+          <a:p>
+            <a:endParaRPr/>
+          </a:p>
         </p:txBody>
       </p:sp>
-      <p:pic>
-        <p:nvPicPr>
-          <p:cNvPr id="3" name="object 3"/>
-          <p:cNvPicPr/>
-          <p:nvPr/>
-        </p:nvPicPr>
-        <p:blipFill>
-          <a:blip r:embed="rId2" cstate="print"/>
-          <a:stretch>
-            <a:fillRect/>
-          </a:stretch>
-        </p:blipFill>
-        <p:spPr>
-          <a:xfrm>
-            <a:off x="11495531" y="6184391"/>
-            <a:ext cx="451103" cy="449580"/>
-          </a:xfrm>
-          <a:prstGeom prst="rect">
-            <a:avLst/>
-          </a:prstGeom>
-        </p:spPr>
-      </p:pic>
       <p:sp>
         <p:nvSpPr>
           <p:cNvPr id="4" name="object 4"/>
@@ -6423,7 +6732,7 @@
           </a:prstGeom>
         </p:spPr>
         <p:txBody>
-          <a:bodyPr wrap="square" lIns="0" tIns="12700" rIns="0" bIns="0" rtlCol="0" vert="horz">
+          <a:bodyPr vert="horz" wrap="square" lIns="0" tIns="12700" rIns="0" bIns="0" rtlCol="0">
             <a:spAutoFit/>
           </a:bodyPr>
           <a:lstStyle/>
@@ -6437,7 +6746,7 @@
               </a:spcBef>
             </a:pPr>
             <a:r>
-              <a:rPr dirty="0" sz="2400" spc="-5">
+              <a:rPr sz="2400" spc="-5" dirty="0">
                 <a:solidFill>
                   <a:srgbClr val="EF5A28"/>
                 </a:solidFill>
@@ -6447,7 +6756,7 @@
               <a:t>public</a:t>
             </a:r>
             <a:r>
-              <a:rPr dirty="0" sz="2400" spc="-55">
+              <a:rPr sz="2400" spc="-55" dirty="0">
                 <a:solidFill>
                   <a:srgbClr val="EF5A28"/>
                 </a:solidFill>
@@ -6457,7 +6766,7 @@
               <a:t> </a:t>
             </a:r>
             <a:r>
-              <a:rPr dirty="0" sz="2400" spc="-5">
+              <a:rPr sz="2400" spc="-5" dirty="0">
                 <a:solidFill>
                   <a:srgbClr val="EF5A28"/>
                 </a:solidFill>
@@ -6467,7 +6776,7 @@
               <a:t>class</a:t>
             </a:r>
             <a:r>
-              <a:rPr dirty="0" sz="2400" spc="-60">
+              <a:rPr sz="2400" spc="-60" dirty="0">
                 <a:solidFill>
                   <a:srgbClr val="EF5A28"/>
                 </a:solidFill>
@@ -6477,7 +6786,7 @@
               <a:t> </a:t>
             </a:r>
             <a:r>
-              <a:rPr dirty="0" sz="2400" spc="-5">
+              <a:rPr sz="2400" spc="-5" dirty="0">
                 <a:solidFill>
                   <a:srgbClr val="2A9FBB"/>
                 </a:solidFill>
@@ -6501,7 +6810,7 @@
               </a:spcBef>
             </a:pPr>
             <a:r>
-              <a:rPr dirty="0" sz="2400" spc="-5">
+              <a:rPr sz="2400" spc="-5" dirty="0">
                 <a:solidFill>
                   <a:srgbClr val="EF5A28"/>
                 </a:solidFill>
@@ -6511,7 +6820,7 @@
               <a:t>implements</a:t>
             </a:r>
             <a:r>
-              <a:rPr dirty="0" sz="2400" spc="-10">
+              <a:rPr sz="2400" spc="-10" dirty="0">
                 <a:solidFill>
                   <a:srgbClr val="EF5A28"/>
                 </a:solidFill>
@@ -6521,7 +6830,7 @@
               <a:t> </a:t>
             </a:r>
             <a:r>
-              <a:rPr dirty="0" sz="2400" spc="-5">
+              <a:rPr sz="2400" spc="-5" dirty="0">
                 <a:solidFill>
                   <a:srgbClr val="2A9FBB"/>
                 </a:solidFill>
@@ -6531,7 +6840,7 @@
               <a:t>Account,</a:t>
             </a:r>
             <a:r>
-              <a:rPr dirty="0" sz="2400" spc="-10">
+              <a:rPr sz="2400" spc="-10" dirty="0">
                 <a:solidFill>
                   <a:srgbClr val="2A9FBB"/>
                 </a:solidFill>
@@ -6541,7 +6850,7 @@
               <a:t> LocalMoneyTransferCapability</a:t>
             </a:r>
             <a:r>
-              <a:rPr dirty="0" sz="2400" spc="-10">
+              <a:rPr sz="2400" spc="-10" dirty="0">
                 <a:solidFill>
                   <a:srgbClr val="FFFFFF"/>
                 </a:solidFill>
@@ -6565,7 +6874,7 @@
               </a:spcBef>
             </a:pPr>
             <a:r>
-              <a:rPr dirty="0" sz="2400" spc="-5">
+              <a:rPr sz="2400" spc="-5" dirty="0">
                 <a:solidFill>
                   <a:srgbClr val="FFFFFF"/>
                 </a:solidFill>
@@ -6575,7 +6884,7 @@
               <a:t>//</a:t>
             </a:r>
             <a:r>
-              <a:rPr dirty="0" sz="2400" spc="-10">
+              <a:rPr sz="2400" spc="-10" dirty="0">
                 <a:solidFill>
                   <a:srgbClr val="FFFFFF"/>
                 </a:solidFill>
@@ -6585,7 +6894,7 @@
               <a:t> </a:t>
             </a:r>
             <a:r>
-              <a:rPr dirty="0" sz="2400" spc="-5">
+              <a:rPr sz="2400" spc="-5" dirty="0">
                 <a:solidFill>
                   <a:srgbClr val="FFFFFF"/>
                 </a:solidFill>
@@ -6595,7 +6904,7 @@
               <a:t>We can</a:t>
             </a:r>
             <a:r>
-              <a:rPr dirty="0" sz="2400" spc="-15">
+              <a:rPr sz="2400" spc="-15" dirty="0">
                 <a:solidFill>
                   <a:srgbClr val="FFFFFF"/>
                 </a:solidFill>
@@ -6605,7 +6914,7 @@
               <a:t> </a:t>
             </a:r>
             <a:r>
-              <a:rPr dirty="0" sz="2400" spc="-5">
+              <a:rPr sz="2400" spc="-5" dirty="0">
                 <a:solidFill>
                   <a:srgbClr val="FFFFFF"/>
                 </a:solidFill>
@@ -6615,7 +6924,7 @@
               <a:t>now correctly</a:t>
             </a:r>
             <a:r>
-              <a:rPr dirty="0" sz="2400" spc="-20">
+              <a:rPr sz="2400" spc="-20" dirty="0">
                 <a:solidFill>
                   <a:srgbClr val="FFFFFF"/>
                 </a:solidFill>
@@ -6625,7 +6934,7 @@
               <a:t> </a:t>
             </a:r>
             <a:r>
-              <a:rPr dirty="0" sz="2400" spc="-5">
+              <a:rPr sz="2400" spc="-5" dirty="0">
                 <a:solidFill>
                   <a:srgbClr val="FFFFFF"/>
                 </a:solidFill>
@@ -6635,7 +6944,7 @@
               <a:t>implement</a:t>
             </a:r>
             <a:r>
-              <a:rPr dirty="0" sz="2400" spc="-25">
+              <a:rPr sz="2400" spc="-25" dirty="0">
                 <a:solidFill>
                   <a:srgbClr val="FFFFFF"/>
                 </a:solidFill>
@@ -6645,7 +6954,7 @@
               <a:t> </a:t>
             </a:r>
             <a:r>
-              <a:rPr dirty="0" sz="2400" spc="-5">
+              <a:rPr sz="2400" spc="-5" dirty="0">
                 <a:solidFill>
                   <a:srgbClr val="FFFFFF"/>
                 </a:solidFill>
@@ -6669,7 +6978,7 @@
               </a:spcBef>
             </a:pPr>
             <a:r>
-              <a:rPr dirty="0" sz="2400">
+              <a:rPr sz="2400" dirty="0">
                 <a:solidFill>
                   <a:srgbClr val="FFFFFF"/>
                 </a:solidFill>
@@ -6692,7 +7001,7 @@
           <p:nvPr/>
         </p:nvPicPr>
         <p:blipFill>
-          <a:blip r:embed="rId3" cstate="print"/>
+          <a:blip r:embed="rId2" cstate="print"/>
           <a:stretch>
             <a:fillRect/>
           </a:stretch>
@@ -6707,6 +7016,35 @@
           </a:prstGeom>
         </p:spPr>
       </p:pic>
+      <p:sp>
+        <p:nvSpPr>
+          <p:cNvPr id="6" name="Slide Number Placeholder 5">
+            <a:extLst>
+              <a:ext uri="{FF2B5EF4-FFF2-40B4-BE49-F238E27FC236}">
+                <a16:creationId xmlns:a16="http://schemas.microsoft.com/office/drawing/2014/main" id="{CB2AEB20-ADB1-6463-3C00-0C585A43E833}"/>
+              </a:ext>
+            </a:extLst>
+          </p:cNvPr>
+          <p:cNvSpPr>
+            <a:spLocks noGrp="1"/>
+          </p:cNvSpPr>
+          <p:nvPr>
+            <p:ph type="sldNum" sz="quarter" idx="7"/>
+          </p:nvPr>
+        </p:nvSpPr>
+        <p:spPr/>
+        <p:txBody>
+          <a:bodyPr/>
+          <a:lstStyle/>
+          <a:p>
+            <a:fld id="{B6F15528-21DE-4FAA-801E-634DDDAF4B2B}" type="slidenum">
+              <a:rPr lang="en-IN" smtClean="0"/>
+              <a:t>19</a:t>
+            </a:fld>
+            <a:endParaRPr lang="en-IN"/>
+          </a:p>
+        </p:txBody>
+      </p:sp>
     </p:spTree>
   </p:cSld>
   <p:clrMapOvr>
@@ -6997,6 +7335,35 @@
           </a:prstGeom>
         </p:spPr>
       </p:pic>
+      <p:sp>
+        <p:nvSpPr>
+          <p:cNvPr id="15" name="Slide Number Placeholder 14">
+            <a:extLst>
+              <a:ext uri="{FF2B5EF4-FFF2-40B4-BE49-F238E27FC236}">
+                <a16:creationId xmlns:a16="http://schemas.microsoft.com/office/drawing/2014/main" id="{0FBAF852-30AA-F21E-B705-2CF8629678EF}"/>
+              </a:ext>
+            </a:extLst>
+          </p:cNvPr>
+          <p:cNvSpPr>
+            <a:spLocks noGrp="1"/>
+          </p:cNvSpPr>
+          <p:nvPr>
+            <p:ph type="sldNum" sz="quarter" idx="7"/>
+          </p:nvPr>
+        </p:nvSpPr>
+        <p:spPr/>
+        <p:txBody>
+          <a:bodyPr/>
+          <a:lstStyle/>
+          <a:p>
+            <a:fld id="{B6F15528-21DE-4FAA-801E-634DDDAF4B2B}" type="slidenum">
+              <a:rPr lang="en-IN" smtClean="0"/>
+              <a:t>2</a:t>
+            </a:fld>
+            <a:endParaRPr lang="en-IN"/>
+          </a:p>
+        </p:txBody>
+      </p:sp>
     </p:spTree>
   </p:cSld>
   <p:clrMapOvr>
@@ -7067,31 +7434,11 @@
         <p:txBody>
           <a:bodyPr wrap="square" lIns="0" tIns="0" rIns="0" bIns="0" rtlCol="0"/>
           <a:lstStyle/>
-          <a:p/>
+          <a:p>
+            <a:endParaRPr/>
+          </a:p>
         </p:txBody>
       </p:sp>
-      <p:pic>
-        <p:nvPicPr>
-          <p:cNvPr id="3" name="object 3"/>
-          <p:cNvPicPr/>
-          <p:nvPr/>
-        </p:nvPicPr>
-        <p:blipFill>
-          <a:blip r:embed="rId2" cstate="print"/>
-          <a:stretch>
-            <a:fillRect/>
-          </a:stretch>
-        </p:blipFill>
-        <p:spPr>
-          <a:xfrm>
-            <a:off x="11495531" y="6184391"/>
-            <a:ext cx="451103" cy="449580"/>
-          </a:xfrm>
-          <a:prstGeom prst="rect">
-            <a:avLst/>
-          </a:prstGeom>
-        </p:spPr>
-      </p:pic>
       <p:sp>
         <p:nvSpPr>
           <p:cNvPr id="4" name="object 4"/>
@@ -7108,7 +7455,7 @@
           </a:prstGeom>
         </p:spPr>
         <p:txBody>
-          <a:bodyPr wrap="square" lIns="0" tIns="12700" rIns="0" bIns="0" rtlCol="0" vert="horz">
+          <a:bodyPr vert="horz" wrap="square" lIns="0" tIns="12700" rIns="0" bIns="0" rtlCol="0">
             <a:spAutoFit/>
           </a:bodyPr>
           <a:lstStyle/>
@@ -7122,7 +7469,7 @@
               </a:spcBef>
             </a:pPr>
             <a:r>
-              <a:rPr dirty="0" sz="2400" spc="-5">
+              <a:rPr sz="2400" spc="-5" dirty="0">
                 <a:solidFill>
                   <a:srgbClr val="EF5A28"/>
                 </a:solidFill>
@@ -7132,7 +7479,7 @@
               <a:t>public</a:t>
             </a:r>
             <a:r>
-              <a:rPr dirty="0" sz="2400" spc="-10">
+              <a:rPr sz="2400" spc="-10" dirty="0">
                 <a:solidFill>
                   <a:srgbClr val="EF5A28"/>
                 </a:solidFill>
@@ -7142,7 +7489,7 @@
               <a:t> </a:t>
             </a:r>
             <a:r>
-              <a:rPr dirty="0" sz="2400" spc="-5">
+              <a:rPr sz="2400" spc="-5" dirty="0">
                 <a:solidFill>
                   <a:srgbClr val="EF5A28"/>
                 </a:solidFill>
@@ -7152,7 +7499,7 @@
               <a:t>class</a:t>
             </a:r>
             <a:r>
-              <a:rPr dirty="0" sz="2400" spc="-15">
+              <a:rPr sz="2400" spc="-15" dirty="0">
                 <a:solidFill>
                   <a:srgbClr val="EF5A28"/>
                 </a:solidFill>
@@ -7162,7 +7509,7 @@
               <a:t> </a:t>
             </a:r>
             <a:r>
-              <a:rPr dirty="0" sz="2400" spc="-10">
+              <a:rPr sz="2400" spc="-10" dirty="0">
                 <a:solidFill>
                   <a:srgbClr val="2A9FBB"/>
                 </a:solidFill>
@@ -7186,7 +7533,7 @@
               </a:spcBef>
             </a:pPr>
             <a:r>
-              <a:rPr dirty="0" sz="2400" spc="-5">
+              <a:rPr sz="2400" spc="-5" dirty="0">
                 <a:solidFill>
                   <a:srgbClr val="EF5A28"/>
                 </a:solidFill>
@@ -7196,7 +7543,7 @@
               <a:t>implements</a:t>
             </a:r>
             <a:r>
-              <a:rPr dirty="0" sz="2400" spc="-20">
+              <a:rPr sz="2400" spc="-20" dirty="0">
                 <a:solidFill>
                   <a:srgbClr val="EF5A28"/>
                 </a:solidFill>
@@ -7206,7 +7553,7 @@
               <a:t> </a:t>
             </a:r>
             <a:r>
-              <a:rPr dirty="0" sz="2400" spc="-10">
+              <a:rPr sz="2400" spc="-10" dirty="0">
                 <a:solidFill>
                   <a:srgbClr val="2A9FBB"/>
                 </a:solidFill>
@@ -7216,7 +7563,7 @@
               <a:t>IntlMoneyTransferCapability</a:t>
             </a:r>
             <a:r>
-              <a:rPr dirty="0" sz="2400" spc="-30">
+              <a:rPr sz="2400" spc="-30" dirty="0">
                 <a:solidFill>
                   <a:srgbClr val="2A9FBB"/>
                 </a:solidFill>
@@ -7226,7 +7573,7 @@
               <a:t> </a:t>
             </a:r>
             <a:r>
-              <a:rPr dirty="0" sz="2400">
+              <a:rPr sz="2400" dirty="0">
                 <a:solidFill>
                   <a:srgbClr val="FFFFFF"/>
                 </a:solidFill>
@@ -7250,7 +7597,7 @@
               </a:spcBef>
             </a:pPr>
             <a:r>
-              <a:rPr dirty="0" sz="2400">
+              <a:rPr sz="2400" dirty="0">
                 <a:solidFill>
                   <a:srgbClr val="FFFFFF"/>
                 </a:solidFill>
@@ -7274,7 +7621,7 @@
               </a:spcBef>
             </a:pPr>
             <a:r>
-              <a:rPr dirty="0" sz="2400">
+              <a:rPr sz="2400" dirty="0">
                 <a:solidFill>
                   <a:srgbClr val="EF5A28"/>
                 </a:solidFill>
@@ -7284,7 +7631,7 @@
               <a:t>public</a:t>
             </a:r>
             <a:r>
-              <a:rPr dirty="0" sz="2400" spc="-45">
+              <a:rPr sz="2400" spc="-45" dirty="0">
                 <a:solidFill>
                   <a:srgbClr val="EF5A28"/>
                 </a:solidFill>
@@ -7294,7 +7641,7 @@
               <a:t> </a:t>
             </a:r>
             <a:r>
-              <a:rPr dirty="0" sz="2400" spc="-5">
+              <a:rPr sz="2400" spc="-5" dirty="0">
                 <a:solidFill>
                   <a:srgbClr val="EF5A28"/>
                 </a:solidFill>
@@ -7304,7 +7651,7 @@
               <a:t>void</a:t>
             </a:r>
             <a:r>
-              <a:rPr dirty="0" sz="2400" spc="-30">
+              <a:rPr sz="2400" spc="-30" dirty="0">
                 <a:solidFill>
                   <a:srgbClr val="EF5A28"/>
                 </a:solidFill>
@@ -7314,7 +7661,7 @@
               <a:t> </a:t>
             </a:r>
             <a:r>
-              <a:rPr dirty="0" sz="2400" spc="-5">
+              <a:rPr sz="2400" spc="-5" dirty="0">
                 <a:solidFill>
                   <a:srgbClr val="FFFFFF"/>
                 </a:solidFill>
@@ -7324,7 +7671,7 @@
               <a:t>processInternationalPayment(double</a:t>
             </a:r>
             <a:r>
-              <a:rPr dirty="0" sz="2400" spc="-80">
+              <a:rPr sz="2400" spc="-80" dirty="0">
                 <a:solidFill>
                   <a:srgbClr val="FFFFFF"/>
                 </a:solidFill>
@@ -7334,7 +7681,7 @@
               <a:t> </a:t>
             </a:r>
             <a:r>
-              <a:rPr dirty="0" sz="2400" spc="-5">
+              <a:rPr sz="2400" spc="-5" dirty="0">
                 <a:solidFill>
                   <a:srgbClr val="FFFFFF"/>
                 </a:solidFill>
@@ -7358,7 +7705,7 @@
               </a:spcBef>
             </a:pPr>
             <a:r>
-              <a:rPr dirty="0" sz="2400" spc="-5">
+              <a:rPr sz="2400" spc="-5" dirty="0">
                 <a:solidFill>
                   <a:srgbClr val="FFFFFF"/>
                 </a:solidFill>
@@ -7368,7 +7715,7 @@
               <a:t>//</a:t>
             </a:r>
             <a:r>
-              <a:rPr dirty="0" sz="2400" spc="-35">
+              <a:rPr sz="2400" spc="-35" dirty="0">
                 <a:solidFill>
                   <a:srgbClr val="FFFFFF"/>
                 </a:solidFill>
@@ -7378,7 +7725,7 @@
               <a:t> </a:t>
             </a:r>
             <a:r>
-              <a:rPr dirty="0" sz="2400" spc="-5">
+              <a:rPr sz="2400" spc="-5" dirty="0">
                 <a:solidFill>
                   <a:srgbClr val="FFFFFF"/>
                 </a:solidFill>
@@ -7388,7 +7735,7 @@
               <a:t>Money</a:t>
             </a:r>
             <a:r>
-              <a:rPr dirty="0" sz="2400" spc="-30">
+              <a:rPr sz="2400" spc="-30" dirty="0">
                 <a:solidFill>
                   <a:srgbClr val="FFFFFF"/>
                 </a:solidFill>
@@ -7398,7 +7745,7 @@
               <a:t> </a:t>
             </a:r>
             <a:r>
-              <a:rPr dirty="0" sz="2400" spc="-5">
+              <a:rPr sz="2400" spc="-5" dirty="0">
                 <a:solidFill>
                   <a:srgbClr val="FFFFFF"/>
                 </a:solidFill>
@@ -7408,7 +7755,7 @@
               <a:t>transfer</a:t>
             </a:r>
             <a:r>
-              <a:rPr dirty="0" sz="2400" spc="-50">
+              <a:rPr sz="2400" spc="-50" dirty="0">
                 <a:solidFill>
                   <a:srgbClr val="FFFFFF"/>
                 </a:solidFill>
@@ -7418,7 +7765,7 @@
               <a:t> </a:t>
             </a:r>
             <a:r>
-              <a:rPr dirty="0" sz="2400" spc="-5">
+              <a:rPr sz="2400" spc="-5" dirty="0">
                 <a:solidFill>
                   <a:srgbClr val="FFFFFF"/>
                 </a:solidFill>
@@ -7428,7 +7775,7 @@
               <a:t>logic</a:t>
             </a:r>
             <a:r>
-              <a:rPr dirty="0" sz="2400" spc="-30">
+              <a:rPr sz="2400" spc="-30" dirty="0">
                 <a:solidFill>
                   <a:srgbClr val="FFFFFF"/>
                 </a:solidFill>
@@ -7438,7 +7785,7 @@
               <a:t> </a:t>
             </a:r>
             <a:r>
-              <a:rPr dirty="0" sz="2400" spc="-5">
+              <a:rPr sz="2400" spc="-5" dirty="0">
                 <a:solidFill>
                   <a:srgbClr val="FFFFFF"/>
                 </a:solidFill>
@@ -7462,7 +7809,7 @@
               </a:spcBef>
             </a:pPr>
             <a:r>
-              <a:rPr dirty="0" sz="2400">
+              <a:rPr sz="2400" dirty="0">
                 <a:solidFill>
                   <a:srgbClr val="FFFFFF"/>
                 </a:solidFill>
@@ -7486,7 +7833,7 @@
               </a:spcBef>
             </a:pPr>
             <a:r>
-              <a:rPr dirty="0" sz="2400">
+              <a:rPr sz="2400" dirty="0">
                 <a:solidFill>
                   <a:srgbClr val="FFFFFF"/>
                 </a:solidFill>
@@ -7509,7 +7856,7 @@
           <p:nvPr/>
         </p:nvPicPr>
         <p:blipFill>
-          <a:blip r:embed="rId3" cstate="print"/>
+          <a:blip r:embed="rId2" cstate="print"/>
           <a:stretch>
             <a:fillRect/>
           </a:stretch>
@@ -7524,6 +7871,35 @@
           </a:prstGeom>
         </p:spPr>
       </p:pic>
+      <p:sp>
+        <p:nvSpPr>
+          <p:cNvPr id="6" name="Slide Number Placeholder 5">
+            <a:extLst>
+              <a:ext uri="{FF2B5EF4-FFF2-40B4-BE49-F238E27FC236}">
+                <a16:creationId xmlns:a16="http://schemas.microsoft.com/office/drawing/2014/main" id="{05C1ADB6-D5FD-D9CA-91C3-A8C8C0EAB5FB}"/>
+              </a:ext>
+            </a:extLst>
+          </p:cNvPr>
+          <p:cNvSpPr>
+            <a:spLocks noGrp="1"/>
+          </p:cNvSpPr>
+          <p:nvPr>
+            <p:ph type="sldNum" sz="quarter" idx="7"/>
+          </p:nvPr>
+        </p:nvSpPr>
+        <p:spPr/>
+        <p:txBody>
+          <a:bodyPr/>
+          <a:lstStyle/>
+          <a:p>
+            <a:fld id="{B6F15528-21DE-4FAA-801E-634DDDAF4B2B}" type="slidenum">
+              <a:rPr lang="en-IN" smtClean="0"/>
+              <a:t>20</a:t>
+            </a:fld>
+            <a:endParaRPr lang="en-IN"/>
+          </a:p>
+        </p:txBody>
+      </p:sp>
     </p:spTree>
   </p:cSld>
   <p:clrMapOvr>
@@ -7668,7 +8044,7 @@
           </a:prstGeom>
         </p:spPr>
         <p:txBody>
-          <a:bodyPr wrap="square" lIns="0" tIns="12700" rIns="0" bIns="0" rtlCol="0" vert="horz">
+          <a:bodyPr vert="horz" wrap="square" lIns="0" tIns="12700" rIns="0" bIns="0" rtlCol="0">
             <a:spAutoFit/>
           </a:bodyPr>
           <a:lstStyle/>
@@ -7682,7 +8058,7 @@
               </a:spcBef>
             </a:pPr>
             <a:r>
-              <a:rPr dirty="0" sz="1800">
+              <a:rPr sz="1800" dirty="0">
                 <a:solidFill>
                   <a:srgbClr val="2A9FBB"/>
                 </a:solidFill>
@@ -7717,7 +8093,7 @@
               </a:lnSpc>
             </a:pPr>
             <a:r>
-              <a:rPr dirty="0" sz="1800">
+              <a:rPr sz="1800" dirty="0">
                 <a:solidFill>
                   <a:srgbClr val="2A9FBB"/>
                 </a:solidFill>
@@ -7851,6 +8227,35 @@
           </p:spPr>
         </p:pic>
       </p:grpSp>
+      <p:sp>
+        <p:nvSpPr>
+          <p:cNvPr id="14" name="Slide Number Placeholder 13">
+            <a:extLst>
+              <a:ext uri="{FF2B5EF4-FFF2-40B4-BE49-F238E27FC236}">
+                <a16:creationId xmlns:a16="http://schemas.microsoft.com/office/drawing/2014/main" id="{4D30C28A-C7FA-58D7-4E3C-55E7D17EF427}"/>
+              </a:ext>
+            </a:extLst>
+          </p:cNvPr>
+          <p:cNvSpPr>
+            <a:spLocks noGrp="1"/>
+          </p:cNvSpPr>
+          <p:nvPr>
+            <p:ph type="sldNum" sz="quarter" idx="7"/>
+          </p:nvPr>
+        </p:nvSpPr>
+        <p:spPr/>
+        <p:txBody>
+          <a:bodyPr/>
+          <a:lstStyle/>
+          <a:p>
+            <a:fld id="{B6F15528-21DE-4FAA-801E-634DDDAF4B2B}" type="slidenum">
+              <a:rPr lang="en-IN" smtClean="0"/>
+              <a:t>21</a:t>
+            </a:fld>
+            <a:endParaRPr lang="en-IN"/>
+          </a:p>
+        </p:txBody>
+      </p:sp>
     </p:spTree>
   </p:cSld>
   <p:clrMapOvr>
@@ -8113,7 +8518,7 @@
           </a:prstGeom>
         </p:spPr>
         <p:txBody>
-          <a:bodyPr wrap="square" lIns="0" tIns="12700" rIns="0" bIns="0" rtlCol="0" vert="horz">
+          <a:bodyPr vert="horz" wrap="square" lIns="0" tIns="12700" rIns="0" bIns="0" rtlCol="0">
             <a:spAutoFit/>
           </a:bodyPr>
           <a:lstStyle/>
@@ -8127,7 +8532,7 @@
               </a:spcBef>
             </a:pPr>
             <a:r>
-              <a:rPr dirty="0" sz="1800">
+              <a:rPr sz="1800" dirty="0">
                 <a:solidFill>
                   <a:srgbClr val="EF5A28"/>
                 </a:solidFill>
@@ -8268,6 +8673,35 @@
           </a:prstGeom>
         </p:spPr>
       </p:pic>
+      <p:sp>
+        <p:nvSpPr>
+          <p:cNvPr id="20" name="Slide Number Placeholder 19">
+            <a:extLst>
+              <a:ext uri="{FF2B5EF4-FFF2-40B4-BE49-F238E27FC236}">
+                <a16:creationId xmlns:a16="http://schemas.microsoft.com/office/drawing/2014/main" id="{D94D9814-B9BF-7EC9-E347-E0B5F5365984}"/>
+              </a:ext>
+            </a:extLst>
+          </p:cNvPr>
+          <p:cNvSpPr>
+            <a:spLocks noGrp="1"/>
+          </p:cNvSpPr>
+          <p:nvPr>
+            <p:ph type="sldNum" sz="quarter" idx="7"/>
+          </p:nvPr>
+        </p:nvSpPr>
+        <p:spPr/>
+        <p:txBody>
+          <a:bodyPr/>
+          <a:lstStyle/>
+          <a:p>
+            <a:fld id="{B6F15528-21DE-4FAA-801E-634DDDAF4B2B}" type="slidenum">
+              <a:rPr lang="en-IN" smtClean="0"/>
+              <a:t>22</a:t>
+            </a:fld>
+            <a:endParaRPr lang="en-IN"/>
+          </a:p>
+        </p:txBody>
+      </p:sp>
     </p:spTree>
   </p:cSld>
   <p:clrMapOvr>
@@ -8396,6 +8830,35 @@
           </a:prstGeom>
         </p:spPr>
       </p:pic>
+      <p:sp>
+        <p:nvSpPr>
+          <p:cNvPr id="7" name="Slide Number Placeholder 6">
+            <a:extLst>
+              <a:ext uri="{FF2B5EF4-FFF2-40B4-BE49-F238E27FC236}">
+                <a16:creationId xmlns:a16="http://schemas.microsoft.com/office/drawing/2014/main" id="{3639141D-2B46-5044-C863-EE667D479EEE}"/>
+              </a:ext>
+            </a:extLst>
+          </p:cNvPr>
+          <p:cNvSpPr>
+            <a:spLocks noGrp="1"/>
+          </p:cNvSpPr>
+          <p:nvPr>
+            <p:ph type="sldNum" sz="quarter" idx="7"/>
+          </p:nvPr>
+        </p:nvSpPr>
+        <p:spPr/>
+        <p:txBody>
+          <a:bodyPr/>
+          <a:lstStyle/>
+          <a:p>
+            <a:fld id="{B6F15528-21DE-4FAA-801E-634DDDAF4B2B}" type="slidenum">
+              <a:rPr lang="en-IN" smtClean="0"/>
+              <a:t>23</a:t>
+            </a:fld>
+            <a:endParaRPr lang="en-IN"/>
+          </a:p>
+        </p:txBody>
+      </p:sp>
     </p:spTree>
   </p:cSld>
   <p:clrMapOvr>
@@ -8466,31 +8929,11 @@
         <p:txBody>
           <a:bodyPr wrap="square" lIns="0" tIns="0" rIns="0" bIns="0" rtlCol="0"/>
           <a:lstStyle/>
-          <a:p/>
+          <a:p>
+            <a:endParaRPr/>
+          </a:p>
         </p:txBody>
       </p:sp>
-      <p:pic>
-        <p:nvPicPr>
-          <p:cNvPr id="3" name="object 3"/>
-          <p:cNvPicPr/>
-          <p:nvPr/>
-        </p:nvPicPr>
-        <p:blipFill>
-          <a:blip r:embed="rId2" cstate="print"/>
-          <a:stretch>
-            <a:fillRect/>
-          </a:stretch>
-        </p:blipFill>
-        <p:spPr>
-          <a:xfrm>
-            <a:off x="11495531" y="6184391"/>
-            <a:ext cx="451103" cy="449580"/>
-          </a:xfrm>
-          <a:prstGeom prst="rect">
-            <a:avLst/>
-          </a:prstGeom>
-        </p:spPr>
-      </p:pic>
       <p:grpSp>
         <p:nvGrpSpPr>
           <p:cNvPr id="4" name="object 4"/>
@@ -8512,7 +8955,7 @@
             <p:nvPr/>
           </p:nvPicPr>
           <p:blipFill>
-            <a:blip r:embed="rId3" cstate="print"/>
+            <a:blip r:embed="rId2" cstate="print"/>
             <a:stretch>
               <a:fillRect/>
             </a:stretch>
@@ -8534,7 +8977,7 @@
             <p:nvPr/>
           </p:nvPicPr>
           <p:blipFill>
-            <a:blip r:embed="rId4" cstate="print"/>
+            <a:blip r:embed="rId3" cstate="print"/>
             <a:stretch>
               <a:fillRect/>
             </a:stretch>
@@ -8556,7 +8999,7 @@
             <p:nvPr/>
           </p:nvPicPr>
           <p:blipFill>
-            <a:blip r:embed="rId5" cstate="print"/>
+            <a:blip r:embed="rId4" cstate="print"/>
             <a:stretch>
               <a:fillRect/>
             </a:stretch>
@@ -8572,6 +9015,35 @@
           </p:spPr>
         </p:pic>
       </p:grpSp>
+      <p:sp>
+        <p:nvSpPr>
+          <p:cNvPr id="8" name="Slide Number Placeholder 7">
+            <a:extLst>
+              <a:ext uri="{FF2B5EF4-FFF2-40B4-BE49-F238E27FC236}">
+                <a16:creationId xmlns:a16="http://schemas.microsoft.com/office/drawing/2014/main" id="{90F84536-B953-E394-3EE4-63E59EA65F5D}"/>
+              </a:ext>
+            </a:extLst>
+          </p:cNvPr>
+          <p:cNvSpPr>
+            <a:spLocks noGrp="1"/>
+          </p:cNvSpPr>
+          <p:nvPr>
+            <p:ph type="sldNum" sz="quarter" idx="7"/>
+          </p:nvPr>
+        </p:nvSpPr>
+        <p:spPr/>
+        <p:txBody>
+          <a:bodyPr/>
+          <a:lstStyle/>
+          <a:p>
+            <a:fld id="{B6F15528-21DE-4FAA-801E-634DDDAF4B2B}" type="slidenum">
+              <a:rPr lang="en-IN" smtClean="0"/>
+              <a:t>24</a:t>
+            </a:fld>
+            <a:endParaRPr lang="en-IN"/>
+          </a:p>
+        </p:txBody>
+      </p:sp>
     </p:spTree>
   </p:cSld>
   <p:clrMapOvr>
@@ -8700,6 +9172,35 @@
           </a:prstGeom>
         </p:spPr>
       </p:pic>
+      <p:sp>
+        <p:nvSpPr>
+          <p:cNvPr id="7" name="Slide Number Placeholder 6">
+            <a:extLst>
+              <a:ext uri="{FF2B5EF4-FFF2-40B4-BE49-F238E27FC236}">
+                <a16:creationId xmlns:a16="http://schemas.microsoft.com/office/drawing/2014/main" id="{B4CCE290-CCB1-2A35-B4E9-E9E682012467}"/>
+              </a:ext>
+            </a:extLst>
+          </p:cNvPr>
+          <p:cNvSpPr>
+            <a:spLocks noGrp="1"/>
+          </p:cNvSpPr>
+          <p:nvPr>
+            <p:ph type="sldNum" sz="quarter" idx="7"/>
+          </p:nvPr>
+        </p:nvSpPr>
+        <p:spPr/>
+        <p:txBody>
+          <a:bodyPr/>
+          <a:lstStyle/>
+          <a:p>
+            <a:fld id="{B6F15528-21DE-4FAA-801E-634DDDAF4B2B}" type="slidenum">
+              <a:rPr lang="en-IN" smtClean="0"/>
+              <a:t>3</a:t>
+            </a:fld>
+            <a:endParaRPr lang="en-IN"/>
+          </a:p>
+        </p:txBody>
+      </p:sp>
     </p:spTree>
   </p:cSld>
   <p:clrMapOvr>
@@ -8770,31 +9271,11 @@
         <p:txBody>
           <a:bodyPr wrap="square" lIns="0" tIns="0" rIns="0" bIns="0" rtlCol="0"/>
           <a:lstStyle/>
-          <a:p/>
+          <a:p>
+            <a:endParaRPr/>
+          </a:p>
         </p:txBody>
       </p:sp>
-      <p:pic>
-        <p:nvPicPr>
-          <p:cNvPr id="3" name="object 3"/>
-          <p:cNvPicPr/>
-          <p:nvPr/>
-        </p:nvPicPr>
-        <p:blipFill>
-          <a:blip r:embed="rId2" cstate="print"/>
-          <a:stretch>
-            <a:fillRect/>
-          </a:stretch>
-        </p:blipFill>
-        <p:spPr>
-          <a:xfrm>
-            <a:off x="11495531" y="6184391"/>
-            <a:ext cx="451103" cy="449580"/>
-          </a:xfrm>
-          <a:prstGeom prst="rect">
-            <a:avLst/>
-          </a:prstGeom>
-        </p:spPr>
-      </p:pic>
       <p:grpSp>
         <p:nvGrpSpPr>
           <p:cNvPr id="4" name="object 4"/>
@@ -8816,7 +9297,7 @@
             <p:nvPr/>
           </p:nvPicPr>
           <p:blipFill>
-            <a:blip r:embed="rId3" cstate="print"/>
+            <a:blip r:embed="rId2" cstate="print"/>
             <a:stretch>
               <a:fillRect/>
             </a:stretch>
@@ -8838,7 +9319,7 @@
             <p:nvPr/>
           </p:nvPicPr>
           <p:blipFill>
-            <a:blip r:embed="rId4" cstate="print"/>
+            <a:blip r:embed="rId3" cstate="print"/>
             <a:stretch>
               <a:fillRect/>
             </a:stretch>
@@ -8860,7 +9341,7 @@
             <p:nvPr/>
           </p:nvPicPr>
           <p:blipFill>
-            <a:blip r:embed="rId5" cstate="print"/>
+            <a:blip r:embed="rId4" cstate="print"/>
             <a:stretch>
               <a:fillRect/>
             </a:stretch>
@@ -8876,6 +9357,35 @@
           </p:spPr>
         </p:pic>
       </p:grpSp>
+      <p:sp>
+        <p:nvSpPr>
+          <p:cNvPr id="8" name="Slide Number Placeholder 7">
+            <a:extLst>
+              <a:ext uri="{FF2B5EF4-FFF2-40B4-BE49-F238E27FC236}">
+                <a16:creationId xmlns:a16="http://schemas.microsoft.com/office/drawing/2014/main" id="{ACE18126-3144-A316-24A3-F6FB864C4E23}"/>
+              </a:ext>
+            </a:extLst>
+          </p:cNvPr>
+          <p:cNvSpPr>
+            <a:spLocks noGrp="1"/>
+          </p:cNvSpPr>
+          <p:nvPr>
+            <p:ph type="sldNum" sz="quarter" idx="7"/>
+          </p:nvPr>
+        </p:nvSpPr>
+        <p:spPr/>
+        <p:txBody>
+          <a:bodyPr/>
+          <a:lstStyle/>
+          <a:p>
+            <a:fld id="{B6F15528-21DE-4FAA-801E-634DDDAF4B2B}" type="slidenum">
+              <a:rPr lang="en-IN" smtClean="0"/>
+              <a:t>4</a:t>
+            </a:fld>
+            <a:endParaRPr lang="en-IN"/>
+          </a:p>
+        </p:txBody>
+      </p:sp>
     </p:spTree>
   </p:cSld>
   <p:clrMapOvr>
@@ -9319,7 +9829,9 @@
           <p:txBody>
             <a:bodyPr wrap="square" lIns="0" tIns="0" rIns="0" bIns="0" rtlCol="0"/>
             <a:lstStyle/>
-            <a:p/>
+            <a:p>
+              <a:endParaRPr/>
+            </a:p>
           </p:txBody>
         </p:sp>
         <p:pic>
@@ -9818,7 +10330,9 @@
           <p:txBody>
             <a:bodyPr wrap="square" lIns="0" tIns="0" rIns="0" bIns="0" rtlCol="0"/>
             <a:lstStyle/>
-            <a:p/>
+            <a:p>
+              <a:endParaRPr/>
+            </a:p>
           </p:txBody>
         </p:sp>
         <p:sp>
@@ -10297,7 +10811,9 @@
           <p:txBody>
             <a:bodyPr wrap="square" lIns="0" tIns="0" rIns="0" bIns="0" rtlCol="0"/>
             <a:lstStyle/>
-            <a:p/>
+            <a:p>
+              <a:endParaRPr/>
+            </a:p>
           </p:txBody>
         </p:sp>
         <p:pic>
@@ -10925,7 +11441,9 @@
           <p:txBody>
             <a:bodyPr wrap="square" lIns="0" tIns="0" rIns="0" bIns="0" rtlCol="0"/>
             <a:lstStyle/>
-            <a:p/>
+            <a:p>
+              <a:endParaRPr/>
+            </a:p>
           </p:txBody>
         </p:sp>
         <p:pic>
@@ -11424,7 +11942,9 @@
           <p:txBody>
             <a:bodyPr wrap="square" lIns="0" tIns="0" rIns="0" bIns="0" rtlCol="0"/>
             <a:lstStyle/>
-            <a:p/>
+            <a:p>
+              <a:endParaRPr/>
+            </a:p>
           </p:txBody>
         </p:sp>
         <p:sp>
@@ -11903,7 +12423,9 @@
           <p:txBody>
             <a:bodyPr wrap="square" lIns="0" tIns="0" rIns="0" bIns="0" rtlCol="0"/>
             <a:lstStyle/>
-            <a:p/>
+            <a:p>
+              <a:endParaRPr/>
+            </a:p>
           </p:txBody>
         </p:sp>
         <p:pic>
@@ -12032,6 +12554,35 @@
           </p:spPr>
         </p:pic>
       </p:grpSp>
+      <p:sp>
+        <p:nvSpPr>
+          <p:cNvPr id="28" name="Slide Number Placeholder 27">
+            <a:extLst>
+              <a:ext uri="{FF2B5EF4-FFF2-40B4-BE49-F238E27FC236}">
+                <a16:creationId xmlns:a16="http://schemas.microsoft.com/office/drawing/2014/main" id="{38D055D7-E25D-A795-9927-41E2A5FA3D5D}"/>
+              </a:ext>
+            </a:extLst>
+          </p:cNvPr>
+          <p:cNvSpPr>
+            <a:spLocks noGrp="1"/>
+          </p:cNvSpPr>
+          <p:nvPr>
+            <p:ph type="sldNum" sz="quarter" idx="7"/>
+          </p:nvPr>
+        </p:nvSpPr>
+        <p:spPr/>
+        <p:txBody>
+          <a:bodyPr/>
+          <a:lstStyle/>
+          <a:p>
+            <a:fld id="{B6F15528-21DE-4FAA-801E-634DDDAF4B2B}" type="slidenum">
+              <a:rPr lang="en-IN" smtClean="0"/>
+              <a:t>5</a:t>
+            </a:fld>
+            <a:endParaRPr lang="en-IN"/>
+          </a:p>
+        </p:txBody>
+      </p:sp>
     </p:spTree>
   </p:cSld>
   <p:clrMapOvr>
@@ -12102,7 +12653,9 @@
         <p:txBody>
           <a:bodyPr wrap="square" lIns="0" tIns="0" rIns="0" bIns="0" rtlCol="0"/>
           <a:lstStyle/>
-          <a:p/>
+          <a:p>
+            <a:endParaRPr/>
+          </a:p>
         </p:txBody>
       </p:sp>
       <p:sp>
@@ -12150,7 +12703,9 @@
         <p:txBody>
           <a:bodyPr wrap="square" lIns="0" tIns="0" rIns="0" bIns="0" rtlCol="0"/>
           <a:lstStyle/>
-          <a:p/>
+          <a:p>
+            <a:endParaRPr/>
+          </a:p>
         </p:txBody>
       </p:sp>
       <p:sp>
@@ -12198,7 +12753,9 @@
         <p:txBody>
           <a:bodyPr wrap="square" lIns="0" tIns="0" rIns="0" bIns="0" rtlCol="0"/>
           <a:lstStyle/>
-          <a:p/>
+          <a:p>
+            <a:endParaRPr/>
+          </a:p>
         </p:txBody>
       </p:sp>
       <p:grpSp>
@@ -12429,6 +12986,35 @@
           </a:prstGeom>
         </p:spPr>
       </p:pic>
+      <p:sp>
+        <p:nvSpPr>
+          <p:cNvPr id="16" name="Slide Number Placeholder 15">
+            <a:extLst>
+              <a:ext uri="{FF2B5EF4-FFF2-40B4-BE49-F238E27FC236}">
+                <a16:creationId xmlns:a16="http://schemas.microsoft.com/office/drawing/2014/main" id="{476DF01A-B737-9707-C96F-DD5A0029F71B}"/>
+              </a:ext>
+            </a:extLst>
+          </p:cNvPr>
+          <p:cNvSpPr>
+            <a:spLocks noGrp="1"/>
+          </p:cNvSpPr>
+          <p:nvPr>
+            <p:ph type="sldNum" sz="quarter" idx="7"/>
+          </p:nvPr>
+        </p:nvSpPr>
+        <p:spPr/>
+        <p:txBody>
+          <a:bodyPr/>
+          <a:lstStyle/>
+          <a:p>
+            <a:fld id="{B6F15528-21DE-4FAA-801E-634DDDAF4B2B}" type="slidenum">
+              <a:rPr lang="en-IN" smtClean="0"/>
+              <a:t>6</a:t>
+            </a:fld>
+            <a:endParaRPr lang="en-IN"/>
+          </a:p>
+        </p:txBody>
+      </p:sp>
     </p:spTree>
   </p:cSld>
   <p:clrMapOvr>
@@ -12535,6 +13121,35 @@
           </p:spPr>
         </p:pic>
       </p:grpSp>
+      <p:sp>
+        <p:nvSpPr>
+          <p:cNvPr id="6" name="Slide Number Placeholder 5">
+            <a:extLst>
+              <a:ext uri="{FF2B5EF4-FFF2-40B4-BE49-F238E27FC236}">
+                <a16:creationId xmlns:a16="http://schemas.microsoft.com/office/drawing/2014/main" id="{B156F7E9-31D8-3FFB-057D-1A3C4BA6B471}"/>
+              </a:ext>
+            </a:extLst>
+          </p:cNvPr>
+          <p:cNvSpPr>
+            <a:spLocks noGrp="1"/>
+          </p:cNvSpPr>
+          <p:nvPr>
+            <p:ph type="sldNum" sz="quarter" idx="7"/>
+          </p:nvPr>
+        </p:nvSpPr>
+        <p:spPr/>
+        <p:txBody>
+          <a:bodyPr/>
+          <a:lstStyle/>
+          <a:p>
+            <a:fld id="{B6F15528-21DE-4FAA-801E-634DDDAF4B2B}" type="slidenum">
+              <a:rPr lang="en-IN" smtClean="0"/>
+              <a:t>7</a:t>
+            </a:fld>
+            <a:endParaRPr lang="en-IN"/>
+          </a:p>
+        </p:txBody>
+      </p:sp>
     </p:spTree>
   </p:cSld>
   <p:clrMapOvr>
@@ -12605,31 +13220,11 @@
         <p:txBody>
           <a:bodyPr wrap="square" lIns="0" tIns="0" rIns="0" bIns="0" rtlCol="0"/>
           <a:lstStyle/>
-          <a:p/>
+          <a:p>
+            <a:endParaRPr/>
+          </a:p>
         </p:txBody>
       </p:sp>
-      <p:pic>
-        <p:nvPicPr>
-          <p:cNvPr id="3" name="object 3"/>
-          <p:cNvPicPr/>
-          <p:nvPr/>
-        </p:nvPicPr>
-        <p:blipFill>
-          <a:blip r:embed="rId2" cstate="print"/>
-          <a:stretch>
-            <a:fillRect/>
-          </a:stretch>
-        </p:blipFill>
-        <p:spPr>
-          <a:xfrm>
-            <a:off x="11495531" y="6184391"/>
-            <a:ext cx="451103" cy="449580"/>
-          </a:xfrm>
-          <a:prstGeom prst="rect">
-            <a:avLst/>
-          </a:prstGeom>
-        </p:spPr>
-      </p:pic>
       <p:sp>
         <p:nvSpPr>
           <p:cNvPr id="4" name="object 4"/>
@@ -12646,7 +13241,7 @@
           </a:prstGeom>
         </p:spPr>
         <p:txBody>
-          <a:bodyPr wrap="square" lIns="0" tIns="12700" rIns="0" bIns="0" rtlCol="0" vert="horz">
+          <a:bodyPr vert="horz" wrap="square" lIns="0" tIns="12700" rIns="0" bIns="0" rtlCol="0">
             <a:spAutoFit/>
           </a:bodyPr>
           <a:lstStyle/>
@@ -12660,7 +13255,7 @@
               </a:spcBef>
             </a:pPr>
             <a:r>
-              <a:rPr dirty="0" sz="2400" spc="-5">
+              <a:rPr sz="2400" spc="-5" dirty="0">
                 <a:solidFill>
                   <a:srgbClr val="EF5A28"/>
                 </a:solidFill>
@@ -12670,7 +13265,7 @@
               <a:t>interface</a:t>
             </a:r>
             <a:r>
-              <a:rPr dirty="0" sz="2400" spc="-80">
+              <a:rPr sz="2400" spc="-80" dirty="0">
                 <a:solidFill>
                   <a:srgbClr val="EF5A28"/>
                 </a:solidFill>
@@ -12680,7 +13275,7 @@
               <a:t> </a:t>
             </a:r>
             <a:r>
-              <a:rPr dirty="0" sz="2400" spc="-5">
+              <a:rPr sz="2400" spc="-5" dirty="0">
                 <a:solidFill>
                   <a:srgbClr val="2A9FBB"/>
                 </a:solidFill>
@@ -12690,7 +13285,7 @@
               <a:t>LoginService</a:t>
             </a:r>
             <a:r>
-              <a:rPr dirty="0" sz="2400" spc="-5">
+              <a:rPr sz="2400" spc="-5" dirty="0">
                 <a:solidFill>
                   <a:srgbClr val="FFFFFF"/>
                 </a:solidFill>
@@ -12714,7 +13309,7 @@
               </a:spcBef>
             </a:pPr>
             <a:r>
-              <a:rPr dirty="0" sz="2400">
+              <a:rPr sz="2400" dirty="0">
                 <a:solidFill>
                   <a:srgbClr val="EF5A28"/>
                 </a:solidFill>
@@ -12724,7 +13319,7 @@
               <a:t>void</a:t>
             </a:r>
             <a:r>
-              <a:rPr dirty="0" sz="2400" spc="-75">
+              <a:rPr sz="2400" spc="-75" dirty="0">
                 <a:solidFill>
                   <a:srgbClr val="EF5A28"/>
                 </a:solidFill>
@@ -12734,7 +13329,7 @@
               <a:t> </a:t>
             </a:r>
             <a:r>
-              <a:rPr dirty="0" sz="2400" spc="-5">
+              <a:rPr sz="2400" spc="-5" dirty="0">
                 <a:solidFill>
                   <a:srgbClr val="FFFFFF"/>
                 </a:solidFill>
@@ -12758,7 +13353,7 @@
               </a:spcBef>
             </a:pPr>
             <a:r>
-              <a:rPr dirty="0" sz="2400">
+              <a:rPr sz="2400" dirty="0">
                 <a:solidFill>
                   <a:srgbClr val="EF5A28"/>
                 </a:solidFill>
@@ -12768,7 +13363,7 @@
               <a:t>void</a:t>
             </a:r>
             <a:r>
-              <a:rPr dirty="0" sz="2400" spc="-85">
+              <a:rPr sz="2400" spc="-85" dirty="0">
                 <a:solidFill>
                   <a:srgbClr val="EF5A28"/>
                 </a:solidFill>
@@ -12778,7 +13373,7 @@
               <a:t> </a:t>
             </a:r>
             <a:r>
-              <a:rPr dirty="0" sz="2400" spc="-5">
+              <a:rPr sz="2400" spc="-5" dirty="0">
                 <a:solidFill>
                   <a:srgbClr val="FFFFFF"/>
                 </a:solidFill>
@@ -12802,7 +13397,7 @@
               </a:spcBef>
             </a:pPr>
             <a:r>
-              <a:rPr dirty="0" sz="2400">
+              <a:rPr sz="2400" dirty="0">
                 <a:solidFill>
                   <a:srgbClr val="EF5A28"/>
                 </a:solidFill>
@@ -12812,7 +13407,7 @@
               <a:t>void </a:t>
             </a:r>
             <a:r>
-              <a:rPr dirty="0" sz="2400" spc="-10">
+              <a:rPr sz="2400" spc="-10" dirty="0">
                 <a:solidFill>
                   <a:srgbClr val="FFFFFF"/>
                 </a:solidFill>
@@ -12822,7 +13417,7 @@
               <a:t>updateRememberMeCookie(); </a:t>
             </a:r>
             <a:r>
-              <a:rPr dirty="0" sz="2400" spc="-1430">
+              <a:rPr sz="2400" spc="-1430" dirty="0">
                 <a:solidFill>
                   <a:srgbClr val="FFFFFF"/>
                 </a:solidFill>
@@ -12832,7 +13427,7 @@
               <a:t> </a:t>
             </a:r>
             <a:r>
-              <a:rPr dirty="0" sz="2400">
+              <a:rPr sz="2400" dirty="0">
                 <a:solidFill>
                   <a:srgbClr val="EF5A28"/>
                 </a:solidFill>
@@ -12842,7 +13437,7 @@
               <a:t>User</a:t>
             </a:r>
             <a:r>
-              <a:rPr dirty="0" sz="2400" spc="-35">
+              <a:rPr sz="2400" spc="-35" dirty="0">
                 <a:solidFill>
                   <a:srgbClr val="EF5A28"/>
                 </a:solidFill>
@@ -12852,7 +13447,7 @@
               <a:t> </a:t>
             </a:r>
             <a:r>
-              <a:rPr dirty="0" sz="2400" spc="-5">
+              <a:rPr sz="2400" spc="-5" dirty="0">
                 <a:solidFill>
                   <a:srgbClr val="FFFFFF"/>
                 </a:solidFill>
@@ -12876,7 +13471,7 @@
               </a:spcBef>
             </a:pPr>
             <a:r>
-              <a:rPr dirty="0" sz="2400">
+              <a:rPr sz="2400" dirty="0">
                 <a:solidFill>
                   <a:srgbClr val="EF5A28"/>
                 </a:solidFill>
@@ -12886,7 +13481,7 @@
               <a:t>void </a:t>
             </a:r>
             <a:r>
-              <a:rPr dirty="0" sz="2400" spc="-10">
+              <a:rPr sz="2400" spc="-10" dirty="0">
                 <a:solidFill>
                   <a:srgbClr val="FFFFFF"/>
                 </a:solidFill>
@@ -12896,7 +13491,7 @@
               <a:t>setSessionExpiration(int </a:t>
             </a:r>
             <a:r>
-              <a:rPr dirty="0" sz="2400" spc="-5">
+              <a:rPr sz="2400" spc="-5" dirty="0">
                 <a:solidFill>
                   <a:srgbClr val="FFFFFF"/>
                 </a:solidFill>
@@ -12906,7 +13501,7 @@
               <a:t>seconds); </a:t>
             </a:r>
             <a:r>
-              <a:rPr dirty="0" sz="2400" spc="-1430">
+              <a:rPr sz="2400" spc="-1430" dirty="0">
                 <a:solidFill>
                   <a:srgbClr val="FFFFFF"/>
                 </a:solidFill>
@@ -12916,7 +13511,7 @@
               <a:t> </a:t>
             </a:r>
             <a:r>
-              <a:rPr dirty="0" sz="2400">
+              <a:rPr sz="2400" dirty="0">
                 <a:solidFill>
                   <a:srgbClr val="EF5A28"/>
                 </a:solidFill>
@@ -12926,7 +13521,7 @@
               <a:t>void</a:t>
             </a:r>
             <a:r>
-              <a:rPr dirty="0" sz="2400" spc="-30">
+              <a:rPr sz="2400" spc="-30" dirty="0">
                 <a:solidFill>
                   <a:srgbClr val="EF5A28"/>
                 </a:solidFill>
@@ -12936,7 +13531,7 @@
               <a:t> </a:t>
             </a:r>
             <a:r>
-              <a:rPr dirty="0" sz="2400" spc="-5">
+              <a:rPr sz="2400" spc="-5" dirty="0">
                 <a:solidFill>
                   <a:srgbClr val="FFFFFF"/>
                 </a:solidFill>
@@ -12946,7 +13541,7 @@
               <a:t>validateToken(Jwt</a:t>
             </a:r>
             <a:r>
-              <a:rPr dirty="0" sz="2400" spc="-60">
+              <a:rPr sz="2400" spc="-60" dirty="0">
                 <a:solidFill>
                   <a:srgbClr val="FFFFFF"/>
                 </a:solidFill>
@@ -12956,7 +13551,7 @@
               <a:t> </a:t>
             </a:r>
             <a:r>
-              <a:rPr dirty="0" sz="2400" spc="-5">
+              <a:rPr sz="2400" spc="-5" dirty="0">
                 <a:solidFill>
                   <a:srgbClr val="FFFFFF"/>
                 </a:solidFill>
@@ -12980,7 +13575,7 @@
               </a:spcBef>
             </a:pPr>
             <a:r>
-              <a:rPr dirty="0" sz="2400">
+              <a:rPr sz="2400" dirty="0">
                 <a:solidFill>
                   <a:srgbClr val="FFFFFF"/>
                 </a:solidFill>
@@ -13004,7 +13599,7 @@
               </a:spcBef>
             </a:pPr>
             <a:r>
-              <a:rPr dirty="0" sz="2400">
+              <a:rPr sz="2400" dirty="0">
                 <a:solidFill>
                   <a:srgbClr val="FFFFFF"/>
                 </a:solidFill>
@@ -13027,7 +13622,7 @@
           <p:nvPr/>
         </p:nvPicPr>
         <p:blipFill>
-          <a:blip r:embed="rId3" cstate="print"/>
+          <a:blip r:embed="rId2" cstate="print"/>
           <a:stretch>
             <a:fillRect/>
           </a:stretch>
@@ -13042,6 +13637,35 @@
           </a:prstGeom>
         </p:spPr>
       </p:pic>
+      <p:sp>
+        <p:nvSpPr>
+          <p:cNvPr id="6" name="Slide Number Placeholder 5">
+            <a:extLst>
+              <a:ext uri="{FF2B5EF4-FFF2-40B4-BE49-F238E27FC236}">
+                <a16:creationId xmlns:a16="http://schemas.microsoft.com/office/drawing/2014/main" id="{B88848AC-6A29-8EDB-986A-CAE80C41BA1D}"/>
+              </a:ext>
+            </a:extLst>
+          </p:cNvPr>
+          <p:cNvSpPr>
+            <a:spLocks noGrp="1"/>
+          </p:cNvSpPr>
+          <p:nvPr>
+            <p:ph type="sldNum" sz="quarter" idx="7"/>
+          </p:nvPr>
+        </p:nvSpPr>
+        <p:spPr/>
+        <p:txBody>
+          <a:bodyPr/>
+          <a:lstStyle/>
+          <a:p>
+            <a:fld id="{B6F15528-21DE-4FAA-801E-634DDDAF4B2B}" type="slidenum">
+              <a:rPr lang="en-IN" smtClean="0"/>
+              <a:t>8</a:t>
+            </a:fld>
+            <a:endParaRPr lang="en-IN"/>
+          </a:p>
+        </p:txBody>
+      </p:sp>
     </p:spTree>
   </p:cSld>
   <p:clrMapOvr>
@@ -13112,31 +13736,11 @@
         <p:txBody>
           <a:bodyPr wrap="square" lIns="0" tIns="0" rIns="0" bIns="0" rtlCol="0"/>
           <a:lstStyle/>
-          <a:p/>
+          <a:p>
+            <a:endParaRPr/>
+          </a:p>
         </p:txBody>
       </p:sp>
-      <p:pic>
-        <p:nvPicPr>
-          <p:cNvPr id="3" name="object 3"/>
-          <p:cNvPicPr/>
-          <p:nvPr/>
-        </p:nvPicPr>
-        <p:blipFill>
-          <a:blip r:embed="rId2" cstate="print"/>
-          <a:stretch>
-            <a:fillRect/>
-          </a:stretch>
-        </p:blipFill>
-        <p:spPr>
-          <a:xfrm>
-            <a:off x="11495531" y="6184391"/>
-            <a:ext cx="451103" cy="449580"/>
-          </a:xfrm>
-          <a:prstGeom prst="rect">
-            <a:avLst/>
-          </a:prstGeom>
-        </p:spPr>
-      </p:pic>
       <p:sp>
         <p:nvSpPr>
           <p:cNvPr id="4" name="object 4"/>
@@ -13153,7 +13757,7 @@
           </a:prstGeom>
         </p:spPr>
         <p:txBody>
-          <a:bodyPr wrap="square" lIns="0" tIns="12700" rIns="0" bIns="0" rtlCol="0" vert="horz">
+          <a:bodyPr vert="horz" wrap="square" lIns="0" tIns="12700" rIns="0" bIns="0" rtlCol="0">
             <a:spAutoFit/>
           </a:bodyPr>
           <a:lstStyle/>
@@ -13167,7 +13771,7 @@
               </a:spcBef>
             </a:pPr>
             <a:r>
-              <a:rPr dirty="0" sz="2400" spc="-5">
+              <a:rPr sz="2400" spc="-5" dirty="0">
                 <a:solidFill>
                   <a:srgbClr val="EF5A28"/>
                 </a:solidFill>
@@ -13177,7 +13781,7 @@
               <a:t>class</a:t>
             </a:r>
             <a:r>
-              <a:rPr dirty="0" sz="2400" spc="-10">
+              <a:rPr sz="2400" spc="-10" dirty="0">
                 <a:solidFill>
                   <a:srgbClr val="EF5A28"/>
                 </a:solidFill>
@@ -13187,7 +13791,7 @@
               <a:t> </a:t>
             </a:r>
             <a:r>
-              <a:rPr dirty="0" sz="2400" spc="-10">
+              <a:rPr sz="2400" spc="-10" dirty="0">
                 <a:solidFill>
                   <a:srgbClr val="2A9FBB"/>
                 </a:solidFill>
@@ -13197,7 +13801,7 @@
               <a:t>GoogleLoginService</a:t>
             </a:r>
             <a:r>
-              <a:rPr dirty="0" sz="2400" spc="-35">
+              <a:rPr sz="2400" spc="-35" dirty="0">
                 <a:solidFill>
                   <a:srgbClr val="2A9FBB"/>
                 </a:solidFill>
@@ -13207,7 +13811,7 @@
               <a:t> </a:t>
             </a:r>
             <a:r>
-              <a:rPr dirty="0" sz="2400" spc="-5">
+              <a:rPr sz="2400" spc="-5" dirty="0">
                 <a:solidFill>
                   <a:srgbClr val="EF5A28"/>
                 </a:solidFill>
@@ -13217,7 +13821,7 @@
               <a:t>implements</a:t>
             </a:r>
             <a:r>
-              <a:rPr dirty="0" sz="2400" spc="-25">
+              <a:rPr sz="2400" spc="-25" dirty="0">
                 <a:solidFill>
                   <a:srgbClr val="EF5A28"/>
                 </a:solidFill>
@@ -13227,7 +13831,7 @@
               <a:t> </a:t>
             </a:r>
             <a:r>
-              <a:rPr dirty="0" sz="2400" spc="-5">
+              <a:rPr sz="2400" spc="-5" dirty="0">
                 <a:solidFill>
                   <a:srgbClr val="2A9FBB"/>
                 </a:solidFill>
@@ -13237,7 +13841,7 @@
               <a:t>LoginService</a:t>
             </a:r>
             <a:r>
-              <a:rPr dirty="0" sz="2400" spc="-5">
+              <a:rPr sz="2400" spc="-5" dirty="0">
                 <a:solidFill>
                   <a:srgbClr val="FFFFFF"/>
                 </a:solidFill>
@@ -13261,7 +13865,7 @@
               </a:spcBef>
             </a:pPr>
             <a:r>
-              <a:rPr dirty="0" sz="2400">
+              <a:rPr sz="2400" dirty="0">
                 <a:solidFill>
                   <a:srgbClr val="FFFFFF"/>
                 </a:solidFill>
@@ -13285,7 +13889,7 @@
               </a:spcBef>
             </a:pPr>
             <a:r>
-              <a:rPr dirty="0" sz="2400">
+              <a:rPr sz="2400" dirty="0">
                 <a:solidFill>
                   <a:srgbClr val="EF5A28"/>
                 </a:solidFill>
@@ -13295,7 +13899,7 @@
               <a:t>public</a:t>
             </a:r>
             <a:r>
-              <a:rPr dirty="0" sz="2400" spc="-20">
+              <a:rPr sz="2400" spc="-20" dirty="0">
                 <a:solidFill>
                   <a:srgbClr val="EF5A28"/>
                 </a:solidFill>
@@ -13305,7 +13909,7 @@
               <a:t> </a:t>
             </a:r>
             <a:r>
-              <a:rPr dirty="0" sz="2400" spc="-5">
+              <a:rPr sz="2400" spc="-5" dirty="0">
                 <a:solidFill>
                   <a:srgbClr val="EF5A28"/>
                 </a:solidFill>
@@ -13315,7 +13919,7 @@
               <a:t>void</a:t>
             </a:r>
             <a:r>
-              <a:rPr dirty="0" sz="2400" spc="-10">
+              <a:rPr sz="2400" spc="-10" dirty="0">
                 <a:solidFill>
                   <a:srgbClr val="EF5A28"/>
                 </a:solidFill>
@@ -13325,7 +13929,7 @@
               <a:t> </a:t>
             </a:r>
             <a:r>
-              <a:rPr dirty="0" sz="2400" spc="-10">
+              <a:rPr sz="2400" spc="-10" dirty="0">
                 <a:solidFill>
                   <a:srgbClr val="FFFFFF"/>
                 </a:solidFill>
@@ -13349,7 +13953,7 @@
               </a:spcBef>
             </a:pPr>
             <a:r>
-              <a:rPr dirty="0" sz="2400" spc="-5">
+              <a:rPr sz="2400" spc="-5" dirty="0">
                 <a:solidFill>
                   <a:srgbClr val="EF5A28"/>
                 </a:solidFill>
@@ -13359,7 +13963,7 @@
               <a:t>throw</a:t>
             </a:r>
             <a:r>
-              <a:rPr dirty="0" sz="2400" spc="-40">
+              <a:rPr sz="2400" spc="-40" dirty="0">
                 <a:solidFill>
                   <a:srgbClr val="EF5A28"/>
                 </a:solidFill>
@@ -13369,7 +13973,7 @@
               <a:t> </a:t>
             </a:r>
             <a:r>
-              <a:rPr dirty="0" sz="2400" spc="-5">
+              <a:rPr sz="2400" spc="-5" dirty="0">
                 <a:solidFill>
                   <a:srgbClr val="EF5A28"/>
                 </a:solidFill>
@@ -13379,7 +13983,7 @@
               <a:t>new</a:t>
             </a:r>
             <a:r>
-              <a:rPr dirty="0" sz="2400" spc="-40">
+              <a:rPr sz="2400" spc="-40" dirty="0">
                 <a:solidFill>
                   <a:srgbClr val="EF5A28"/>
                 </a:solidFill>
@@ -13389,7 +13993,7 @@
               <a:t> </a:t>
             </a:r>
             <a:r>
-              <a:rPr dirty="0" sz="2400" spc="-5">
+              <a:rPr sz="2400" spc="-5" dirty="0">
                 <a:solidFill>
                   <a:srgbClr val="2A9FBB"/>
                 </a:solidFill>
@@ -13399,7 +14003,7 @@
               <a:t>UnsupportedOperationException</a:t>
             </a:r>
             <a:r>
-              <a:rPr dirty="0" sz="2400" spc="-5">
+              <a:rPr sz="2400" spc="-5" dirty="0">
                 <a:solidFill>
                   <a:srgbClr val="FFFFFF"/>
                 </a:solidFill>
@@ -13423,7 +14027,7 @@
               </a:spcBef>
             </a:pPr>
             <a:r>
-              <a:rPr dirty="0" sz="2400">
+              <a:rPr sz="2400" dirty="0">
                 <a:solidFill>
                   <a:srgbClr val="FFFFFF"/>
                 </a:solidFill>
@@ -13447,7 +14051,7 @@
               </a:spcBef>
             </a:pPr>
             <a:r>
-              <a:rPr dirty="0" sz="2400">
+              <a:rPr sz="2400" dirty="0">
                 <a:solidFill>
                   <a:srgbClr val="EF5A28"/>
                 </a:solidFill>
@@ -13457,7 +14061,7 @@
               <a:t>public</a:t>
             </a:r>
             <a:r>
-              <a:rPr dirty="0" sz="2400" spc="-45">
+              <a:rPr sz="2400" spc="-45" dirty="0">
                 <a:solidFill>
                   <a:srgbClr val="EF5A28"/>
                 </a:solidFill>
@@ -13467,7 +14071,7 @@
               <a:t> </a:t>
             </a:r>
             <a:r>
-              <a:rPr dirty="0" sz="2400" spc="-5">
+              <a:rPr sz="2400" spc="-5" dirty="0">
                 <a:solidFill>
                   <a:srgbClr val="EF5A28"/>
                 </a:solidFill>
@@ -13477,7 +14081,7 @@
               <a:t>void</a:t>
             </a:r>
             <a:r>
-              <a:rPr dirty="0" sz="2400" spc="-30">
+              <a:rPr sz="2400" spc="-30" dirty="0">
                 <a:solidFill>
                   <a:srgbClr val="EF5A28"/>
                 </a:solidFill>
@@ -13487,7 +14091,7 @@
               <a:t> </a:t>
             </a:r>
             <a:r>
-              <a:rPr dirty="0" sz="2400" spc="-5">
+              <a:rPr sz="2400" spc="-5" dirty="0">
                 <a:solidFill>
                   <a:srgbClr val="FFFFFF"/>
                 </a:solidFill>
@@ -13497,7 +14101,7 @@
               <a:t>setSessionExpiration(int</a:t>
             </a:r>
             <a:r>
-              <a:rPr dirty="0" sz="2400" spc="-70">
+              <a:rPr sz="2400" spc="-70" dirty="0">
                 <a:solidFill>
                   <a:srgbClr val="FFFFFF"/>
                 </a:solidFill>
@@ -13507,7 +14111,7 @@
               <a:t> </a:t>
             </a:r>
             <a:r>
-              <a:rPr dirty="0" sz="2400" spc="-5">
+              <a:rPr sz="2400" spc="-5" dirty="0">
                 <a:solidFill>
                   <a:srgbClr val="FFFFFF"/>
                 </a:solidFill>
@@ -13531,7 +14135,7 @@
               </a:spcBef>
             </a:pPr>
             <a:r>
-              <a:rPr dirty="0" sz="2400" spc="-5">
+              <a:rPr sz="2400" spc="-5" dirty="0">
                 <a:solidFill>
                   <a:srgbClr val="EF5A28"/>
                 </a:solidFill>
@@ -13541,7 +14145,7 @@
               <a:t>throw</a:t>
             </a:r>
             <a:r>
-              <a:rPr dirty="0" sz="2400">
+              <a:rPr sz="2400" dirty="0">
                 <a:solidFill>
                   <a:srgbClr val="EF5A28"/>
                 </a:solidFill>
@@ -13551,7 +14155,7 @@
               <a:t> </a:t>
             </a:r>
             <a:r>
-              <a:rPr dirty="0" sz="2400" spc="-5">
+              <a:rPr sz="2400" spc="-5" dirty="0">
                 <a:solidFill>
                   <a:srgbClr val="EF5A28"/>
                 </a:solidFill>
@@ -13561,7 +14165,7 @@
               <a:t>new</a:t>
             </a:r>
             <a:r>
-              <a:rPr dirty="0" sz="2400">
+              <a:rPr sz="2400" dirty="0">
                 <a:solidFill>
                   <a:srgbClr val="EF5A28"/>
                 </a:solidFill>
@@ -13571,7 +14175,7 @@
               <a:t> </a:t>
             </a:r>
             <a:r>
-              <a:rPr dirty="0" sz="2400" spc="-10">
+              <a:rPr sz="2400" spc="-10" dirty="0">
                 <a:solidFill>
                   <a:srgbClr val="2A9FBB"/>
                 </a:solidFill>
@@ -13581,7 +14185,7 @@
               <a:t>UnsupportedOperationException</a:t>
             </a:r>
             <a:r>
-              <a:rPr dirty="0" sz="2400" spc="-10">
+              <a:rPr sz="2400" spc="-10" dirty="0">
                 <a:solidFill>
                   <a:srgbClr val="FFFFFF"/>
                 </a:solidFill>
@@ -13605,7 +14209,7 @@
               </a:spcBef>
             </a:pPr>
             <a:r>
-              <a:rPr dirty="0" sz="2400">
+              <a:rPr sz="2400" dirty="0">
                 <a:solidFill>
                   <a:srgbClr val="FFFFFF"/>
                 </a:solidFill>
@@ -13628,7 +14232,7 @@
           <p:nvPr/>
         </p:nvPicPr>
         <p:blipFill>
-          <a:blip r:embed="rId3" cstate="print"/>
+          <a:blip r:embed="rId2" cstate="print"/>
           <a:stretch>
             <a:fillRect/>
           </a:stretch>
@@ -13643,6 +14247,35 @@
           </a:prstGeom>
         </p:spPr>
       </p:pic>
+      <p:sp>
+        <p:nvSpPr>
+          <p:cNvPr id="6" name="Slide Number Placeholder 5">
+            <a:extLst>
+              <a:ext uri="{FF2B5EF4-FFF2-40B4-BE49-F238E27FC236}">
+                <a16:creationId xmlns:a16="http://schemas.microsoft.com/office/drawing/2014/main" id="{7BCC750B-0ABB-A2CD-956B-4BD3D9045C07}"/>
+              </a:ext>
+            </a:extLst>
+          </p:cNvPr>
+          <p:cNvSpPr>
+            <a:spLocks noGrp="1"/>
+          </p:cNvSpPr>
+          <p:nvPr>
+            <p:ph type="sldNum" sz="quarter" idx="7"/>
+          </p:nvPr>
+        </p:nvSpPr>
+        <p:spPr/>
+        <p:txBody>
+          <a:bodyPr/>
+          <a:lstStyle/>
+          <a:p>
+            <a:fld id="{B6F15528-21DE-4FAA-801E-634DDDAF4B2B}" type="slidenum">
+              <a:rPr lang="en-IN" smtClean="0"/>
+              <a:t>9</a:t>
+            </a:fld>
+            <a:endParaRPr lang="en-IN"/>
+          </a:p>
+        </p:txBody>
+      </p:sp>
     </p:spTree>
   </p:cSld>
   <p:clrMapOvr>
@@ -13932,4 +14565,319 @@
   <a:objectDefaults/>
   <a:extraClrSchemeLst/>
 </a:theme>
+</file>
+
+<file path=ppt/theme/theme2.xml><?xml version="1.0" encoding="utf-8"?>
+<a:theme xmlns:a="http://schemas.openxmlformats.org/drawingml/2006/main" name="Office Theme">
+  <a:themeElements>
+    <a:clrScheme name="Office">
+      <a:dk1>
+        <a:sysClr val="windowText" lastClr="000000"/>
+      </a:dk1>
+      <a:lt1>
+        <a:sysClr val="window" lastClr="FFFFFF"/>
+      </a:lt1>
+      <a:dk2>
+        <a:srgbClr val="0E2841"/>
+      </a:dk2>
+      <a:lt2>
+        <a:srgbClr val="E8E8E8"/>
+      </a:lt2>
+      <a:accent1>
+        <a:srgbClr val="156082"/>
+      </a:accent1>
+      <a:accent2>
+        <a:srgbClr val="E97132"/>
+      </a:accent2>
+      <a:accent3>
+        <a:srgbClr val="196B24"/>
+      </a:accent3>
+      <a:accent4>
+        <a:srgbClr val="0F9ED5"/>
+      </a:accent4>
+      <a:accent5>
+        <a:srgbClr val="A02B93"/>
+      </a:accent5>
+      <a:accent6>
+        <a:srgbClr val="4EA72E"/>
+      </a:accent6>
+      <a:hlink>
+        <a:srgbClr val="467886"/>
+      </a:hlink>
+      <a:folHlink>
+        <a:srgbClr val="96607D"/>
+      </a:folHlink>
+    </a:clrScheme>
+    <a:fontScheme name="Office">
+      <a:majorFont>
+        <a:latin typeface="Aptos Display" panose="02110004020202020204"/>
+        <a:ea typeface=""/>
+        <a:cs typeface=""/>
+        <a:font script="Jpan" typeface="游ゴシック Light"/>
+        <a:font script="Hang" typeface="맑은 고딕"/>
+        <a:font script="Hans" typeface="等线 Light"/>
+        <a:font script="Hant" typeface="新細明體"/>
+        <a:font script="Arab" typeface="Times New Roman"/>
+        <a:font script="Hebr" typeface="Times New Roman"/>
+        <a:font script="Thai" typeface="Angsana New"/>
+        <a:font script="Ethi" typeface="Nyala"/>
+        <a:font script="Beng" typeface="Vrinda"/>
+        <a:font script="Gujr" typeface="Shruti"/>
+        <a:font script="Khmr" typeface="MoolBoran"/>
+        <a:font script="Knda" typeface="Tunga"/>
+        <a:font script="Guru" typeface="Raavi"/>
+        <a:font script="Cans" typeface="Euphemia"/>
+        <a:font script="Cher" typeface="Plantagenet Cherokee"/>
+        <a:font script="Yiii" typeface="Microsoft Yi Baiti"/>
+        <a:font script="Tibt" typeface="Microsoft Himalaya"/>
+        <a:font script="Thaa" typeface="MV Boli"/>
+        <a:font script="Deva" typeface="Mangal"/>
+        <a:font script="Telu" typeface="Gautami"/>
+        <a:font script="Taml" typeface="Latha"/>
+        <a:font script="Syrc" typeface="Estrangelo Edessa"/>
+        <a:font script="Orya" typeface="Kalinga"/>
+        <a:font script="Mlym" typeface="Kartika"/>
+        <a:font script="Laoo" typeface="DokChampa"/>
+        <a:font script="Sinh" typeface="Iskoola Pota"/>
+        <a:font script="Mong" typeface="Mongolian Baiti"/>
+        <a:font script="Viet" typeface="Times New Roman"/>
+        <a:font script="Uigh" typeface="Microsoft Uighur"/>
+        <a:font script="Geor" typeface="Sylfaen"/>
+        <a:font script="Armn" typeface="Arial"/>
+        <a:font script="Bugi" typeface="Leelawadee UI"/>
+        <a:font script="Bopo" typeface="Microsoft JhengHei"/>
+        <a:font script="Java" typeface="Javanese Text"/>
+        <a:font script="Lisu" typeface="Segoe UI"/>
+        <a:font script="Mymr" typeface="Myanmar Text"/>
+        <a:font script="Nkoo" typeface="Ebrima"/>
+        <a:font script="Olck" typeface="Nirmala UI"/>
+        <a:font script="Osma" typeface="Ebrima"/>
+        <a:font script="Phag" typeface="Phagspa"/>
+        <a:font script="Syrn" typeface="Estrangelo Edessa"/>
+        <a:font script="Syrj" typeface="Estrangelo Edessa"/>
+        <a:font script="Syre" typeface="Estrangelo Edessa"/>
+        <a:font script="Sora" typeface="Nirmala UI"/>
+        <a:font script="Tale" typeface="Microsoft Tai Le"/>
+        <a:font script="Talu" typeface="Microsoft New Tai Lue"/>
+        <a:font script="Tfng" typeface="Ebrima"/>
+      </a:majorFont>
+      <a:minorFont>
+        <a:latin typeface="Aptos" panose="02110004020202020204"/>
+        <a:ea typeface=""/>
+        <a:cs typeface=""/>
+        <a:font script="Jpan" typeface="游ゴシック"/>
+        <a:font script="Hang" typeface="맑은 고딕"/>
+        <a:font script="Hans" typeface="等线"/>
+        <a:font script="Hant" typeface="新細明體"/>
+        <a:font script="Arab" typeface="Arial"/>
+        <a:font script="Hebr" typeface="Arial"/>
+        <a:font script="Thai" typeface="Cordia New"/>
+        <a:font script="Ethi" typeface="Nyala"/>
+        <a:font script="Beng" typeface="Vrinda"/>
+        <a:font script="Gujr" typeface="Shruti"/>
+        <a:font script="Khmr" typeface="DaunPenh"/>
+        <a:font script="Knda" typeface="Tunga"/>
+        <a:font script="Guru" typeface="Raavi"/>
+        <a:font script="Cans" typeface="Euphemia"/>
+        <a:font script="Cher" typeface="Plantagenet Cherokee"/>
+        <a:font script="Yiii" typeface="Microsoft Yi Baiti"/>
+        <a:font script="Tibt" typeface="Microsoft Himalaya"/>
+        <a:font script="Thaa" typeface="MV Boli"/>
+        <a:font script="Deva" typeface="Mangal"/>
+        <a:font script="Telu" typeface="Gautami"/>
+        <a:font script="Taml" typeface="Latha"/>
+        <a:font script="Syrc" typeface="Estrangelo Edessa"/>
+        <a:font script="Orya" typeface="Kalinga"/>
+        <a:font script="Mlym" typeface="Kartika"/>
+        <a:font script="Laoo" typeface="DokChampa"/>
+        <a:font script="Sinh" typeface="Iskoola Pota"/>
+        <a:font script="Mong" typeface="Mongolian Baiti"/>
+        <a:font script="Viet" typeface="Arial"/>
+        <a:font script="Uigh" typeface="Microsoft Uighur"/>
+        <a:font script="Geor" typeface="Sylfaen"/>
+        <a:font script="Armn" typeface="Arial"/>
+        <a:font script="Bugi" typeface="Leelawadee UI"/>
+        <a:font script="Bopo" typeface="Microsoft JhengHei"/>
+        <a:font script="Java" typeface="Javanese Text"/>
+        <a:font script="Lisu" typeface="Segoe UI"/>
+        <a:font script="Mymr" typeface="Myanmar Text"/>
+        <a:font script="Nkoo" typeface="Ebrima"/>
+        <a:font script="Olck" typeface="Nirmala UI"/>
+        <a:font script="Osma" typeface="Ebrima"/>
+        <a:font script="Phag" typeface="Phagspa"/>
+        <a:font script="Syrn" typeface="Estrangelo Edessa"/>
+        <a:font script="Syrj" typeface="Estrangelo Edessa"/>
+        <a:font script="Syre" typeface="Estrangelo Edessa"/>
+        <a:font script="Sora" typeface="Nirmala UI"/>
+        <a:font script="Tale" typeface="Microsoft Tai Le"/>
+        <a:font script="Talu" typeface="Microsoft New Tai Lue"/>
+        <a:font script="Tfng" typeface="Ebrima"/>
+      </a:minorFont>
+    </a:fontScheme>
+    <a:fmtScheme name="Office">
+      <a:fillStyleLst>
+        <a:solidFill>
+          <a:schemeClr val="phClr"/>
+        </a:solidFill>
+        <a:gradFill rotWithShape="1">
+          <a:gsLst>
+            <a:gs pos="0">
+              <a:schemeClr val="phClr">
+                <a:lumMod val="110000"/>
+                <a:satMod val="105000"/>
+                <a:tint val="67000"/>
+              </a:schemeClr>
+            </a:gs>
+            <a:gs pos="50000">
+              <a:schemeClr val="phClr">
+                <a:lumMod val="105000"/>
+                <a:satMod val="103000"/>
+                <a:tint val="73000"/>
+              </a:schemeClr>
+            </a:gs>
+            <a:gs pos="100000">
+              <a:schemeClr val="phClr">
+                <a:lumMod val="105000"/>
+                <a:satMod val="109000"/>
+                <a:tint val="81000"/>
+              </a:schemeClr>
+            </a:gs>
+          </a:gsLst>
+          <a:lin ang="5400000" scaled="0"/>
+        </a:gradFill>
+        <a:gradFill rotWithShape="1">
+          <a:gsLst>
+            <a:gs pos="0">
+              <a:schemeClr val="phClr">
+                <a:satMod val="103000"/>
+                <a:lumMod val="102000"/>
+                <a:tint val="94000"/>
+              </a:schemeClr>
+            </a:gs>
+            <a:gs pos="50000">
+              <a:schemeClr val="phClr">
+                <a:satMod val="110000"/>
+                <a:lumMod val="100000"/>
+                <a:shade val="100000"/>
+              </a:schemeClr>
+            </a:gs>
+            <a:gs pos="100000">
+              <a:schemeClr val="phClr">
+                <a:lumMod val="99000"/>
+                <a:satMod val="120000"/>
+                <a:shade val="78000"/>
+              </a:schemeClr>
+            </a:gs>
+          </a:gsLst>
+          <a:lin ang="5400000" scaled="0"/>
+        </a:gradFill>
+      </a:fillStyleLst>
+      <a:lnStyleLst>
+        <a:ln w="12700" cap="flat" cmpd="sng" algn="ctr">
+          <a:solidFill>
+            <a:schemeClr val="phClr"/>
+          </a:solidFill>
+          <a:prstDash val="solid"/>
+          <a:miter lim="800000"/>
+        </a:ln>
+        <a:ln w="19050" cap="flat" cmpd="sng" algn="ctr">
+          <a:solidFill>
+            <a:schemeClr val="phClr"/>
+          </a:solidFill>
+          <a:prstDash val="solid"/>
+          <a:miter lim="800000"/>
+        </a:ln>
+        <a:ln w="25400" cap="flat" cmpd="sng" algn="ctr">
+          <a:solidFill>
+            <a:schemeClr val="phClr"/>
+          </a:solidFill>
+          <a:prstDash val="solid"/>
+          <a:miter lim="800000"/>
+        </a:ln>
+      </a:lnStyleLst>
+      <a:effectStyleLst>
+        <a:effectStyle>
+          <a:effectLst/>
+        </a:effectStyle>
+        <a:effectStyle>
+          <a:effectLst/>
+        </a:effectStyle>
+        <a:effectStyle>
+          <a:effectLst>
+            <a:outerShdw blurRad="57150" dist="19050" dir="5400000" algn="ctr" rotWithShape="0">
+              <a:srgbClr val="000000">
+                <a:alpha val="63000"/>
+              </a:srgbClr>
+            </a:outerShdw>
+          </a:effectLst>
+        </a:effectStyle>
+      </a:effectStyleLst>
+      <a:bgFillStyleLst>
+        <a:solidFill>
+          <a:schemeClr val="phClr"/>
+        </a:solidFill>
+        <a:solidFill>
+          <a:schemeClr val="phClr">
+            <a:tint val="95000"/>
+            <a:satMod val="170000"/>
+          </a:schemeClr>
+        </a:solidFill>
+        <a:gradFill rotWithShape="1">
+          <a:gsLst>
+            <a:gs pos="0">
+              <a:schemeClr val="phClr">
+                <a:tint val="93000"/>
+                <a:satMod val="150000"/>
+                <a:shade val="98000"/>
+                <a:lumMod val="102000"/>
+              </a:schemeClr>
+            </a:gs>
+            <a:gs pos="50000">
+              <a:schemeClr val="phClr">
+                <a:tint val="98000"/>
+                <a:satMod val="130000"/>
+                <a:shade val="90000"/>
+                <a:lumMod val="103000"/>
+              </a:schemeClr>
+            </a:gs>
+            <a:gs pos="100000">
+              <a:schemeClr val="phClr">
+                <a:shade val="63000"/>
+                <a:satMod val="120000"/>
+              </a:schemeClr>
+            </a:gs>
+          </a:gsLst>
+          <a:lin ang="5400000" scaled="0"/>
+        </a:gradFill>
+      </a:bgFillStyleLst>
+    </a:fmtScheme>
+  </a:themeElements>
+  <a:objectDefaults>
+    <a:lnDef>
+      <a:spPr/>
+      <a:bodyPr/>
+      <a:lstStyle/>
+      <a:style>
+        <a:lnRef idx="2">
+          <a:schemeClr val="accent1"/>
+        </a:lnRef>
+        <a:fillRef idx="0">
+          <a:schemeClr val="accent1"/>
+        </a:fillRef>
+        <a:effectRef idx="1">
+          <a:schemeClr val="accent1"/>
+        </a:effectRef>
+        <a:fontRef idx="minor">
+          <a:schemeClr val="tx1"/>
+        </a:fontRef>
+      </a:style>
+    </a:lnDef>
+  </a:objectDefaults>
+  <a:extraClrSchemeLst/>
+  <a:extLst>
+    <a:ext uri="{05A4C25C-085E-4340-85A3-A5531E510DB2}">
+      <thm15:themeFamily xmlns:thm15="http://schemas.microsoft.com/office/thememl/2012/main" name="Office Theme" id="{2E142A2C-CD16-42D6-873A-C26D2A0506FA}" vid="{1BDDFF52-6CD6-40A5-AB3C-68EB2F1E4D0A}"/>
+    </a:ext>
+  </a:extLst>
+</a:theme>
 </file>